--- a/IQC/Pending.pptx
+++ b/IQC/Pending.pptx
@@ -7,9 +7,9 @@
   <p:sldIdLst>
     <p:sldId id="257" r:id="rId2"/>
     <p:sldId id="256" r:id="rId3"/>
-    <p:sldId id="258" r:id="rId4"/>
-    <p:sldId id="2147378175" r:id="rId5"/>
-    <p:sldId id="262" r:id="rId6"/>
+    <p:sldId id="2147378175" r:id="rId4"/>
+    <p:sldId id="262" r:id="rId5"/>
+    <p:sldId id="2147378176" r:id="rId6"/>
   </p:sldIdLst>
   <p:sldSz cx="12192000" cy="6858000"/>
   <p:notesSz cx="6858000" cy="9144000"/>
@@ -263,7 +263,7 @@
           <a:p>
             <a:fld id="{5FD112FC-22C5-4D05-A608-60B5CF1D83E4}" type="datetimeFigureOut">
               <a:rPr lang="en-US" smtClean="0"/>
-              <a:t>08/05/2024</a:t>
+              <a:t>08/14/2024</a:t>
             </a:fld>
             <a:endParaRPr lang="en-US"/>
           </a:p>
@@ -461,7 +461,7 @@
           <a:p>
             <a:fld id="{5FD112FC-22C5-4D05-A608-60B5CF1D83E4}" type="datetimeFigureOut">
               <a:rPr lang="en-US" smtClean="0"/>
-              <a:t>08/05/2024</a:t>
+              <a:t>08/14/2024</a:t>
             </a:fld>
             <a:endParaRPr lang="en-US"/>
           </a:p>
@@ -669,7 +669,7 @@
           <a:p>
             <a:fld id="{5FD112FC-22C5-4D05-A608-60B5CF1D83E4}" type="datetimeFigureOut">
               <a:rPr lang="en-US" smtClean="0"/>
-              <a:t>08/05/2024</a:t>
+              <a:t>08/14/2024</a:t>
             </a:fld>
             <a:endParaRPr lang="en-US"/>
           </a:p>
@@ -1478,7 +1478,7 @@
           <a:p>
             <a:fld id="{5FD112FC-22C5-4D05-A608-60B5CF1D83E4}" type="datetimeFigureOut">
               <a:rPr lang="en-US" smtClean="0"/>
-              <a:t>08/05/2024</a:t>
+              <a:t>08/14/2024</a:t>
             </a:fld>
             <a:endParaRPr lang="en-US"/>
           </a:p>
@@ -1753,7 +1753,7 @@
           <a:p>
             <a:fld id="{5FD112FC-22C5-4D05-A608-60B5CF1D83E4}" type="datetimeFigureOut">
               <a:rPr lang="en-US" smtClean="0"/>
-              <a:t>08/05/2024</a:t>
+              <a:t>08/14/2024</a:t>
             </a:fld>
             <a:endParaRPr lang="en-US"/>
           </a:p>
@@ -2018,7 +2018,7 @@
           <a:p>
             <a:fld id="{5FD112FC-22C5-4D05-A608-60B5CF1D83E4}" type="datetimeFigureOut">
               <a:rPr lang="en-US" smtClean="0"/>
-              <a:t>08/05/2024</a:t>
+              <a:t>08/14/2024</a:t>
             </a:fld>
             <a:endParaRPr lang="en-US"/>
           </a:p>
@@ -2430,7 +2430,7 @@
           <a:p>
             <a:fld id="{5FD112FC-22C5-4D05-A608-60B5CF1D83E4}" type="datetimeFigureOut">
               <a:rPr lang="en-US" smtClean="0"/>
-              <a:t>08/05/2024</a:t>
+              <a:t>08/14/2024</a:t>
             </a:fld>
             <a:endParaRPr lang="en-US"/>
           </a:p>
@@ -2571,7 +2571,7 @@
           <a:p>
             <a:fld id="{5FD112FC-22C5-4D05-A608-60B5CF1D83E4}" type="datetimeFigureOut">
               <a:rPr lang="en-US" smtClean="0"/>
-              <a:t>08/05/2024</a:t>
+              <a:t>08/14/2024</a:t>
             </a:fld>
             <a:endParaRPr lang="en-US"/>
           </a:p>
@@ -2684,7 +2684,7 @@
           <a:p>
             <a:fld id="{5FD112FC-22C5-4D05-A608-60B5CF1D83E4}" type="datetimeFigureOut">
               <a:rPr lang="en-US" smtClean="0"/>
-              <a:t>08/05/2024</a:t>
+              <a:t>08/14/2024</a:t>
             </a:fld>
             <a:endParaRPr lang="en-US"/>
           </a:p>
@@ -2995,7 +2995,7 @@
           <a:p>
             <a:fld id="{5FD112FC-22C5-4D05-A608-60B5CF1D83E4}" type="datetimeFigureOut">
               <a:rPr lang="en-US" smtClean="0"/>
-              <a:t>08/05/2024</a:t>
+              <a:t>08/14/2024</a:t>
             </a:fld>
             <a:endParaRPr lang="en-US"/>
           </a:p>
@@ -3283,7 +3283,7 @@
           <a:p>
             <a:fld id="{5FD112FC-22C5-4D05-A608-60B5CF1D83E4}" type="datetimeFigureOut">
               <a:rPr lang="en-US" smtClean="0"/>
-              <a:t>08/05/2024</a:t>
+              <a:t>08/14/2024</a:t>
             </a:fld>
             <a:endParaRPr lang="en-US"/>
           </a:p>
@@ -3524,7 +3524,7 @@
           <a:p>
             <a:fld id="{5FD112FC-22C5-4D05-A608-60B5CF1D83E4}" type="datetimeFigureOut">
               <a:rPr lang="en-US" smtClean="0"/>
-              <a:t>08/05/2024</a:t>
+              <a:t>08/14/2024</a:t>
             </a:fld>
             <a:endParaRPr lang="en-US"/>
           </a:p>
@@ -7274,954 +7274,6 @@
           <a:chExt cx="0" cy="0"/>
         </a:xfrm>
       </p:grpSpPr>
-      <p:sp>
-        <p:nvSpPr>
-          <p:cNvPr id="4" name="TextBox 3">
-            <a:extLst>
-              <a:ext uri="{FF2B5EF4-FFF2-40B4-BE49-F238E27FC236}">
-                <a16:creationId xmlns:a16="http://schemas.microsoft.com/office/drawing/2014/main" id="{3C1266E6-5EF2-40AE-B145-8F3D84816A27}"/>
-              </a:ext>
-            </a:extLst>
-          </p:cNvPr>
-          <p:cNvSpPr txBox="1"/>
-          <p:nvPr/>
-        </p:nvSpPr>
-        <p:spPr>
-          <a:xfrm>
-            <a:off x="0" y="0"/>
-            <a:ext cx="12192000" cy="461665"/>
-          </a:xfrm>
-          <a:prstGeom prst="rect">
-            <a:avLst/>
-          </a:prstGeom>
-          <a:solidFill>
-            <a:schemeClr val="accent1">
-              <a:lumMod val="50000"/>
-            </a:schemeClr>
-          </a:solidFill>
-        </p:spPr>
-        <p:txBody>
-          <a:bodyPr wrap="square" rtlCol="0">
-            <a:spAutoFit/>
-          </a:bodyPr>
-          <a:lstStyle/>
-          <a:p>
-            <a:pPr algn="ctr"/>
-            <a:r>
-              <a:rPr lang="en-US" sz="2400" b="1" dirty="0">
-                <a:solidFill>
-                  <a:schemeClr val="bg1"/>
-                </a:solidFill>
-              </a:rPr>
-              <a:t>Quản </a:t>
-            </a:r>
-            <a:r>
-              <a:rPr lang="en-US" sz="2400" b="1" dirty="0" err="1">
-                <a:solidFill>
-                  <a:schemeClr val="bg1"/>
-                </a:solidFill>
-              </a:rPr>
-              <a:t>lý</a:t>
-            </a:r>
-            <a:r>
-              <a:rPr lang="en-US" sz="2400" b="1" dirty="0">
-                <a:solidFill>
-                  <a:schemeClr val="bg1"/>
-                </a:solidFill>
-              </a:rPr>
-              <a:t> invoice </a:t>
-            </a:r>
-            <a:r>
-              <a:rPr lang="en-US" sz="2400" b="1" dirty="0" err="1">
-                <a:solidFill>
-                  <a:schemeClr val="bg1"/>
-                </a:solidFill>
-              </a:rPr>
-              <a:t>tay</a:t>
-            </a:r>
-            <a:r>
-              <a:rPr lang="en-US" sz="2400" b="1" dirty="0">
-                <a:solidFill>
-                  <a:schemeClr val="bg1"/>
-                </a:solidFill>
-              </a:rPr>
-              <a:t> </a:t>
-            </a:r>
-            <a:r>
-              <a:rPr lang="en-US" sz="2400" b="1" dirty="0" err="1">
-                <a:solidFill>
-                  <a:schemeClr val="bg1"/>
-                </a:solidFill>
-              </a:rPr>
-              <a:t>cuối</a:t>
-            </a:r>
-            <a:r>
-              <a:rPr lang="en-US" sz="2400" b="1" dirty="0">
-                <a:solidFill>
-                  <a:schemeClr val="bg1"/>
-                </a:solidFill>
-              </a:rPr>
-              <a:t> </a:t>
-            </a:r>
-            <a:r>
-              <a:rPr lang="en-US" sz="2400" b="1" dirty="0" err="1">
-                <a:solidFill>
-                  <a:schemeClr val="bg1"/>
-                </a:solidFill>
-              </a:rPr>
-              <a:t>tháng</a:t>
-            </a:r>
-            <a:r>
-              <a:rPr lang="en-US" sz="2400" b="1" dirty="0">
-                <a:solidFill>
-                  <a:schemeClr val="bg1"/>
-                </a:solidFill>
-              </a:rPr>
-              <a:t> (</a:t>
-            </a:r>
-            <a:r>
-              <a:rPr lang="en-US" sz="2400" b="1" dirty="0" err="1">
-                <a:solidFill>
-                  <a:schemeClr val="bg1"/>
-                </a:solidFill>
-              </a:rPr>
-              <a:t>linh</a:t>
-            </a:r>
-            <a:r>
-              <a:rPr lang="en-US" sz="2400" b="1" dirty="0">
-                <a:solidFill>
-                  <a:schemeClr val="bg1"/>
-                </a:solidFill>
-              </a:rPr>
-              <a:t> </a:t>
-            </a:r>
-            <a:r>
-              <a:rPr lang="en-US" sz="2400" b="1" dirty="0" err="1">
-                <a:solidFill>
-                  <a:schemeClr val="bg1"/>
-                </a:solidFill>
-              </a:rPr>
-              <a:t>kiện</a:t>
-            </a:r>
-            <a:r>
-              <a:rPr lang="en-US" sz="2400" b="1" dirty="0">
-                <a:solidFill>
-                  <a:schemeClr val="bg1"/>
-                </a:solidFill>
-              </a:rPr>
-              <a:t> </a:t>
-            </a:r>
-            <a:r>
-              <a:rPr lang="en-US" sz="2400" b="1" dirty="0" err="1">
-                <a:solidFill>
-                  <a:schemeClr val="bg1"/>
-                </a:solidFill>
-              </a:rPr>
-              <a:t>không</a:t>
-            </a:r>
-            <a:r>
-              <a:rPr lang="en-US" sz="2400" b="1" dirty="0">
-                <a:solidFill>
-                  <a:schemeClr val="bg1"/>
-                </a:solidFill>
-              </a:rPr>
-              <a:t> </a:t>
-            </a:r>
-            <a:r>
-              <a:rPr lang="en-US" sz="2400" b="1" dirty="0" err="1">
-                <a:solidFill>
-                  <a:schemeClr val="bg1"/>
-                </a:solidFill>
-              </a:rPr>
-              <a:t>nhập</a:t>
-            </a:r>
-            <a:r>
-              <a:rPr lang="en-US" sz="2400" b="1" dirty="0">
-                <a:solidFill>
-                  <a:schemeClr val="bg1"/>
-                </a:solidFill>
-              </a:rPr>
-              <a:t> </a:t>
-            </a:r>
-            <a:r>
-              <a:rPr lang="en-US" sz="2400" b="1" dirty="0" err="1">
-                <a:solidFill>
-                  <a:schemeClr val="bg1"/>
-                </a:solidFill>
-              </a:rPr>
-              <a:t>hệ</a:t>
-            </a:r>
-            <a:r>
-              <a:rPr lang="en-US" sz="2400" b="1" dirty="0">
-                <a:solidFill>
-                  <a:schemeClr val="bg1"/>
-                </a:solidFill>
-              </a:rPr>
-              <a:t> </a:t>
-            </a:r>
-            <a:r>
-              <a:rPr lang="en-US" sz="2400" b="1" dirty="0" err="1">
-                <a:solidFill>
-                  <a:schemeClr val="bg1"/>
-                </a:solidFill>
-              </a:rPr>
-              <a:t>thống</a:t>
-            </a:r>
-            <a:r>
-              <a:rPr lang="en-US" sz="2400" b="1" dirty="0">
-                <a:solidFill>
-                  <a:schemeClr val="bg1"/>
-                </a:solidFill>
-              </a:rPr>
-              <a:t> SAP)</a:t>
-            </a:r>
-          </a:p>
-        </p:txBody>
-      </p:sp>
-      <p:sp>
-        <p:nvSpPr>
-          <p:cNvPr id="237" name="Rectangle 236">
-            <a:extLst>
-              <a:ext uri="{FF2B5EF4-FFF2-40B4-BE49-F238E27FC236}">
-                <a16:creationId xmlns:a16="http://schemas.microsoft.com/office/drawing/2014/main" id="{30269E56-B518-4CC9-BB60-A741914A1B8F}"/>
-              </a:ext>
-            </a:extLst>
-          </p:cNvPr>
-          <p:cNvSpPr/>
-          <p:nvPr/>
-        </p:nvSpPr>
-        <p:spPr>
-          <a:xfrm>
-            <a:off x="175492" y="2215121"/>
-            <a:ext cx="3084944" cy="1419388"/>
-          </a:xfrm>
-          <a:prstGeom prst="rect">
-            <a:avLst/>
-          </a:prstGeom>
-          <a:noFill/>
-          <a:ln>
-            <a:solidFill>
-              <a:schemeClr val="accent2">
-                <a:lumMod val="50000"/>
-              </a:schemeClr>
-            </a:solidFill>
-            <a:prstDash val="dash"/>
-          </a:ln>
-        </p:spPr>
-        <p:style>
-          <a:lnRef idx="2">
-            <a:schemeClr val="accent1">
-              <a:shade val="50000"/>
-            </a:schemeClr>
-          </a:lnRef>
-          <a:fillRef idx="1">
-            <a:schemeClr val="accent1"/>
-          </a:fillRef>
-          <a:effectRef idx="0">
-            <a:schemeClr val="accent1"/>
-          </a:effectRef>
-          <a:fontRef idx="minor">
-            <a:schemeClr val="lt1"/>
-          </a:fontRef>
-        </p:style>
-        <p:txBody>
-          <a:bodyPr rtlCol="0" anchor="ctr"/>
-          <a:lstStyle/>
-          <a:p>
-            <a:r>
-              <a:rPr lang="en-US" sz="2800" dirty="0">
-                <a:solidFill>
-                  <a:schemeClr val="tx1"/>
-                </a:solidFill>
-              </a:rPr>
-              <a:t>Lo1: Date: 27-Jul-24</a:t>
-            </a:r>
-          </a:p>
-          <a:p>
-            <a:r>
-              <a:rPr lang="en-US" sz="2800" dirty="0">
-                <a:solidFill>
-                  <a:schemeClr val="tx1"/>
-                </a:solidFill>
-              </a:rPr>
-              <a:t>Lo2: Date: 28-Jul-24</a:t>
-            </a:r>
-          </a:p>
-          <a:p>
-            <a:r>
-              <a:rPr lang="en-US" sz="2800" dirty="0">
-                <a:solidFill>
-                  <a:schemeClr val="tx1"/>
-                </a:solidFill>
-              </a:rPr>
-              <a:t>Lo3: Date: 29-Jul-24</a:t>
-            </a:r>
-          </a:p>
-        </p:txBody>
-      </p:sp>
-      <p:sp>
-        <p:nvSpPr>
-          <p:cNvPr id="14" name="Rectangle 13">
-            <a:extLst>
-              <a:ext uri="{FF2B5EF4-FFF2-40B4-BE49-F238E27FC236}">
-                <a16:creationId xmlns:a16="http://schemas.microsoft.com/office/drawing/2014/main" id="{0312536B-299D-4F5F-8921-D89CE840E62E}"/>
-              </a:ext>
-            </a:extLst>
-          </p:cNvPr>
-          <p:cNvSpPr/>
-          <p:nvPr/>
-        </p:nvSpPr>
-        <p:spPr>
-          <a:xfrm>
-            <a:off x="3620651" y="2240521"/>
-            <a:ext cx="3971640" cy="1419388"/>
-          </a:xfrm>
-          <a:prstGeom prst="rect">
-            <a:avLst/>
-          </a:prstGeom>
-          <a:noFill/>
-          <a:ln>
-            <a:solidFill>
-              <a:schemeClr val="accent2">
-                <a:lumMod val="50000"/>
-              </a:schemeClr>
-            </a:solidFill>
-            <a:prstDash val="dash"/>
-          </a:ln>
-        </p:spPr>
-        <p:style>
-          <a:lnRef idx="2">
-            <a:schemeClr val="accent1">
-              <a:shade val="50000"/>
-            </a:schemeClr>
-          </a:lnRef>
-          <a:fillRef idx="1">
-            <a:schemeClr val="accent1"/>
-          </a:fillRef>
-          <a:effectRef idx="0">
-            <a:schemeClr val="accent1"/>
-          </a:effectRef>
-          <a:fontRef idx="minor">
-            <a:schemeClr val="lt1"/>
-          </a:fontRef>
-        </p:style>
-        <p:txBody>
-          <a:bodyPr rtlCol="0" anchor="ctr"/>
-          <a:lstStyle/>
-          <a:p>
-            <a:r>
-              <a:rPr lang="en-US" sz="2800" dirty="0">
-                <a:solidFill>
-                  <a:schemeClr val="tx1"/>
-                </a:solidFill>
-              </a:rPr>
-              <a:t>Lo1: Date: </a:t>
-            </a:r>
-            <a:r>
-              <a:rPr lang="en-US" sz="2800" dirty="0">
-                <a:solidFill>
-                  <a:srgbClr val="FF0000"/>
-                </a:solidFill>
-              </a:rPr>
-              <a:t>1-Aug</a:t>
-            </a:r>
-            <a:r>
-              <a:rPr lang="en-US" sz="2800" dirty="0">
-                <a:solidFill>
-                  <a:schemeClr val="tx1"/>
-                </a:solidFill>
-              </a:rPr>
-              <a:t>-24</a:t>
-            </a:r>
-          </a:p>
-          <a:p>
-            <a:r>
-              <a:rPr lang="en-US" sz="2800" dirty="0">
-                <a:solidFill>
-                  <a:schemeClr val="tx1"/>
-                </a:solidFill>
-              </a:rPr>
-              <a:t>Lo2: Date: </a:t>
-            </a:r>
-            <a:r>
-              <a:rPr lang="en-US" sz="2800" dirty="0">
-                <a:solidFill>
-                  <a:srgbClr val="FF0000"/>
-                </a:solidFill>
-              </a:rPr>
-              <a:t>1-Aug</a:t>
-            </a:r>
-            <a:r>
-              <a:rPr lang="en-US" sz="2800" dirty="0">
-                <a:solidFill>
-                  <a:schemeClr val="tx1"/>
-                </a:solidFill>
-              </a:rPr>
-              <a:t>-24</a:t>
-            </a:r>
-          </a:p>
-          <a:p>
-            <a:r>
-              <a:rPr lang="en-US" sz="2800" dirty="0">
-                <a:solidFill>
-                  <a:schemeClr val="tx1"/>
-                </a:solidFill>
-              </a:rPr>
-              <a:t>Lo3: Date: </a:t>
-            </a:r>
-            <a:r>
-              <a:rPr lang="en-US" sz="2800" dirty="0">
-                <a:solidFill>
-                  <a:srgbClr val="FF0000"/>
-                </a:solidFill>
-              </a:rPr>
-              <a:t>1-Aug</a:t>
-            </a:r>
-            <a:r>
-              <a:rPr lang="en-US" sz="2800" dirty="0">
-                <a:solidFill>
-                  <a:schemeClr val="tx1"/>
-                </a:solidFill>
-              </a:rPr>
-              <a:t>-24</a:t>
-            </a:r>
-          </a:p>
-        </p:txBody>
-      </p:sp>
-      <p:sp>
-        <p:nvSpPr>
-          <p:cNvPr id="2" name="TextBox 1">
-            <a:extLst>
-              <a:ext uri="{FF2B5EF4-FFF2-40B4-BE49-F238E27FC236}">
-                <a16:creationId xmlns:a16="http://schemas.microsoft.com/office/drawing/2014/main" id="{439C84FA-2C88-4E74-9CC3-FFC7FE10710B}"/>
-              </a:ext>
-            </a:extLst>
-          </p:cNvPr>
-          <p:cNvSpPr txBox="1"/>
-          <p:nvPr/>
-        </p:nvSpPr>
-        <p:spPr>
-          <a:xfrm>
-            <a:off x="175492" y="1691901"/>
-            <a:ext cx="3191981" cy="523220"/>
-          </a:xfrm>
-          <a:prstGeom prst="rect">
-            <a:avLst/>
-          </a:prstGeom>
-          <a:noFill/>
-        </p:spPr>
-        <p:txBody>
-          <a:bodyPr wrap="square" rtlCol="0">
-            <a:spAutoFit/>
-          </a:bodyPr>
-          <a:lstStyle/>
-          <a:p>
-            <a:r>
-              <a:rPr lang="en-US" sz="2800" dirty="0"/>
-              <a:t>Actual Incoming</a:t>
-            </a:r>
-          </a:p>
-        </p:txBody>
-      </p:sp>
-      <p:sp>
-        <p:nvSpPr>
-          <p:cNvPr id="16" name="TextBox 15">
-            <a:extLst>
-              <a:ext uri="{FF2B5EF4-FFF2-40B4-BE49-F238E27FC236}">
-                <a16:creationId xmlns:a16="http://schemas.microsoft.com/office/drawing/2014/main" id="{0D171CD1-D6E2-485B-8EF5-2EA07B434080}"/>
-              </a:ext>
-            </a:extLst>
-          </p:cNvPr>
-          <p:cNvSpPr txBox="1"/>
-          <p:nvPr/>
-        </p:nvSpPr>
-        <p:spPr>
-          <a:xfrm>
-            <a:off x="3426689" y="1640338"/>
-            <a:ext cx="4165602" cy="523220"/>
-          </a:xfrm>
-          <a:prstGeom prst="rect">
-            <a:avLst/>
-          </a:prstGeom>
-          <a:noFill/>
-        </p:spPr>
-        <p:txBody>
-          <a:bodyPr wrap="square" rtlCol="0">
-            <a:spAutoFit/>
-          </a:bodyPr>
-          <a:lstStyle/>
-          <a:p>
-            <a:r>
-              <a:rPr lang="en-US" sz="2800" dirty="0"/>
-              <a:t>Indicate on Receiving Card</a:t>
-            </a:r>
-          </a:p>
-        </p:txBody>
-      </p:sp>
-      <p:sp>
-        <p:nvSpPr>
-          <p:cNvPr id="18" name="TextBox 17">
-            <a:extLst>
-              <a:ext uri="{FF2B5EF4-FFF2-40B4-BE49-F238E27FC236}">
-                <a16:creationId xmlns:a16="http://schemas.microsoft.com/office/drawing/2014/main" id="{2F85DEA2-4867-45E4-B159-1C72CB2F4365}"/>
-              </a:ext>
-            </a:extLst>
-          </p:cNvPr>
-          <p:cNvSpPr txBox="1"/>
-          <p:nvPr/>
-        </p:nvSpPr>
-        <p:spPr>
-          <a:xfrm>
-            <a:off x="9101619" y="1603845"/>
-            <a:ext cx="2137402" cy="523220"/>
-          </a:xfrm>
-          <a:prstGeom prst="rect">
-            <a:avLst/>
-          </a:prstGeom>
-          <a:noFill/>
-        </p:spPr>
-        <p:txBody>
-          <a:bodyPr wrap="square" rtlCol="0">
-            <a:spAutoFit/>
-          </a:bodyPr>
-          <a:lstStyle/>
-          <a:p>
-            <a:r>
-              <a:rPr lang="en-US" sz="2800" dirty="0"/>
-              <a:t>IQC E-chop</a:t>
-            </a:r>
-          </a:p>
-        </p:txBody>
-      </p:sp>
-      <p:sp>
-        <p:nvSpPr>
-          <p:cNvPr id="19" name="Rectangle 18">
-            <a:extLst>
-              <a:ext uri="{FF2B5EF4-FFF2-40B4-BE49-F238E27FC236}">
-                <a16:creationId xmlns:a16="http://schemas.microsoft.com/office/drawing/2014/main" id="{C86D55F7-B013-44B9-A90A-77FE24686C6E}"/>
-              </a:ext>
-            </a:extLst>
-          </p:cNvPr>
-          <p:cNvSpPr/>
-          <p:nvPr/>
-        </p:nvSpPr>
-        <p:spPr>
-          <a:xfrm>
-            <a:off x="8009008" y="2215121"/>
-            <a:ext cx="3825493" cy="1419388"/>
-          </a:xfrm>
-          <a:prstGeom prst="rect">
-            <a:avLst/>
-          </a:prstGeom>
-          <a:noFill/>
-          <a:ln>
-            <a:solidFill>
-              <a:schemeClr val="accent2">
-                <a:lumMod val="50000"/>
-              </a:schemeClr>
-            </a:solidFill>
-            <a:prstDash val="dash"/>
-          </a:ln>
-        </p:spPr>
-        <p:style>
-          <a:lnRef idx="2">
-            <a:schemeClr val="accent1">
-              <a:shade val="50000"/>
-            </a:schemeClr>
-          </a:lnRef>
-          <a:fillRef idx="1">
-            <a:schemeClr val="accent1"/>
-          </a:fillRef>
-          <a:effectRef idx="0">
-            <a:schemeClr val="accent1"/>
-          </a:effectRef>
-          <a:fontRef idx="minor">
-            <a:schemeClr val="lt1"/>
-          </a:fontRef>
-        </p:style>
-        <p:txBody>
-          <a:bodyPr rtlCol="0" anchor="ctr"/>
-          <a:lstStyle/>
-          <a:p>
-            <a:r>
-              <a:rPr lang="en-US" sz="2800" dirty="0">
-                <a:solidFill>
-                  <a:schemeClr val="tx1"/>
-                </a:solidFill>
-              </a:rPr>
-              <a:t>Lo1: Date: 27-Jul-24</a:t>
-            </a:r>
-          </a:p>
-          <a:p>
-            <a:r>
-              <a:rPr lang="en-US" sz="2800" dirty="0">
-                <a:solidFill>
-                  <a:schemeClr val="tx1"/>
-                </a:solidFill>
-              </a:rPr>
-              <a:t>Lo2: Date: 28-Jul-24</a:t>
-            </a:r>
-          </a:p>
-          <a:p>
-            <a:r>
-              <a:rPr lang="en-US" sz="2800" dirty="0">
-                <a:solidFill>
-                  <a:schemeClr val="tx1"/>
-                </a:solidFill>
-              </a:rPr>
-              <a:t>Lo3: Date: 29-Jul-24</a:t>
-            </a:r>
-          </a:p>
-        </p:txBody>
-      </p:sp>
-      <p:sp>
-        <p:nvSpPr>
-          <p:cNvPr id="3" name="Arrow: Right 2">
-            <a:extLst>
-              <a:ext uri="{FF2B5EF4-FFF2-40B4-BE49-F238E27FC236}">
-                <a16:creationId xmlns:a16="http://schemas.microsoft.com/office/drawing/2014/main" id="{A2990407-D0A0-4382-ADDD-C1FAC5B34283}"/>
-              </a:ext>
-            </a:extLst>
-          </p:cNvPr>
-          <p:cNvSpPr/>
-          <p:nvPr/>
-        </p:nvSpPr>
-        <p:spPr>
-          <a:xfrm>
-            <a:off x="267855" y="863154"/>
-            <a:ext cx="11471563" cy="652635"/>
-          </a:xfrm>
-          <a:prstGeom prst="rightArrow">
-            <a:avLst>
-              <a:gd name="adj1" fmla="val 70370"/>
-              <a:gd name="adj2" fmla="val 50000"/>
-            </a:avLst>
-          </a:prstGeom>
-        </p:spPr>
-        <p:style>
-          <a:lnRef idx="2">
-            <a:schemeClr val="accent1">
-              <a:shade val="50000"/>
-            </a:schemeClr>
-          </a:lnRef>
-          <a:fillRef idx="1">
-            <a:schemeClr val="accent1"/>
-          </a:fillRef>
-          <a:effectRef idx="0">
-            <a:schemeClr val="accent1"/>
-          </a:effectRef>
-          <a:fontRef idx="minor">
-            <a:schemeClr val="lt1"/>
-          </a:fontRef>
-        </p:style>
-        <p:txBody>
-          <a:bodyPr rtlCol="0" anchor="ctr"/>
-          <a:lstStyle/>
-          <a:p>
-            <a:pPr algn="ctr"/>
-            <a:r>
-              <a:rPr lang="en-US" dirty="0"/>
-              <a:t> </a:t>
-            </a:r>
-            <a:r>
-              <a:rPr lang="en-US" dirty="0">
-                <a:solidFill>
-                  <a:schemeClr val="bg1"/>
-                </a:solidFill>
-              </a:rPr>
-              <a:t>Day: 27-Jul ~ 31-Jul-2024</a:t>
-            </a:r>
-          </a:p>
-        </p:txBody>
-      </p:sp>
-      <p:sp>
-        <p:nvSpPr>
-          <p:cNvPr id="21" name="Right Brace 20">
-            <a:extLst>
-              <a:ext uri="{FF2B5EF4-FFF2-40B4-BE49-F238E27FC236}">
-                <a16:creationId xmlns:a16="http://schemas.microsoft.com/office/drawing/2014/main" id="{FF13BBFC-2AFB-4692-A345-00D4BC78AA2E}"/>
-              </a:ext>
-            </a:extLst>
-          </p:cNvPr>
-          <p:cNvSpPr/>
-          <p:nvPr/>
-        </p:nvSpPr>
-        <p:spPr>
-          <a:xfrm rot="5400000">
-            <a:off x="7922898" y="2272365"/>
-            <a:ext cx="172219" cy="3142479"/>
-          </a:xfrm>
-          <a:prstGeom prst="rightBrace">
-            <a:avLst>
-              <a:gd name="adj1" fmla="val 50568"/>
-              <a:gd name="adj2" fmla="val 50000"/>
-            </a:avLst>
-          </a:prstGeom>
-          <a:ln>
-            <a:solidFill>
-              <a:srgbClr val="FF0000"/>
-            </a:solidFill>
-          </a:ln>
-        </p:spPr>
-        <p:style>
-          <a:lnRef idx="1">
-            <a:schemeClr val="accent1"/>
-          </a:lnRef>
-          <a:fillRef idx="0">
-            <a:schemeClr val="accent1"/>
-          </a:fillRef>
-          <a:effectRef idx="0">
-            <a:schemeClr val="accent1"/>
-          </a:effectRef>
-          <a:fontRef idx="minor">
-            <a:schemeClr val="tx1"/>
-          </a:fontRef>
-        </p:style>
-        <p:txBody>
-          <a:bodyPr rtlCol="0" anchor="ctr"/>
-          <a:lstStyle/>
-          <a:p>
-            <a:pPr algn="ctr"/>
-            <a:endParaRPr lang="en-US"/>
-          </a:p>
-        </p:txBody>
-      </p:sp>
-      <p:sp>
-        <p:nvSpPr>
-          <p:cNvPr id="22" name="TextBox 21">
-            <a:extLst>
-              <a:ext uri="{FF2B5EF4-FFF2-40B4-BE49-F238E27FC236}">
-                <a16:creationId xmlns:a16="http://schemas.microsoft.com/office/drawing/2014/main" id="{DD93D3BC-F401-4FD4-9A28-09397C2CE6EA}"/>
-              </a:ext>
-            </a:extLst>
-          </p:cNvPr>
-          <p:cNvSpPr txBox="1"/>
-          <p:nvPr/>
-        </p:nvSpPr>
-        <p:spPr>
-          <a:xfrm>
-            <a:off x="6291944" y="3929714"/>
-            <a:ext cx="4364794" cy="369332"/>
-          </a:xfrm>
-          <a:prstGeom prst="rect">
-            <a:avLst/>
-          </a:prstGeom>
-          <a:noFill/>
-        </p:spPr>
-        <p:txBody>
-          <a:bodyPr wrap="square" rtlCol="0">
-            <a:spAutoFit/>
-          </a:bodyPr>
-          <a:lstStyle/>
-          <a:p>
-            <a:r>
-              <a:rPr lang="en-US" dirty="0" err="1">
-                <a:solidFill>
-                  <a:srgbClr val="FF0000"/>
-                </a:solidFill>
-                <a:highlight>
-                  <a:srgbClr val="FFFF00"/>
-                </a:highlight>
-              </a:rPr>
-              <a:t>Thời</a:t>
-            </a:r>
-            <a:r>
-              <a:rPr lang="en-US" dirty="0">
-                <a:solidFill>
-                  <a:srgbClr val="FF0000"/>
-                </a:solidFill>
-                <a:highlight>
-                  <a:srgbClr val="FFFF00"/>
-                </a:highlight>
-              </a:rPr>
-              <a:t> </a:t>
-            </a:r>
-            <a:r>
-              <a:rPr lang="en-US" dirty="0" err="1">
-                <a:solidFill>
-                  <a:srgbClr val="FF0000"/>
-                </a:solidFill>
-                <a:highlight>
-                  <a:srgbClr val="FFFF00"/>
-                </a:highlight>
-              </a:rPr>
-              <a:t>gian</a:t>
-            </a:r>
-            <a:r>
-              <a:rPr lang="en-US" dirty="0">
-                <a:solidFill>
-                  <a:srgbClr val="FF0000"/>
-                </a:solidFill>
-                <a:highlight>
-                  <a:srgbClr val="FFFF00"/>
-                </a:highlight>
-              </a:rPr>
-              <a:t> </a:t>
-            </a:r>
-            <a:r>
-              <a:rPr lang="en-US" dirty="0" err="1">
-                <a:solidFill>
-                  <a:srgbClr val="FF0000"/>
-                </a:solidFill>
-                <a:highlight>
-                  <a:srgbClr val="FFFF00"/>
-                </a:highlight>
-              </a:rPr>
-              <a:t>không</a:t>
-            </a:r>
-            <a:r>
-              <a:rPr lang="en-US" dirty="0">
-                <a:solidFill>
-                  <a:srgbClr val="FF0000"/>
-                </a:solidFill>
-                <a:highlight>
-                  <a:srgbClr val="FFFF00"/>
-                </a:highlight>
-              </a:rPr>
-              <a:t> </a:t>
-            </a:r>
-            <a:r>
-              <a:rPr lang="en-US" dirty="0" err="1">
-                <a:solidFill>
-                  <a:srgbClr val="FF0000"/>
-                </a:solidFill>
-                <a:highlight>
-                  <a:srgbClr val="FFFF00"/>
-                </a:highlight>
-              </a:rPr>
-              <a:t>khớp</a:t>
-            </a:r>
-            <a:r>
-              <a:rPr lang="en-US" dirty="0">
-                <a:solidFill>
-                  <a:srgbClr val="FF0000"/>
-                </a:solidFill>
-                <a:highlight>
-                  <a:srgbClr val="FFFF00"/>
-                </a:highlight>
-              </a:rPr>
-              <a:t> </a:t>
-            </a:r>
-            <a:r>
-              <a:rPr lang="en-US" dirty="0">
-                <a:solidFill>
-                  <a:srgbClr val="FF0000"/>
-                </a:solidFill>
-                <a:highlight>
-                  <a:srgbClr val="FFFF00"/>
-                </a:highlight>
-                <a:sym typeface="Wingdings" panose="05000000000000000000" pitchFamily="2" charset="2"/>
-              </a:rPr>
-              <a:t> conflict timing</a:t>
-            </a:r>
-            <a:endParaRPr lang="en-US" dirty="0">
-              <a:solidFill>
-                <a:srgbClr val="FF0000"/>
-              </a:solidFill>
-              <a:highlight>
-                <a:srgbClr val="FFFF00"/>
-              </a:highlight>
-            </a:endParaRPr>
-          </a:p>
-        </p:txBody>
-      </p:sp>
-      <p:sp>
-        <p:nvSpPr>
-          <p:cNvPr id="5" name="Rectangle 4">
-            <a:extLst>
-              <a:ext uri="{FF2B5EF4-FFF2-40B4-BE49-F238E27FC236}">
-                <a16:creationId xmlns:a16="http://schemas.microsoft.com/office/drawing/2014/main" id="{BC8555C1-D72B-7B7F-F6F1-2CE5D98FFBEA}"/>
-              </a:ext>
-            </a:extLst>
-          </p:cNvPr>
-          <p:cNvSpPr/>
-          <p:nvPr/>
-        </p:nvSpPr>
-        <p:spPr>
-          <a:xfrm>
-            <a:off x="299081" y="5444916"/>
-            <a:ext cx="11510029" cy="1259346"/>
-          </a:xfrm>
-          <a:prstGeom prst="rect">
-            <a:avLst/>
-          </a:prstGeom>
-          <a:solidFill>
-            <a:schemeClr val="accent6">
-              <a:lumMod val="20000"/>
-              <a:lumOff val="80000"/>
-            </a:schemeClr>
-          </a:solidFill>
-        </p:spPr>
-        <p:style>
-          <a:lnRef idx="2">
-            <a:schemeClr val="accent1">
-              <a:shade val="50000"/>
-            </a:schemeClr>
-          </a:lnRef>
-          <a:fillRef idx="1">
-            <a:schemeClr val="accent1"/>
-          </a:fillRef>
-          <a:effectRef idx="0">
-            <a:schemeClr val="accent1"/>
-          </a:effectRef>
-          <a:fontRef idx="minor">
-            <a:schemeClr val="lt1"/>
-          </a:fontRef>
-        </p:style>
-        <p:txBody>
-          <a:bodyPr rtlCol="0" anchor="ctr"/>
-          <a:lstStyle/>
-          <a:p>
-            <a:pPr marL="342900" indent="-342900" algn="ctr">
-              <a:buFont typeface="Wingdings" panose="05000000000000000000" pitchFamily="2" charset="2"/>
-              <a:buChar char="Ø"/>
-            </a:pPr>
-            <a:r>
-              <a:rPr kumimoji="1" lang="en-US" altLang="ja-JP" sz="2000" b="1" dirty="0">
-                <a:solidFill>
-                  <a:schemeClr val="tx1"/>
-                </a:solidFill>
-              </a:rPr>
-              <a:t>IQC proposal : ???</a:t>
-            </a:r>
-            <a:endParaRPr kumimoji="1" lang="ja-JP" altLang="en-US" sz="2000" b="1" dirty="0">
-              <a:solidFill>
-                <a:schemeClr val="tx1"/>
-              </a:solidFill>
-            </a:endParaRPr>
-          </a:p>
-        </p:txBody>
-      </p:sp>
-    </p:spTree>
-    <p:extLst>
-      <p:ext uri="{BB962C8B-B14F-4D97-AF65-F5344CB8AC3E}">
-        <p14:creationId xmlns:p14="http://schemas.microsoft.com/office/powerpoint/2010/main" val="2913515948"/>
-      </p:ext>
-    </p:extLst>
-  </p:cSld>
-  <p:clrMapOvr>
-    <a:masterClrMapping/>
-  </p:clrMapOvr>
-</p:sld>
-</file>
-
-<file path=ppt/slides/slide4.xml><?xml version="1.0" encoding="utf-8"?>
-<p:sld xmlns:a="http://schemas.openxmlformats.org/drawingml/2006/main" xmlns:r="http://schemas.openxmlformats.org/officeDocument/2006/relationships" xmlns:p="http://schemas.openxmlformats.org/presentationml/2006/main">
-  <p:cSld>
-    <p:spTree>
-      <p:nvGrpSpPr>
-        <p:cNvPr id="1" name=""/>
-        <p:cNvGrpSpPr/>
-        <p:nvPr/>
-      </p:nvGrpSpPr>
-      <p:grpSpPr>
-        <a:xfrm>
-          <a:off x="0" y="0"/>
-          <a:ext cx="0" cy="0"/>
-          <a:chOff x="0" y="0"/>
-          <a:chExt cx="0" cy="0"/>
-        </a:xfrm>
-      </p:grpSpPr>
       <p:pic>
         <p:nvPicPr>
           <p:cNvPr id="3" name="Picture 2" descr="A diagram of a warehouse system&#10;&#10;Description automatically generated">
@@ -8905,7 +7957,7 @@
 </p:sld>
 </file>
 
-<file path=ppt/slides/slide5.xml><?xml version="1.0" encoding="utf-8"?>
+<file path=ppt/slides/slide4.xml><?xml version="1.0" encoding="utf-8"?>
 <p:sld xmlns:a="http://schemas.openxmlformats.org/drawingml/2006/main" xmlns:r="http://schemas.openxmlformats.org/officeDocument/2006/relationships" xmlns:p="http://schemas.openxmlformats.org/presentationml/2006/main">
   <p:cSld>
     <p:spTree>
@@ -33060,6 +32112,7430 @@
 </p:sld>
 </file>
 
+<file path=ppt/slides/slide5.xml><?xml version="1.0" encoding="utf-8"?>
+<p:sld xmlns:a="http://schemas.openxmlformats.org/drawingml/2006/main" xmlns:r="http://schemas.openxmlformats.org/officeDocument/2006/relationships" xmlns:p="http://schemas.openxmlformats.org/presentationml/2006/main">
+  <p:cSld>
+    <p:spTree>
+      <p:nvGrpSpPr>
+        <p:cNvPr id="1" name=""/>
+        <p:cNvGrpSpPr/>
+        <p:nvPr/>
+      </p:nvGrpSpPr>
+      <p:grpSpPr>
+        <a:xfrm>
+          <a:off x="0" y="0"/>
+          <a:ext cx="0" cy="0"/>
+          <a:chOff x="0" y="0"/>
+          <a:chExt cx="0" cy="0"/>
+        </a:xfrm>
+      </p:grpSpPr>
+      <p:sp>
+        <p:nvSpPr>
+          <p:cNvPr id="4" name="TextBox 3">
+            <a:extLst>
+              <a:ext uri="{FF2B5EF4-FFF2-40B4-BE49-F238E27FC236}">
+                <a16:creationId xmlns:a16="http://schemas.microsoft.com/office/drawing/2014/main" id="{3C1266E6-5EF2-40AE-B145-8F3D84816A27}"/>
+              </a:ext>
+            </a:extLst>
+          </p:cNvPr>
+          <p:cNvSpPr txBox="1"/>
+          <p:nvPr/>
+        </p:nvSpPr>
+        <p:spPr>
+          <a:xfrm>
+            <a:off x="0" y="0"/>
+            <a:ext cx="12192000" cy="461665"/>
+          </a:xfrm>
+          <a:prstGeom prst="rect">
+            <a:avLst/>
+          </a:prstGeom>
+          <a:solidFill>
+            <a:schemeClr val="accent1">
+              <a:lumMod val="50000"/>
+            </a:schemeClr>
+          </a:solidFill>
+        </p:spPr>
+        <p:txBody>
+          <a:bodyPr wrap="square" rtlCol="0">
+            <a:spAutoFit/>
+          </a:bodyPr>
+          <a:lstStyle/>
+          <a:p>
+            <a:pPr algn="ctr"/>
+            <a:r>
+              <a:rPr lang="en-US" sz="2400" b="1" dirty="0">
+                <a:solidFill>
+                  <a:schemeClr val="bg1"/>
+                </a:solidFill>
+              </a:rPr>
+              <a:t>IQC E-Chop</a:t>
+            </a:r>
+          </a:p>
+        </p:txBody>
+      </p:sp>
+      <p:sp>
+        <p:nvSpPr>
+          <p:cNvPr id="6" name="TextBox 58">
+            <a:extLst>
+              <a:ext uri="{FF2B5EF4-FFF2-40B4-BE49-F238E27FC236}">
+                <a16:creationId xmlns:a16="http://schemas.microsoft.com/office/drawing/2014/main" id="{67DCBC72-4F98-4FDB-9C32-C064EDF9B84F}"/>
+              </a:ext>
+            </a:extLst>
+          </p:cNvPr>
+          <p:cNvSpPr txBox="1"/>
+          <p:nvPr/>
+        </p:nvSpPr>
+        <p:spPr>
+          <a:xfrm>
+            <a:off x="5905623" y="841466"/>
+            <a:ext cx="903389" cy="132273"/>
+          </a:xfrm>
+          <a:prstGeom prst="rect">
+            <a:avLst/>
+          </a:prstGeom>
+          <a:noFill/>
+          <a:ln w="9525" cmpd="sng">
+            <a:noFill/>
+          </a:ln>
+        </p:spPr>
+        <p:style>
+          <a:lnRef idx="0">
+            <a:scrgbClr r="0" g="0" b="0"/>
+          </a:lnRef>
+          <a:fillRef idx="0">
+            <a:scrgbClr r="0" g="0" b="0"/>
+          </a:fillRef>
+          <a:effectRef idx="0">
+            <a:scrgbClr r="0" g="0" b="0"/>
+          </a:effectRef>
+          <a:fontRef idx="minor">
+            <a:schemeClr val="dk1"/>
+          </a:fontRef>
+        </p:style>
+        <p:txBody>
+          <a:bodyPr wrap="square" lIns="0" tIns="0" rIns="0" bIns="0" rtlCol="0" anchor="ctr" anchorCtr="0">
+            <a:spAutoFit/>
+          </a:bodyPr>
+          <a:lstStyle>
+            <a:lvl1pPr marL="0" indent="0">
+              <a:defRPr sz="1100">
+                <a:solidFill>
+                  <a:schemeClr val="dk1"/>
+                </a:solidFill>
+                <a:latin typeface="+mn-lt"/>
+                <a:ea typeface="+mn-ea"/>
+                <a:cs typeface="+mn-cs"/>
+              </a:defRPr>
+            </a:lvl1pPr>
+            <a:lvl2pPr marL="457200" indent="0">
+              <a:defRPr sz="1100">
+                <a:solidFill>
+                  <a:schemeClr val="dk1"/>
+                </a:solidFill>
+                <a:latin typeface="+mn-lt"/>
+                <a:ea typeface="+mn-ea"/>
+                <a:cs typeface="+mn-cs"/>
+              </a:defRPr>
+            </a:lvl2pPr>
+            <a:lvl3pPr marL="914400" indent="0">
+              <a:defRPr sz="1100">
+                <a:solidFill>
+                  <a:schemeClr val="dk1"/>
+                </a:solidFill>
+                <a:latin typeface="+mn-lt"/>
+                <a:ea typeface="+mn-ea"/>
+                <a:cs typeface="+mn-cs"/>
+              </a:defRPr>
+            </a:lvl3pPr>
+            <a:lvl4pPr marL="1371600" indent="0">
+              <a:defRPr sz="1100">
+                <a:solidFill>
+                  <a:schemeClr val="dk1"/>
+                </a:solidFill>
+                <a:latin typeface="+mn-lt"/>
+                <a:ea typeface="+mn-ea"/>
+                <a:cs typeface="+mn-cs"/>
+              </a:defRPr>
+            </a:lvl4pPr>
+            <a:lvl5pPr marL="1828800" indent="0">
+              <a:defRPr sz="1100">
+                <a:solidFill>
+                  <a:schemeClr val="dk1"/>
+                </a:solidFill>
+                <a:latin typeface="+mn-lt"/>
+                <a:ea typeface="+mn-ea"/>
+                <a:cs typeface="+mn-cs"/>
+              </a:defRPr>
+            </a:lvl5pPr>
+            <a:lvl6pPr marL="2286000" indent="0">
+              <a:defRPr sz="1100">
+                <a:solidFill>
+                  <a:schemeClr val="dk1"/>
+                </a:solidFill>
+                <a:latin typeface="+mn-lt"/>
+                <a:ea typeface="+mn-ea"/>
+                <a:cs typeface="+mn-cs"/>
+              </a:defRPr>
+            </a:lvl6pPr>
+            <a:lvl7pPr marL="2743200" indent="0">
+              <a:defRPr sz="1100">
+                <a:solidFill>
+                  <a:schemeClr val="dk1"/>
+                </a:solidFill>
+                <a:latin typeface="+mn-lt"/>
+                <a:ea typeface="+mn-ea"/>
+                <a:cs typeface="+mn-cs"/>
+              </a:defRPr>
+            </a:lvl7pPr>
+            <a:lvl8pPr marL="3200400" indent="0">
+              <a:defRPr sz="1100">
+                <a:solidFill>
+                  <a:schemeClr val="dk1"/>
+                </a:solidFill>
+                <a:latin typeface="+mn-lt"/>
+                <a:ea typeface="+mn-ea"/>
+                <a:cs typeface="+mn-cs"/>
+              </a:defRPr>
+            </a:lvl8pPr>
+            <a:lvl9pPr marL="3657600" indent="0">
+              <a:defRPr sz="1100">
+                <a:solidFill>
+                  <a:schemeClr val="dk1"/>
+                </a:solidFill>
+                <a:latin typeface="+mn-lt"/>
+                <a:ea typeface="+mn-ea"/>
+                <a:cs typeface="+mn-cs"/>
+              </a:defRPr>
+            </a:lvl9pPr>
+          </a:lstStyle>
+          <a:p>
+            <a:pPr marL="0" indent="0" algn="ctr"/>
+            <a:r>
+              <a:rPr lang="en-US" sz="1100" dirty="0">
+                <a:solidFill>
+                  <a:schemeClr val="dk1"/>
+                </a:solidFill>
+                <a:latin typeface="+mn-lt"/>
+                <a:ea typeface="+mn-ea"/>
+                <a:cs typeface="+mn-cs"/>
+              </a:rPr>
+              <a:t>Non inspection</a:t>
+            </a:r>
+          </a:p>
+        </p:txBody>
+      </p:sp>
+      <p:sp>
+        <p:nvSpPr>
+          <p:cNvPr id="7" name="Rectangle 6">
+            <a:extLst>
+              <a:ext uri="{FF2B5EF4-FFF2-40B4-BE49-F238E27FC236}">
+                <a16:creationId xmlns:a16="http://schemas.microsoft.com/office/drawing/2014/main" id="{40A9FA49-1B4A-4E5A-95EC-D1E5C6B06F43}"/>
+              </a:ext>
+            </a:extLst>
+          </p:cNvPr>
+          <p:cNvSpPr/>
+          <p:nvPr/>
+        </p:nvSpPr>
+        <p:spPr>
+          <a:xfrm>
+            <a:off x="5702599" y="3018003"/>
+            <a:ext cx="1574296" cy="673013"/>
+          </a:xfrm>
+          <a:prstGeom prst="rect">
+            <a:avLst/>
+          </a:prstGeom>
+          <a:solidFill>
+            <a:schemeClr val="accent6">
+              <a:lumMod val="40000"/>
+              <a:lumOff val="60000"/>
+            </a:schemeClr>
+          </a:solidFill>
+          <a:ln w="28575">
+            <a:solidFill>
+              <a:sysClr val="windowText" lastClr="000000"/>
+            </a:solidFill>
+            <a:prstDash val="dash"/>
+          </a:ln>
+        </p:spPr>
+        <p:style>
+          <a:lnRef idx="2">
+            <a:schemeClr val="accent1">
+              <a:shade val="50000"/>
+            </a:schemeClr>
+          </a:lnRef>
+          <a:fillRef idx="1">
+            <a:schemeClr val="accent1"/>
+          </a:fillRef>
+          <a:effectRef idx="0">
+            <a:schemeClr val="accent1"/>
+          </a:effectRef>
+          <a:fontRef idx="minor">
+            <a:schemeClr val="lt1"/>
+          </a:fontRef>
+        </p:style>
+        <p:txBody>
+          <a:bodyPr rtlCol="0" anchor="ctr"/>
+          <a:lstStyle>
+            <a:lvl1pPr marL="0" indent="0">
+              <a:defRPr sz="1100">
+                <a:solidFill>
+                  <a:schemeClr val="lt1"/>
+                </a:solidFill>
+                <a:latin typeface="+mn-lt"/>
+                <a:ea typeface="+mn-ea"/>
+                <a:cs typeface="+mn-cs"/>
+              </a:defRPr>
+            </a:lvl1pPr>
+            <a:lvl2pPr marL="457200" indent="0">
+              <a:defRPr sz="1100">
+                <a:solidFill>
+                  <a:schemeClr val="lt1"/>
+                </a:solidFill>
+                <a:latin typeface="+mn-lt"/>
+                <a:ea typeface="+mn-ea"/>
+                <a:cs typeface="+mn-cs"/>
+              </a:defRPr>
+            </a:lvl2pPr>
+            <a:lvl3pPr marL="914400" indent="0">
+              <a:defRPr sz="1100">
+                <a:solidFill>
+                  <a:schemeClr val="lt1"/>
+                </a:solidFill>
+                <a:latin typeface="+mn-lt"/>
+                <a:ea typeface="+mn-ea"/>
+                <a:cs typeface="+mn-cs"/>
+              </a:defRPr>
+            </a:lvl3pPr>
+            <a:lvl4pPr marL="1371600" indent="0">
+              <a:defRPr sz="1100">
+                <a:solidFill>
+                  <a:schemeClr val="lt1"/>
+                </a:solidFill>
+                <a:latin typeface="+mn-lt"/>
+                <a:ea typeface="+mn-ea"/>
+                <a:cs typeface="+mn-cs"/>
+              </a:defRPr>
+            </a:lvl4pPr>
+            <a:lvl5pPr marL="1828800" indent="0">
+              <a:defRPr sz="1100">
+                <a:solidFill>
+                  <a:schemeClr val="lt1"/>
+                </a:solidFill>
+                <a:latin typeface="+mn-lt"/>
+                <a:ea typeface="+mn-ea"/>
+                <a:cs typeface="+mn-cs"/>
+              </a:defRPr>
+            </a:lvl5pPr>
+            <a:lvl6pPr marL="2286000" indent="0">
+              <a:defRPr sz="1100">
+                <a:solidFill>
+                  <a:schemeClr val="lt1"/>
+                </a:solidFill>
+                <a:latin typeface="+mn-lt"/>
+                <a:ea typeface="+mn-ea"/>
+                <a:cs typeface="+mn-cs"/>
+              </a:defRPr>
+            </a:lvl6pPr>
+            <a:lvl7pPr marL="2743200" indent="0">
+              <a:defRPr sz="1100">
+                <a:solidFill>
+                  <a:schemeClr val="lt1"/>
+                </a:solidFill>
+                <a:latin typeface="+mn-lt"/>
+                <a:ea typeface="+mn-ea"/>
+                <a:cs typeface="+mn-cs"/>
+              </a:defRPr>
+            </a:lvl7pPr>
+            <a:lvl8pPr marL="3200400" indent="0">
+              <a:defRPr sz="1100">
+                <a:solidFill>
+                  <a:schemeClr val="lt1"/>
+                </a:solidFill>
+                <a:latin typeface="+mn-lt"/>
+                <a:ea typeface="+mn-ea"/>
+                <a:cs typeface="+mn-cs"/>
+              </a:defRPr>
+            </a:lvl8pPr>
+            <a:lvl9pPr marL="3657600" indent="0">
+              <a:defRPr sz="1100">
+                <a:solidFill>
+                  <a:schemeClr val="lt1"/>
+                </a:solidFill>
+                <a:latin typeface="+mn-lt"/>
+                <a:ea typeface="+mn-ea"/>
+                <a:cs typeface="+mn-cs"/>
+              </a:defRPr>
+            </a:lvl9pPr>
+          </a:lstStyle>
+          <a:p>
+            <a:pPr algn="ctr"/>
+            <a:r>
+              <a:rPr lang="en-US" sz="1100">
+                <a:solidFill>
+                  <a:sysClr val="windowText" lastClr="000000"/>
+                </a:solidFill>
+              </a:rPr>
+              <a:t>Kho MCS OK</a:t>
+            </a:r>
+          </a:p>
+        </p:txBody>
+      </p:sp>
+      <p:sp>
+        <p:nvSpPr>
+          <p:cNvPr id="8" name="Flowchart: Decision 7">
+            <a:extLst>
+              <a:ext uri="{FF2B5EF4-FFF2-40B4-BE49-F238E27FC236}">
+                <a16:creationId xmlns:a16="http://schemas.microsoft.com/office/drawing/2014/main" id="{05637BAB-56DD-4862-B02A-9E5680446A4A}"/>
+              </a:ext>
+            </a:extLst>
+          </p:cNvPr>
+          <p:cNvSpPr/>
+          <p:nvPr/>
+        </p:nvSpPr>
+        <p:spPr>
+          <a:xfrm>
+            <a:off x="7742108" y="2008482"/>
+            <a:ext cx="1035997" cy="512075"/>
+          </a:xfrm>
+          <a:prstGeom prst="flowChartDecision">
+            <a:avLst/>
+          </a:prstGeom>
+          <a:noFill/>
+          <a:ln w="28575"/>
+        </p:spPr>
+        <p:style>
+          <a:lnRef idx="2">
+            <a:schemeClr val="accent1">
+              <a:shade val="50000"/>
+            </a:schemeClr>
+          </a:lnRef>
+          <a:fillRef idx="1">
+            <a:schemeClr val="accent1"/>
+          </a:fillRef>
+          <a:effectRef idx="0">
+            <a:schemeClr val="accent1"/>
+          </a:effectRef>
+          <a:fontRef idx="minor">
+            <a:schemeClr val="lt1"/>
+          </a:fontRef>
+        </p:style>
+        <p:txBody>
+          <a:bodyPr lIns="0" tIns="0" rIns="0" bIns="0" rtlCol="0" anchor="ctr" anchorCtr="0"/>
+          <a:lstStyle>
+            <a:lvl1pPr marL="0" indent="0">
+              <a:defRPr sz="1100">
+                <a:solidFill>
+                  <a:schemeClr val="lt1"/>
+                </a:solidFill>
+                <a:latin typeface="+mn-lt"/>
+                <a:ea typeface="+mn-ea"/>
+                <a:cs typeface="+mn-cs"/>
+              </a:defRPr>
+            </a:lvl1pPr>
+            <a:lvl2pPr marL="457200" indent="0">
+              <a:defRPr sz="1100">
+                <a:solidFill>
+                  <a:schemeClr val="lt1"/>
+                </a:solidFill>
+                <a:latin typeface="+mn-lt"/>
+                <a:ea typeface="+mn-ea"/>
+                <a:cs typeface="+mn-cs"/>
+              </a:defRPr>
+            </a:lvl2pPr>
+            <a:lvl3pPr marL="914400" indent="0">
+              <a:defRPr sz="1100">
+                <a:solidFill>
+                  <a:schemeClr val="lt1"/>
+                </a:solidFill>
+                <a:latin typeface="+mn-lt"/>
+                <a:ea typeface="+mn-ea"/>
+                <a:cs typeface="+mn-cs"/>
+              </a:defRPr>
+            </a:lvl3pPr>
+            <a:lvl4pPr marL="1371600" indent="0">
+              <a:defRPr sz="1100">
+                <a:solidFill>
+                  <a:schemeClr val="lt1"/>
+                </a:solidFill>
+                <a:latin typeface="+mn-lt"/>
+                <a:ea typeface="+mn-ea"/>
+                <a:cs typeface="+mn-cs"/>
+              </a:defRPr>
+            </a:lvl4pPr>
+            <a:lvl5pPr marL="1828800" indent="0">
+              <a:defRPr sz="1100">
+                <a:solidFill>
+                  <a:schemeClr val="lt1"/>
+                </a:solidFill>
+                <a:latin typeface="+mn-lt"/>
+                <a:ea typeface="+mn-ea"/>
+                <a:cs typeface="+mn-cs"/>
+              </a:defRPr>
+            </a:lvl5pPr>
+            <a:lvl6pPr marL="2286000" indent="0">
+              <a:defRPr sz="1100">
+                <a:solidFill>
+                  <a:schemeClr val="lt1"/>
+                </a:solidFill>
+                <a:latin typeface="+mn-lt"/>
+                <a:ea typeface="+mn-ea"/>
+                <a:cs typeface="+mn-cs"/>
+              </a:defRPr>
+            </a:lvl6pPr>
+            <a:lvl7pPr marL="2743200" indent="0">
+              <a:defRPr sz="1100">
+                <a:solidFill>
+                  <a:schemeClr val="lt1"/>
+                </a:solidFill>
+                <a:latin typeface="+mn-lt"/>
+                <a:ea typeface="+mn-ea"/>
+                <a:cs typeface="+mn-cs"/>
+              </a:defRPr>
+            </a:lvl7pPr>
+            <a:lvl8pPr marL="3200400" indent="0">
+              <a:defRPr sz="1100">
+                <a:solidFill>
+                  <a:schemeClr val="lt1"/>
+                </a:solidFill>
+                <a:latin typeface="+mn-lt"/>
+                <a:ea typeface="+mn-ea"/>
+                <a:cs typeface="+mn-cs"/>
+              </a:defRPr>
+            </a:lvl8pPr>
+            <a:lvl9pPr marL="3657600" indent="0">
+              <a:defRPr sz="1100">
+                <a:solidFill>
+                  <a:schemeClr val="lt1"/>
+                </a:solidFill>
+                <a:latin typeface="+mn-lt"/>
+                <a:ea typeface="+mn-ea"/>
+                <a:cs typeface="+mn-cs"/>
+              </a:defRPr>
+            </a:lvl9pPr>
+          </a:lstStyle>
+          <a:p>
+            <a:pPr algn="ctr"/>
+            <a:r>
+              <a:rPr lang="en-US" sz="1100">
+                <a:solidFill>
+                  <a:sysClr val="windowText" lastClr="000000"/>
+                </a:solidFill>
+              </a:rPr>
+              <a:t>SPL</a:t>
+            </a:r>
+          </a:p>
+        </p:txBody>
+      </p:sp>
+      <p:cxnSp>
+        <p:nvCxnSpPr>
+          <p:cNvPr id="9" name="Straight Arrow Connector 63">
+            <a:extLst>
+              <a:ext uri="{FF2B5EF4-FFF2-40B4-BE49-F238E27FC236}">
+                <a16:creationId xmlns:a16="http://schemas.microsoft.com/office/drawing/2014/main" id="{A0E8E5CD-64C1-4839-8510-96AAC5F7A4FE}"/>
+              </a:ext>
+            </a:extLst>
+          </p:cNvPr>
+          <p:cNvCxnSpPr>
+            <a:stCxn id="8" idx="1"/>
+            <a:endCxn id="7" idx="3"/>
+          </p:cNvCxnSpPr>
+          <p:nvPr/>
+        </p:nvCxnSpPr>
+        <p:spPr>
+          <a:xfrm rot="10800000" flipV="1">
+            <a:off x="7276896" y="2264520"/>
+            <a:ext cx="465213" cy="1089990"/>
+          </a:xfrm>
+          <a:prstGeom prst="bentConnector3">
+            <a:avLst>
+              <a:gd name="adj1" fmla="val 50000"/>
+            </a:avLst>
+          </a:prstGeom>
+          <a:ln w="19050">
+            <a:solidFill>
+              <a:srgbClr val="0000FF"/>
+            </a:solidFill>
+            <a:tailEnd type="arrow"/>
+          </a:ln>
+        </p:spPr>
+        <p:style>
+          <a:lnRef idx="1">
+            <a:schemeClr val="accent1"/>
+          </a:lnRef>
+          <a:fillRef idx="0">
+            <a:schemeClr val="accent1"/>
+          </a:fillRef>
+          <a:effectRef idx="0">
+            <a:schemeClr val="accent1"/>
+          </a:effectRef>
+          <a:fontRef idx="minor">
+            <a:schemeClr val="tx1"/>
+          </a:fontRef>
+        </p:style>
+      </p:cxnSp>
+      <p:sp>
+        <p:nvSpPr>
+          <p:cNvPr id="10" name="Rectangle 9">
+            <a:extLst>
+              <a:ext uri="{FF2B5EF4-FFF2-40B4-BE49-F238E27FC236}">
+                <a16:creationId xmlns:a16="http://schemas.microsoft.com/office/drawing/2014/main" id="{C1896878-6F94-4D12-8ED5-01B8216225AB}"/>
+              </a:ext>
+            </a:extLst>
+          </p:cNvPr>
+          <p:cNvSpPr/>
+          <p:nvPr/>
+        </p:nvSpPr>
+        <p:spPr>
+          <a:xfrm>
+            <a:off x="9102940" y="3061895"/>
+            <a:ext cx="1574296" cy="673013"/>
+          </a:xfrm>
+          <a:prstGeom prst="rect">
+            <a:avLst/>
+          </a:prstGeom>
+          <a:solidFill>
+            <a:schemeClr val="accent4">
+              <a:lumMod val="40000"/>
+              <a:lumOff val="60000"/>
+            </a:schemeClr>
+          </a:solidFill>
+          <a:ln w="28575">
+            <a:solidFill>
+              <a:sysClr val="windowText" lastClr="000000"/>
+            </a:solidFill>
+            <a:prstDash val="dash"/>
+          </a:ln>
+        </p:spPr>
+        <p:style>
+          <a:lnRef idx="2">
+            <a:schemeClr val="accent1">
+              <a:shade val="50000"/>
+            </a:schemeClr>
+          </a:lnRef>
+          <a:fillRef idx="1">
+            <a:schemeClr val="accent1"/>
+          </a:fillRef>
+          <a:effectRef idx="0">
+            <a:schemeClr val="accent1"/>
+          </a:effectRef>
+          <a:fontRef idx="minor">
+            <a:schemeClr val="lt1"/>
+          </a:fontRef>
+        </p:style>
+        <p:txBody>
+          <a:bodyPr rtlCol="0" anchor="ctr"/>
+          <a:lstStyle>
+            <a:lvl1pPr marL="0" indent="0">
+              <a:defRPr sz="1100">
+                <a:solidFill>
+                  <a:schemeClr val="lt1"/>
+                </a:solidFill>
+                <a:latin typeface="+mn-lt"/>
+                <a:ea typeface="+mn-ea"/>
+                <a:cs typeface="+mn-cs"/>
+              </a:defRPr>
+            </a:lvl1pPr>
+            <a:lvl2pPr marL="457200" indent="0">
+              <a:defRPr sz="1100">
+                <a:solidFill>
+                  <a:schemeClr val="lt1"/>
+                </a:solidFill>
+                <a:latin typeface="+mn-lt"/>
+                <a:ea typeface="+mn-ea"/>
+                <a:cs typeface="+mn-cs"/>
+              </a:defRPr>
+            </a:lvl2pPr>
+            <a:lvl3pPr marL="914400" indent="0">
+              <a:defRPr sz="1100">
+                <a:solidFill>
+                  <a:schemeClr val="lt1"/>
+                </a:solidFill>
+                <a:latin typeface="+mn-lt"/>
+                <a:ea typeface="+mn-ea"/>
+                <a:cs typeface="+mn-cs"/>
+              </a:defRPr>
+            </a:lvl3pPr>
+            <a:lvl4pPr marL="1371600" indent="0">
+              <a:defRPr sz="1100">
+                <a:solidFill>
+                  <a:schemeClr val="lt1"/>
+                </a:solidFill>
+                <a:latin typeface="+mn-lt"/>
+                <a:ea typeface="+mn-ea"/>
+                <a:cs typeface="+mn-cs"/>
+              </a:defRPr>
+            </a:lvl4pPr>
+            <a:lvl5pPr marL="1828800" indent="0">
+              <a:defRPr sz="1100">
+                <a:solidFill>
+                  <a:schemeClr val="lt1"/>
+                </a:solidFill>
+                <a:latin typeface="+mn-lt"/>
+                <a:ea typeface="+mn-ea"/>
+                <a:cs typeface="+mn-cs"/>
+              </a:defRPr>
+            </a:lvl5pPr>
+            <a:lvl6pPr marL="2286000" indent="0">
+              <a:defRPr sz="1100">
+                <a:solidFill>
+                  <a:schemeClr val="lt1"/>
+                </a:solidFill>
+                <a:latin typeface="+mn-lt"/>
+                <a:ea typeface="+mn-ea"/>
+                <a:cs typeface="+mn-cs"/>
+              </a:defRPr>
+            </a:lvl6pPr>
+            <a:lvl7pPr marL="2743200" indent="0">
+              <a:defRPr sz="1100">
+                <a:solidFill>
+                  <a:schemeClr val="lt1"/>
+                </a:solidFill>
+                <a:latin typeface="+mn-lt"/>
+                <a:ea typeface="+mn-ea"/>
+                <a:cs typeface="+mn-cs"/>
+              </a:defRPr>
+            </a:lvl7pPr>
+            <a:lvl8pPr marL="3200400" indent="0">
+              <a:defRPr sz="1100">
+                <a:solidFill>
+                  <a:schemeClr val="lt1"/>
+                </a:solidFill>
+                <a:latin typeface="+mn-lt"/>
+                <a:ea typeface="+mn-ea"/>
+                <a:cs typeface="+mn-cs"/>
+              </a:defRPr>
+            </a:lvl8pPr>
+            <a:lvl9pPr marL="3657600" indent="0">
+              <a:defRPr sz="1100">
+                <a:solidFill>
+                  <a:schemeClr val="lt1"/>
+                </a:solidFill>
+                <a:latin typeface="+mn-lt"/>
+                <a:ea typeface="+mn-ea"/>
+                <a:cs typeface="+mn-cs"/>
+              </a:defRPr>
+            </a:lvl9pPr>
+          </a:lstStyle>
+          <a:p>
+            <a:pPr algn="ctr"/>
+            <a:r>
+              <a:rPr lang="en-US" sz="1100">
+                <a:solidFill>
+                  <a:srgbClr val="FF0000"/>
+                </a:solidFill>
+              </a:rPr>
+              <a:t>Kho NG</a:t>
+            </a:r>
+          </a:p>
+        </p:txBody>
+      </p:sp>
+      <p:cxnSp>
+        <p:nvCxnSpPr>
+          <p:cNvPr id="11" name="Straight Arrow Connector 63">
+            <a:extLst>
+              <a:ext uri="{FF2B5EF4-FFF2-40B4-BE49-F238E27FC236}">
+                <a16:creationId xmlns:a16="http://schemas.microsoft.com/office/drawing/2014/main" id="{6A137D2E-5E8E-46DC-960A-537ECB7D5D44}"/>
+              </a:ext>
+            </a:extLst>
+          </p:cNvPr>
+          <p:cNvCxnSpPr>
+            <a:stCxn id="35" idx="1"/>
+            <a:endCxn id="7" idx="0"/>
+          </p:cNvCxnSpPr>
+          <p:nvPr/>
+        </p:nvCxnSpPr>
+        <p:spPr>
+          <a:xfrm rot="10800000" flipV="1">
+            <a:off x="6488588" y="1020909"/>
+            <a:ext cx="631691" cy="1997095"/>
+          </a:xfrm>
+          <a:prstGeom prst="bentConnector2">
+            <a:avLst/>
+          </a:prstGeom>
+          <a:ln w="28575">
+            <a:solidFill>
+              <a:schemeClr val="accent6">
+                <a:lumMod val="75000"/>
+              </a:schemeClr>
+            </a:solidFill>
+            <a:tailEnd type="triangle"/>
+          </a:ln>
+        </p:spPr>
+        <p:style>
+          <a:lnRef idx="1">
+            <a:schemeClr val="accent1"/>
+          </a:lnRef>
+          <a:fillRef idx="0">
+            <a:schemeClr val="accent1"/>
+          </a:fillRef>
+          <a:effectRef idx="0">
+            <a:schemeClr val="accent1"/>
+          </a:effectRef>
+          <a:fontRef idx="minor">
+            <a:schemeClr val="tx1"/>
+          </a:fontRef>
+        </p:style>
+      </p:cxnSp>
+      <p:sp>
+        <p:nvSpPr>
+          <p:cNvPr id="12" name="TextBox 72">
+            <a:extLst>
+              <a:ext uri="{FF2B5EF4-FFF2-40B4-BE49-F238E27FC236}">
+                <a16:creationId xmlns:a16="http://schemas.microsoft.com/office/drawing/2014/main" id="{B3A7816B-37FF-4C8B-A85E-E7E6C7D441D0}"/>
+              </a:ext>
+            </a:extLst>
+          </p:cNvPr>
+          <p:cNvSpPr txBox="1"/>
+          <p:nvPr/>
+        </p:nvSpPr>
+        <p:spPr>
+          <a:xfrm>
+            <a:off x="7512401" y="2041103"/>
+            <a:ext cx="365441" cy="132273"/>
+          </a:xfrm>
+          <a:prstGeom prst="rect">
+            <a:avLst/>
+          </a:prstGeom>
+          <a:noFill/>
+          <a:ln w="9525" cmpd="sng">
+            <a:noFill/>
+          </a:ln>
+        </p:spPr>
+        <p:style>
+          <a:lnRef idx="0">
+            <a:scrgbClr r="0" g="0" b="0"/>
+          </a:lnRef>
+          <a:fillRef idx="0">
+            <a:scrgbClr r="0" g="0" b="0"/>
+          </a:fillRef>
+          <a:effectRef idx="0">
+            <a:scrgbClr r="0" g="0" b="0"/>
+          </a:effectRef>
+          <a:fontRef idx="minor">
+            <a:schemeClr val="dk1"/>
+          </a:fontRef>
+        </p:style>
+        <p:txBody>
+          <a:bodyPr wrap="square" lIns="0" tIns="0" rIns="0" bIns="0" rtlCol="0" anchor="ctr" anchorCtr="0">
+            <a:spAutoFit/>
+          </a:bodyPr>
+          <a:lstStyle>
+            <a:lvl1pPr marL="0" indent="0">
+              <a:defRPr sz="1100">
+                <a:solidFill>
+                  <a:schemeClr val="dk1"/>
+                </a:solidFill>
+                <a:latin typeface="+mn-lt"/>
+                <a:ea typeface="+mn-ea"/>
+                <a:cs typeface="+mn-cs"/>
+              </a:defRPr>
+            </a:lvl1pPr>
+            <a:lvl2pPr marL="457200" indent="0">
+              <a:defRPr sz="1100">
+                <a:solidFill>
+                  <a:schemeClr val="dk1"/>
+                </a:solidFill>
+                <a:latin typeface="+mn-lt"/>
+                <a:ea typeface="+mn-ea"/>
+                <a:cs typeface="+mn-cs"/>
+              </a:defRPr>
+            </a:lvl2pPr>
+            <a:lvl3pPr marL="914400" indent="0">
+              <a:defRPr sz="1100">
+                <a:solidFill>
+                  <a:schemeClr val="dk1"/>
+                </a:solidFill>
+                <a:latin typeface="+mn-lt"/>
+                <a:ea typeface="+mn-ea"/>
+                <a:cs typeface="+mn-cs"/>
+              </a:defRPr>
+            </a:lvl3pPr>
+            <a:lvl4pPr marL="1371600" indent="0">
+              <a:defRPr sz="1100">
+                <a:solidFill>
+                  <a:schemeClr val="dk1"/>
+                </a:solidFill>
+                <a:latin typeface="+mn-lt"/>
+                <a:ea typeface="+mn-ea"/>
+                <a:cs typeface="+mn-cs"/>
+              </a:defRPr>
+            </a:lvl4pPr>
+            <a:lvl5pPr marL="1828800" indent="0">
+              <a:defRPr sz="1100">
+                <a:solidFill>
+                  <a:schemeClr val="dk1"/>
+                </a:solidFill>
+                <a:latin typeface="+mn-lt"/>
+                <a:ea typeface="+mn-ea"/>
+                <a:cs typeface="+mn-cs"/>
+              </a:defRPr>
+            </a:lvl5pPr>
+            <a:lvl6pPr marL="2286000" indent="0">
+              <a:defRPr sz="1100">
+                <a:solidFill>
+                  <a:schemeClr val="dk1"/>
+                </a:solidFill>
+                <a:latin typeface="+mn-lt"/>
+                <a:ea typeface="+mn-ea"/>
+                <a:cs typeface="+mn-cs"/>
+              </a:defRPr>
+            </a:lvl6pPr>
+            <a:lvl7pPr marL="2743200" indent="0">
+              <a:defRPr sz="1100">
+                <a:solidFill>
+                  <a:schemeClr val="dk1"/>
+                </a:solidFill>
+                <a:latin typeface="+mn-lt"/>
+                <a:ea typeface="+mn-ea"/>
+                <a:cs typeface="+mn-cs"/>
+              </a:defRPr>
+            </a:lvl7pPr>
+            <a:lvl8pPr marL="3200400" indent="0">
+              <a:defRPr sz="1100">
+                <a:solidFill>
+                  <a:schemeClr val="dk1"/>
+                </a:solidFill>
+                <a:latin typeface="+mn-lt"/>
+                <a:ea typeface="+mn-ea"/>
+                <a:cs typeface="+mn-cs"/>
+              </a:defRPr>
+            </a:lvl8pPr>
+            <a:lvl9pPr marL="3657600" indent="0">
+              <a:defRPr sz="1100">
+                <a:solidFill>
+                  <a:schemeClr val="dk1"/>
+                </a:solidFill>
+                <a:latin typeface="+mn-lt"/>
+                <a:ea typeface="+mn-ea"/>
+                <a:cs typeface="+mn-cs"/>
+              </a:defRPr>
+            </a:lvl9pPr>
+          </a:lstStyle>
+          <a:p>
+            <a:pPr algn="ctr"/>
+            <a:r>
+              <a:rPr lang="en-US" sz="1100"/>
+              <a:t>OK</a:t>
+            </a:r>
+          </a:p>
+        </p:txBody>
+      </p:sp>
+      <p:cxnSp>
+        <p:nvCxnSpPr>
+          <p:cNvPr id="13" name="Straight Arrow Connector 63">
+            <a:extLst>
+              <a:ext uri="{FF2B5EF4-FFF2-40B4-BE49-F238E27FC236}">
+                <a16:creationId xmlns:a16="http://schemas.microsoft.com/office/drawing/2014/main" id="{DD6FBB25-9FC6-42CE-B7D9-FDEF192094FF}"/>
+              </a:ext>
+            </a:extLst>
+          </p:cNvPr>
+          <p:cNvCxnSpPr>
+            <a:stCxn id="8" idx="3"/>
+            <a:endCxn id="10" idx="1"/>
+          </p:cNvCxnSpPr>
+          <p:nvPr/>
+        </p:nvCxnSpPr>
+        <p:spPr>
+          <a:xfrm>
+            <a:off x="8778104" y="2264520"/>
+            <a:ext cx="324836" cy="1133882"/>
+          </a:xfrm>
+          <a:prstGeom prst="bentConnector3">
+            <a:avLst>
+              <a:gd name="adj1" fmla="val 50000"/>
+            </a:avLst>
+          </a:prstGeom>
+          <a:ln w="19050">
+            <a:solidFill>
+              <a:srgbClr val="FF0000"/>
+            </a:solidFill>
+            <a:tailEnd type="arrow"/>
+          </a:ln>
+        </p:spPr>
+        <p:style>
+          <a:lnRef idx="1">
+            <a:schemeClr val="accent1"/>
+          </a:lnRef>
+          <a:fillRef idx="0">
+            <a:schemeClr val="accent1"/>
+          </a:fillRef>
+          <a:effectRef idx="0">
+            <a:schemeClr val="accent1"/>
+          </a:effectRef>
+          <a:fontRef idx="minor">
+            <a:schemeClr val="tx1"/>
+          </a:fontRef>
+        </p:style>
+      </p:cxnSp>
+      <p:sp>
+        <p:nvSpPr>
+          <p:cNvPr id="14" name="TextBox 76">
+            <a:extLst>
+              <a:ext uri="{FF2B5EF4-FFF2-40B4-BE49-F238E27FC236}">
+                <a16:creationId xmlns:a16="http://schemas.microsoft.com/office/drawing/2014/main" id="{614A2AB9-B8D3-4BD7-8ABE-14DCB5171462}"/>
+              </a:ext>
+            </a:extLst>
+          </p:cNvPr>
+          <p:cNvSpPr txBox="1"/>
+          <p:nvPr/>
+        </p:nvSpPr>
+        <p:spPr>
+          <a:xfrm>
+            <a:off x="8794345" y="2008482"/>
+            <a:ext cx="365441" cy="256038"/>
+          </a:xfrm>
+          <a:prstGeom prst="rect">
+            <a:avLst/>
+          </a:prstGeom>
+          <a:noFill/>
+          <a:ln w="9525" cmpd="sng">
+            <a:noFill/>
+          </a:ln>
+        </p:spPr>
+        <p:style>
+          <a:lnRef idx="0">
+            <a:scrgbClr r="0" g="0" b="0"/>
+          </a:lnRef>
+          <a:fillRef idx="0">
+            <a:scrgbClr r="0" g="0" b="0"/>
+          </a:fillRef>
+          <a:effectRef idx="0">
+            <a:scrgbClr r="0" g="0" b="0"/>
+          </a:effectRef>
+          <a:fontRef idx="minor">
+            <a:schemeClr val="dk1"/>
+          </a:fontRef>
+        </p:style>
+        <p:txBody>
+          <a:bodyPr wrap="square" lIns="0" tIns="0" rIns="0" bIns="0" rtlCol="0" anchor="ctr" anchorCtr="0"/>
+          <a:lstStyle>
+            <a:lvl1pPr marL="0" indent="0">
+              <a:defRPr sz="1100">
+                <a:solidFill>
+                  <a:schemeClr val="dk1"/>
+                </a:solidFill>
+                <a:latin typeface="+mn-lt"/>
+                <a:ea typeface="+mn-ea"/>
+                <a:cs typeface="+mn-cs"/>
+              </a:defRPr>
+            </a:lvl1pPr>
+            <a:lvl2pPr marL="457200" indent="0">
+              <a:defRPr sz="1100">
+                <a:solidFill>
+                  <a:schemeClr val="dk1"/>
+                </a:solidFill>
+                <a:latin typeface="+mn-lt"/>
+                <a:ea typeface="+mn-ea"/>
+                <a:cs typeface="+mn-cs"/>
+              </a:defRPr>
+            </a:lvl2pPr>
+            <a:lvl3pPr marL="914400" indent="0">
+              <a:defRPr sz="1100">
+                <a:solidFill>
+                  <a:schemeClr val="dk1"/>
+                </a:solidFill>
+                <a:latin typeface="+mn-lt"/>
+                <a:ea typeface="+mn-ea"/>
+                <a:cs typeface="+mn-cs"/>
+              </a:defRPr>
+            </a:lvl3pPr>
+            <a:lvl4pPr marL="1371600" indent="0">
+              <a:defRPr sz="1100">
+                <a:solidFill>
+                  <a:schemeClr val="dk1"/>
+                </a:solidFill>
+                <a:latin typeface="+mn-lt"/>
+                <a:ea typeface="+mn-ea"/>
+                <a:cs typeface="+mn-cs"/>
+              </a:defRPr>
+            </a:lvl4pPr>
+            <a:lvl5pPr marL="1828800" indent="0">
+              <a:defRPr sz="1100">
+                <a:solidFill>
+                  <a:schemeClr val="dk1"/>
+                </a:solidFill>
+                <a:latin typeface="+mn-lt"/>
+                <a:ea typeface="+mn-ea"/>
+                <a:cs typeface="+mn-cs"/>
+              </a:defRPr>
+            </a:lvl5pPr>
+            <a:lvl6pPr marL="2286000" indent="0">
+              <a:defRPr sz="1100">
+                <a:solidFill>
+                  <a:schemeClr val="dk1"/>
+                </a:solidFill>
+                <a:latin typeface="+mn-lt"/>
+                <a:ea typeface="+mn-ea"/>
+                <a:cs typeface="+mn-cs"/>
+              </a:defRPr>
+            </a:lvl6pPr>
+            <a:lvl7pPr marL="2743200" indent="0">
+              <a:defRPr sz="1100">
+                <a:solidFill>
+                  <a:schemeClr val="dk1"/>
+                </a:solidFill>
+                <a:latin typeface="+mn-lt"/>
+                <a:ea typeface="+mn-ea"/>
+                <a:cs typeface="+mn-cs"/>
+              </a:defRPr>
+            </a:lvl7pPr>
+            <a:lvl8pPr marL="3200400" indent="0">
+              <a:defRPr sz="1100">
+                <a:solidFill>
+                  <a:schemeClr val="dk1"/>
+                </a:solidFill>
+                <a:latin typeface="+mn-lt"/>
+                <a:ea typeface="+mn-ea"/>
+                <a:cs typeface="+mn-cs"/>
+              </a:defRPr>
+            </a:lvl8pPr>
+            <a:lvl9pPr marL="3657600" indent="0">
+              <a:defRPr sz="1100">
+                <a:solidFill>
+                  <a:schemeClr val="dk1"/>
+                </a:solidFill>
+                <a:latin typeface="+mn-lt"/>
+                <a:ea typeface="+mn-ea"/>
+                <a:cs typeface="+mn-cs"/>
+              </a:defRPr>
+            </a:lvl9pPr>
+          </a:lstStyle>
+          <a:p>
+            <a:pPr algn="ctr"/>
+            <a:r>
+              <a:rPr lang="en-US" sz="1100"/>
+              <a:t>NG</a:t>
+            </a:r>
+          </a:p>
+        </p:txBody>
+      </p:sp>
+      <p:sp>
+        <p:nvSpPr>
+          <p:cNvPr id="15" name="Oval 14">
+            <a:extLst>
+              <a:ext uri="{FF2B5EF4-FFF2-40B4-BE49-F238E27FC236}">
+                <a16:creationId xmlns:a16="http://schemas.microsoft.com/office/drawing/2014/main" id="{9231A27D-5C3D-4A06-B5B5-FAB3E9DEA72D}"/>
+              </a:ext>
+            </a:extLst>
+          </p:cNvPr>
+          <p:cNvSpPr/>
+          <p:nvPr/>
+        </p:nvSpPr>
+        <p:spPr>
+          <a:xfrm>
+            <a:off x="8681157" y="2347535"/>
+            <a:ext cx="570278" cy="476133"/>
+          </a:xfrm>
+          <a:prstGeom prst="ellipse">
+            <a:avLst/>
+          </a:prstGeom>
+          <a:solidFill>
+            <a:schemeClr val="bg1">
+              <a:lumMod val="95000"/>
+            </a:schemeClr>
+          </a:solidFill>
+          <a:ln w="38100">
+            <a:solidFill>
+              <a:srgbClr val="FF0000"/>
+            </a:solidFill>
+          </a:ln>
+        </p:spPr>
+        <p:style>
+          <a:lnRef idx="2">
+            <a:schemeClr val="accent1">
+              <a:shade val="50000"/>
+            </a:schemeClr>
+          </a:lnRef>
+          <a:fillRef idx="1">
+            <a:schemeClr val="accent1"/>
+          </a:fillRef>
+          <a:effectRef idx="0">
+            <a:schemeClr val="accent1"/>
+          </a:effectRef>
+          <a:fontRef idx="minor">
+            <a:schemeClr val="lt1"/>
+          </a:fontRef>
+        </p:style>
+        <p:txBody>
+          <a:bodyPr lIns="0" tIns="0" rIns="0" bIns="0" rtlCol="0" anchor="ctr" anchorCtr="0"/>
+          <a:lstStyle>
+            <a:lvl1pPr marL="0" indent="0">
+              <a:defRPr sz="1100">
+                <a:solidFill>
+                  <a:schemeClr val="lt1"/>
+                </a:solidFill>
+                <a:latin typeface="+mn-lt"/>
+                <a:ea typeface="+mn-ea"/>
+                <a:cs typeface="+mn-cs"/>
+              </a:defRPr>
+            </a:lvl1pPr>
+            <a:lvl2pPr marL="457200" indent="0">
+              <a:defRPr sz="1100">
+                <a:solidFill>
+                  <a:schemeClr val="lt1"/>
+                </a:solidFill>
+                <a:latin typeface="+mn-lt"/>
+                <a:ea typeface="+mn-ea"/>
+                <a:cs typeface="+mn-cs"/>
+              </a:defRPr>
+            </a:lvl2pPr>
+            <a:lvl3pPr marL="914400" indent="0">
+              <a:defRPr sz="1100">
+                <a:solidFill>
+                  <a:schemeClr val="lt1"/>
+                </a:solidFill>
+                <a:latin typeface="+mn-lt"/>
+                <a:ea typeface="+mn-ea"/>
+                <a:cs typeface="+mn-cs"/>
+              </a:defRPr>
+            </a:lvl3pPr>
+            <a:lvl4pPr marL="1371600" indent="0">
+              <a:defRPr sz="1100">
+                <a:solidFill>
+                  <a:schemeClr val="lt1"/>
+                </a:solidFill>
+                <a:latin typeface="+mn-lt"/>
+                <a:ea typeface="+mn-ea"/>
+                <a:cs typeface="+mn-cs"/>
+              </a:defRPr>
+            </a:lvl4pPr>
+            <a:lvl5pPr marL="1828800" indent="0">
+              <a:defRPr sz="1100">
+                <a:solidFill>
+                  <a:schemeClr val="lt1"/>
+                </a:solidFill>
+                <a:latin typeface="+mn-lt"/>
+                <a:ea typeface="+mn-ea"/>
+                <a:cs typeface="+mn-cs"/>
+              </a:defRPr>
+            </a:lvl5pPr>
+            <a:lvl6pPr marL="2286000" indent="0">
+              <a:defRPr sz="1100">
+                <a:solidFill>
+                  <a:schemeClr val="lt1"/>
+                </a:solidFill>
+                <a:latin typeface="+mn-lt"/>
+                <a:ea typeface="+mn-ea"/>
+                <a:cs typeface="+mn-cs"/>
+              </a:defRPr>
+            </a:lvl6pPr>
+            <a:lvl7pPr marL="2743200" indent="0">
+              <a:defRPr sz="1100">
+                <a:solidFill>
+                  <a:schemeClr val="lt1"/>
+                </a:solidFill>
+                <a:latin typeface="+mn-lt"/>
+                <a:ea typeface="+mn-ea"/>
+                <a:cs typeface="+mn-cs"/>
+              </a:defRPr>
+            </a:lvl7pPr>
+            <a:lvl8pPr marL="3200400" indent="0">
+              <a:defRPr sz="1100">
+                <a:solidFill>
+                  <a:schemeClr val="lt1"/>
+                </a:solidFill>
+                <a:latin typeface="+mn-lt"/>
+                <a:ea typeface="+mn-ea"/>
+                <a:cs typeface="+mn-cs"/>
+              </a:defRPr>
+            </a:lvl8pPr>
+            <a:lvl9pPr marL="3657600" indent="0">
+              <a:defRPr sz="1100">
+                <a:solidFill>
+                  <a:schemeClr val="lt1"/>
+                </a:solidFill>
+                <a:latin typeface="+mn-lt"/>
+                <a:ea typeface="+mn-ea"/>
+                <a:cs typeface="+mn-cs"/>
+              </a:defRPr>
+            </a:lvl9pPr>
+          </a:lstStyle>
+          <a:p>
+            <a:pPr algn="ctr"/>
+            <a:r>
+              <a:rPr lang="en-US" sz="1100">
+                <a:solidFill>
+                  <a:srgbClr val="FF0000"/>
+                </a:solidFill>
+              </a:rPr>
+              <a:t>E-chop</a:t>
+            </a:r>
+          </a:p>
+        </p:txBody>
+      </p:sp>
+      <p:sp>
+        <p:nvSpPr>
+          <p:cNvPr id="16" name="Oval 15">
+            <a:extLst>
+              <a:ext uri="{FF2B5EF4-FFF2-40B4-BE49-F238E27FC236}">
+                <a16:creationId xmlns:a16="http://schemas.microsoft.com/office/drawing/2014/main" id="{D0B025E5-3BC0-4DA2-B498-514371FFA595}"/>
+              </a:ext>
+            </a:extLst>
+          </p:cNvPr>
+          <p:cNvSpPr/>
+          <p:nvPr/>
+        </p:nvSpPr>
+        <p:spPr>
+          <a:xfrm>
+            <a:off x="7204437" y="2391355"/>
+            <a:ext cx="582587" cy="525753"/>
+          </a:xfrm>
+          <a:prstGeom prst="ellipse">
+            <a:avLst/>
+          </a:prstGeom>
+          <a:solidFill>
+            <a:schemeClr val="bg1">
+              <a:lumMod val="95000"/>
+            </a:schemeClr>
+          </a:solidFill>
+          <a:ln w="38100">
+            <a:solidFill>
+              <a:srgbClr val="0000FF"/>
+            </a:solidFill>
+          </a:ln>
+        </p:spPr>
+        <p:style>
+          <a:lnRef idx="2">
+            <a:schemeClr val="accent1">
+              <a:shade val="50000"/>
+            </a:schemeClr>
+          </a:lnRef>
+          <a:fillRef idx="1">
+            <a:schemeClr val="accent1"/>
+          </a:fillRef>
+          <a:effectRef idx="0">
+            <a:schemeClr val="accent1"/>
+          </a:effectRef>
+          <a:fontRef idx="minor">
+            <a:schemeClr val="lt1"/>
+          </a:fontRef>
+        </p:style>
+        <p:txBody>
+          <a:bodyPr lIns="0" tIns="0" rIns="0" bIns="0" rtlCol="0" anchor="ctr" anchorCtr="0"/>
+          <a:lstStyle>
+            <a:lvl1pPr marL="0" indent="0">
+              <a:defRPr sz="1100">
+                <a:solidFill>
+                  <a:schemeClr val="lt1"/>
+                </a:solidFill>
+                <a:latin typeface="+mn-lt"/>
+                <a:ea typeface="+mn-ea"/>
+                <a:cs typeface="+mn-cs"/>
+              </a:defRPr>
+            </a:lvl1pPr>
+            <a:lvl2pPr marL="457200" indent="0">
+              <a:defRPr sz="1100">
+                <a:solidFill>
+                  <a:schemeClr val="lt1"/>
+                </a:solidFill>
+                <a:latin typeface="+mn-lt"/>
+                <a:ea typeface="+mn-ea"/>
+                <a:cs typeface="+mn-cs"/>
+              </a:defRPr>
+            </a:lvl2pPr>
+            <a:lvl3pPr marL="914400" indent="0">
+              <a:defRPr sz="1100">
+                <a:solidFill>
+                  <a:schemeClr val="lt1"/>
+                </a:solidFill>
+                <a:latin typeface="+mn-lt"/>
+                <a:ea typeface="+mn-ea"/>
+                <a:cs typeface="+mn-cs"/>
+              </a:defRPr>
+            </a:lvl3pPr>
+            <a:lvl4pPr marL="1371600" indent="0">
+              <a:defRPr sz="1100">
+                <a:solidFill>
+                  <a:schemeClr val="lt1"/>
+                </a:solidFill>
+                <a:latin typeface="+mn-lt"/>
+                <a:ea typeface="+mn-ea"/>
+                <a:cs typeface="+mn-cs"/>
+              </a:defRPr>
+            </a:lvl4pPr>
+            <a:lvl5pPr marL="1828800" indent="0">
+              <a:defRPr sz="1100">
+                <a:solidFill>
+                  <a:schemeClr val="lt1"/>
+                </a:solidFill>
+                <a:latin typeface="+mn-lt"/>
+                <a:ea typeface="+mn-ea"/>
+                <a:cs typeface="+mn-cs"/>
+              </a:defRPr>
+            </a:lvl5pPr>
+            <a:lvl6pPr marL="2286000" indent="0">
+              <a:defRPr sz="1100">
+                <a:solidFill>
+                  <a:schemeClr val="lt1"/>
+                </a:solidFill>
+                <a:latin typeface="+mn-lt"/>
+                <a:ea typeface="+mn-ea"/>
+                <a:cs typeface="+mn-cs"/>
+              </a:defRPr>
+            </a:lvl6pPr>
+            <a:lvl7pPr marL="2743200" indent="0">
+              <a:defRPr sz="1100">
+                <a:solidFill>
+                  <a:schemeClr val="lt1"/>
+                </a:solidFill>
+                <a:latin typeface="+mn-lt"/>
+                <a:ea typeface="+mn-ea"/>
+                <a:cs typeface="+mn-cs"/>
+              </a:defRPr>
+            </a:lvl7pPr>
+            <a:lvl8pPr marL="3200400" indent="0">
+              <a:defRPr sz="1100">
+                <a:solidFill>
+                  <a:schemeClr val="lt1"/>
+                </a:solidFill>
+                <a:latin typeface="+mn-lt"/>
+                <a:ea typeface="+mn-ea"/>
+                <a:cs typeface="+mn-cs"/>
+              </a:defRPr>
+            </a:lvl8pPr>
+            <a:lvl9pPr marL="3657600" indent="0">
+              <a:defRPr sz="1100">
+                <a:solidFill>
+                  <a:schemeClr val="lt1"/>
+                </a:solidFill>
+                <a:latin typeface="+mn-lt"/>
+                <a:ea typeface="+mn-ea"/>
+                <a:cs typeface="+mn-cs"/>
+              </a:defRPr>
+            </a:lvl9pPr>
+          </a:lstStyle>
+          <a:p>
+            <a:pPr marL="0" indent="0" algn="ctr"/>
+            <a:r>
+              <a:rPr lang="en-US" sz="1100">
+                <a:solidFill>
+                  <a:srgbClr val="0000FF"/>
+                </a:solidFill>
+                <a:latin typeface="+mn-lt"/>
+                <a:ea typeface="+mn-ea"/>
+                <a:cs typeface="+mn-cs"/>
+              </a:rPr>
+              <a:t>E-chop</a:t>
+            </a:r>
+          </a:p>
+        </p:txBody>
+      </p:sp>
+      <p:sp>
+        <p:nvSpPr>
+          <p:cNvPr id="17" name="Flowchart: Decision 16">
+            <a:extLst>
+              <a:ext uri="{FF2B5EF4-FFF2-40B4-BE49-F238E27FC236}">
+                <a16:creationId xmlns:a16="http://schemas.microsoft.com/office/drawing/2014/main" id="{5260D6EB-F304-48AF-A00F-710D9E65895D}"/>
+              </a:ext>
+            </a:extLst>
+          </p:cNvPr>
+          <p:cNvSpPr/>
+          <p:nvPr/>
+        </p:nvSpPr>
+        <p:spPr>
+          <a:xfrm>
+            <a:off x="7693382" y="4305506"/>
+            <a:ext cx="1035997" cy="512075"/>
+          </a:xfrm>
+          <a:prstGeom prst="flowChartDecision">
+            <a:avLst/>
+          </a:prstGeom>
+          <a:noFill/>
+          <a:ln w="28575"/>
+        </p:spPr>
+        <p:style>
+          <a:lnRef idx="2">
+            <a:schemeClr val="accent1">
+              <a:shade val="50000"/>
+            </a:schemeClr>
+          </a:lnRef>
+          <a:fillRef idx="1">
+            <a:schemeClr val="accent1"/>
+          </a:fillRef>
+          <a:effectRef idx="0">
+            <a:schemeClr val="accent1"/>
+          </a:effectRef>
+          <a:fontRef idx="minor">
+            <a:schemeClr val="lt1"/>
+          </a:fontRef>
+        </p:style>
+        <p:txBody>
+          <a:bodyPr lIns="0" tIns="0" rIns="0" bIns="0" rtlCol="0" anchor="ctr" anchorCtr="0"/>
+          <a:lstStyle>
+            <a:lvl1pPr marL="0" indent="0">
+              <a:defRPr sz="1100">
+                <a:solidFill>
+                  <a:schemeClr val="lt1"/>
+                </a:solidFill>
+                <a:latin typeface="+mn-lt"/>
+                <a:ea typeface="+mn-ea"/>
+                <a:cs typeface="+mn-cs"/>
+              </a:defRPr>
+            </a:lvl1pPr>
+            <a:lvl2pPr marL="457200" indent="0">
+              <a:defRPr sz="1100">
+                <a:solidFill>
+                  <a:schemeClr val="lt1"/>
+                </a:solidFill>
+                <a:latin typeface="+mn-lt"/>
+                <a:ea typeface="+mn-ea"/>
+                <a:cs typeface="+mn-cs"/>
+              </a:defRPr>
+            </a:lvl2pPr>
+            <a:lvl3pPr marL="914400" indent="0">
+              <a:defRPr sz="1100">
+                <a:solidFill>
+                  <a:schemeClr val="lt1"/>
+                </a:solidFill>
+                <a:latin typeface="+mn-lt"/>
+                <a:ea typeface="+mn-ea"/>
+                <a:cs typeface="+mn-cs"/>
+              </a:defRPr>
+            </a:lvl3pPr>
+            <a:lvl4pPr marL="1371600" indent="0">
+              <a:defRPr sz="1100">
+                <a:solidFill>
+                  <a:schemeClr val="lt1"/>
+                </a:solidFill>
+                <a:latin typeface="+mn-lt"/>
+                <a:ea typeface="+mn-ea"/>
+                <a:cs typeface="+mn-cs"/>
+              </a:defRPr>
+            </a:lvl4pPr>
+            <a:lvl5pPr marL="1828800" indent="0">
+              <a:defRPr sz="1100">
+                <a:solidFill>
+                  <a:schemeClr val="lt1"/>
+                </a:solidFill>
+                <a:latin typeface="+mn-lt"/>
+                <a:ea typeface="+mn-ea"/>
+                <a:cs typeface="+mn-cs"/>
+              </a:defRPr>
+            </a:lvl5pPr>
+            <a:lvl6pPr marL="2286000" indent="0">
+              <a:defRPr sz="1100">
+                <a:solidFill>
+                  <a:schemeClr val="lt1"/>
+                </a:solidFill>
+                <a:latin typeface="+mn-lt"/>
+                <a:ea typeface="+mn-ea"/>
+                <a:cs typeface="+mn-cs"/>
+              </a:defRPr>
+            </a:lvl6pPr>
+            <a:lvl7pPr marL="2743200" indent="0">
+              <a:defRPr sz="1100">
+                <a:solidFill>
+                  <a:schemeClr val="lt1"/>
+                </a:solidFill>
+                <a:latin typeface="+mn-lt"/>
+                <a:ea typeface="+mn-ea"/>
+                <a:cs typeface="+mn-cs"/>
+              </a:defRPr>
+            </a:lvl7pPr>
+            <a:lvl8pPr marL="3200400" indent="0">
+              <a:defRPr sz="1100">
+                <a:solidFill>
+                  <a:schemeClr val="lt1"/>
+                </a:solidFill>
+                <a:latin typeface="+mn-lt"/>
+                <a:ea typeface="+mn-ea"/>
+                <a:cs typeface="+mn-cs"/>
+              </a:defRPr>
+            </a:lvl8pPr>
+            <a:lvl9pPr marL="3657600" indent="0">
+              <a:defRPr sz="1100">
+                <a:solidFill>
+                  <a:schemeClr val="lt1"/>
+                </a:solidFill>
+                <a:latin typeface="+mn-lt"/>
+                <a:ea typeface="+mn-ea"/>
+                <a:cs typeface="+mn-cs"/>
+              </a:defRPr>
+            </a:lvl9pPr>
+          </a:lstStyle>
+          <a:p>
+            <a:pPr algn="ctr"/>
+            <a:r>
+              <a:rPr lang="en-US" sz="1100">
+                <a:solidFill>
+                  <a:sysClr val="windowText" lastClr="000000"/>
+                </a:solidFill>
+              </a:rPr>
+              <a:t>Sorting</a:t>
+            </a:r>
+          </a:p>
+        </p:txBody>
+      </p:sp>
+      <p:cxnSp>
+        <p:nvCxnSpPr>
+          <p:cNvPr id="18" name="Straight Arrow Connector 63">
+            <a:extLst>
+              <a:ext uri="{FF2B5EF4-FFF2-40B4-BE49-F238E27FC236}">
+                <a16:creationId xmlns:a16="http://schemas.microsoft.com/office/drawing/2014/main" id="{06210D8B-28B0-4A45-8825-9C36A8A9D456}"/>
+              </a:ext>
+            </a:extLst>
+          </p:cNvPr>
+          <p:cNvCxnSpPr>
+            <a:stCxn id="53" idx="2"/>
+            <a:endCxn id="17" idx="0"/>
+          </p:cNvCxnSpPr>
+          <p:nvPr/>
+        </p:nvCxnSpPr>
+        <p:spPr>
+          <a:xfrm rot="5400000">
+            <a:off x="8581733" y="3371871"/>
+            <a:ext cx="563283" cy="1303986"/>
+          </a:xfrm>
+          <a:prstGeom prst="bentConnector3">
+            <a:avLst>
+              <a:gd name="adj1" fmla="val 42208"/>
+            </a:avLst>
+          </a:prstGeom>
+          <a:ln w="19050">
+            <a:solidFill>
+              <a:srgbClr val="FF0000"/>
+            </a:solidFill>
+            <a:tailEnd type="arrow"/>
+          </a:ln>
+        </p:spPr>
+        <p:style>
+          <a:lnRef idx="1">
+            <a:schemeClr val="accent1"/>
+          </a:lnRef>
+          <a:fillRef idx="0">
+            <a:schemeClr val="accent1"/>
+          </a:fillRef>
+          <a:effectRef idx="0">
+            <a:schemeClr val="accent1"/>
+          </a:effectRef>
+          <a:fontRef idx="minor">
+            <a:schemeClr val="tx1"/>
+          </a:fontRef>
+        </p:style>
+      </p:cxnSp>
+      <p:cxnSp>
+        <p:nvCxnSpPr>
+          <p:cNvPr id="19" name="Straight Arrow Connector 63">
+            <a:extLst>
+              <a:ext uri="{FF2B5EF4-FFF2-40B4-BE49-F238E27FC236}">
+                <a16:creationId xmlns:a16="http://schemas.microsoft.com/office/drawing/2014/main" id="{6F0BFE37-00A7-4572-84E0-2A38B59480FE}"/>
+              </a:ext>
+            </a:extLst>
+          </p:cNvPr>
+          <p:cNvCxnSpPr>
+            <a:stCxn id="52" idx="2"/>
+            <a:endCxn id="17" idx="0"/>
+          </p:cNvCxnSpPr>
+          <p:nvPr/>
+        </p:nvCxnSpPr>
+        <p:spPr>
+          <a:xfrm rot="16200000" flipH="1">
+            <a:off x="7239606" y="3333732"/>
+            <a:ext cx="629121" cy="1314427"/>
+          </a:xfrm>
+          <a:prstGeom prst="bentConnector3">
+            <a:avLst>
+              <a:gd name="adj1" fmla="val 47978"/>
+            </a:avLst>
+          </a:prstGeom>
+          <a:ln w="28575">
+            <a:solidFill>
+              <a:schemeClr val="accent2">
+                <a:lumMod val="50000"/>
+              </a:schemeClr>
+            </a:solidFill>
+            <a:tailEnd type="arrow"/>
+          </a:ln>
+        </p:spPr>
+        <p:style>
+          <a:lnRef idx="1">
+            <a:schemeClr val="accent1"/>
+          </a:lnRef>
+          <a:fillRef idx="0">
+            <a:schemeClr val="accent1"/>
+          </a:fillRef>
+          <a:effectRef idx="0">
+            <a:schemeClr val="accent1"/>
+          </a:effectRef>
+          <a:fontRef idx="minor">
+            <a:schemeClr val="tx1"/>
+          </a:fontRef>
+        </p:style>
+      </p:cxnSp>
+      <p:sp>
+        <p:nvSpPr>
+          <p:cNvPr id="20" name="TextBox 94">
+            <a:extLst>
+              <a:ext uri="{FF2B5EF4-FFF2-40B4-BE49-F238E27FC236}">
+                <a16:creationId xmlns:a16="http://schemas.microsoft.com/office/drawing/2014/main" id="{D962AEFE-D84E-4449-8C9F-57B9CB14C922}"/>
+              </a:ext>
+            </a:extLst>
+          </p:cNvPr>
+          <p:cNvSpPr txBox="1"/>
+          <p:nvPr/>
+        </p:nvSpPr>
+        <p:spPr>
+          <a:xfrm>
+            <a:off x="8645848" y="3767067"/>
+            <a:ext cx="643873" cy="169277"/>
+          </a:xfrm>
+          <a:prstGeom prst="rect">
+            <a:avLst/>
+          </a:prstGeom>
+          <a:noFill/>
+          <a:ln w="9525" cmpd="sng">
+            <a:noFill/>
+          </a:ln>
+        </p:spPr>
+        <p:style>
+          <a:lnRef idx="0">
+            <a:scrgbClr r="0" g="0" b="0"/>
+          </a:lnRef>
+          <a:fillRef idx="0">
+            <a:scrgbClr r="0" g="0" b="0"/>
+          </a:fillRef>
+          <a:effectRef idx="0">
+            <a:scrgbClr r="0" g="0" b="0"/>
+          </a:effectRef>
+          <a:fontRef idx="minor">
+            <a:schemeClr val="dk1"/>
+          </a:fontRef>
+        </p:style>
+        <p:txBody>
+          <a:bodyPr wrap="square" lIns="0" tIns="0" rIns="0" bIns="0" rtlCol="0" anchor="ctr" anchorCtr="0">
+            <a:spAutoFit/>
+          </a:bodyPr>
+          <a:lstStyle>
+            <a:lvl1pPr marL="0" indent="0">
+              <a:defRPr sz="1100">
+                <a:solidFill>
+                  <a:schemeClr val="dk1"/>
+                </a:solidFill>
+                <a:latin typeface="+mn-lt"/>
+                <a:ea typeface="+mn-ea"/>
+                <a:cs typeface="+mn-cs"/>
+              </a:defRPr>
+            </a:lvl1pPr>
+            <a:lvl2pPr marL="457200" indent="0">
+              <a:defRPr sz="1100">
+                <a:solidFill>
+                  <a:schemeClr val="dk1"/>
+                </a:solidFill>
+                <a:latin typeface="+mn-lt"/>
+                <a:ea typeface="+mn-ea"/>
+                <a:cs typeface="+mn-cs"/>
+              </a:defRPr>
+            </a:lvl2pPr>
+            <a:lvl3pPr marL="914400" indent="0">
+              <a:defRPr sz="1100">
+                <a:solidFill>
+                  <a:schemeClr val="dk1"/>
+                </a:solidFill>
+                <a:latin typeface="+mn-lt"/>
+                <a:ea typeface="+mn-ea"/>
+                <a:cs typeface="+mn-cs"/>
+              </a:defRPr>
+            </a:lvl3pPr>
+            <a:lvl4pPr marL="1371600" indent="0">
+              <a:defRPr sz="1100">
+                <a:solidFill>
+                  <a:schemeClr val="dk1"/>
+                </a:solidFill>
+                <a:latin typeface="+mn-lt"/>
+                <a:ea typeface="+mn-ea"/>
+                <a:cs typeface="+mn-cs"/>
+              </a:defRPr>
+            </a:lvl4pPr>
+            <a:lvl5pPr marL="1828800" indent="0">
+              <a:defRPr sz="1100">
+                <a:solidFill>
+                  <a:schemeClr val="dk1"/>
+                </a:solidFill>
+                <a:latin typeface="+mn-lt"/>
+                <a:ea typeface="+mn-ea"/>
+                <a:cs typeface="+mn-cs"/>
+              </a:defRPr>
+            </a:lvl5pPr>
+            <a:lvl6pPr marL="2286000" indent="0">
+              <a:defRPr sz="1100">
+                <a:solidFill>
+                  <a:schemeClr val="dk1"/>
+                </a:solidFill>
+                <a:latin typeface="+mn-lt"/>
+                <a:ea typeface="+mn-ea"/>
+                <a:cs typeface="+mn-cs"/>
+              </a:defRPr>
+            </a:lvl6pPr>
+            <a:lvl7pPr marL="2743200" indent="0">
+              <a:defRPr sz="1100">
+                <a:solidFill>
+                  <a:schemeClr val="dk1"/>
+                </a:solidFill>
+                <a:latin typeface="+mn-lt"/>
+                <a:ea typeface="+mn-ea"/>
+                <a:cs typeface="+mn-cs"/>
+              </a:defRPr>
+            </a:lvl7pPr>
+            <a:lvl8pPr marL="3200400" indent="0">
+              <a:defRPr sz="1100">
+                <a:solidFill>
+                  <a:schemeClr val="dk1"/>
+                </a:solidFill>
+                <a:latin typeface="+mn-lt"/>
+                <a:ea typeface="+mn-ea"/>
+                <a:cs typeface="+mn-cs"/>
+              </a:defRPr>
+            </a:lvl8pPr>
+            <a:lvl9pPr marL="3657600" indent="0">
+              <a:defRPr sz="1100">
+                <a:solidFill>
+                  <a:schemeClr val="dk1"/>
+                </a:solidFill>
+                <a:latin typeface="+mn-lt"/>
+                <a:ea typeface="+mn-ea"/>
+                <a:cs typeface="+mn-cs"/>
+              </a:defRPr>
+            </a:lvl9pPr>
+          </a:lstStyle>
+          <a:p>
+            <a:pPr algn="ctr"/>
+            <a:r>
+              <a:rPr lang="en-US" sz="1100" dirty="0"/>
+              <a:t>Re-check</a:t>
+            </a:r>
+          </a:p>
+        </p:txBody>
+      </p:sp>
+      <p:sp>
+        <p:nvSpPr>
+          <p:cNvPr id="21" name="TextBox 95">
+            <a:extLst>
+              <a:ext uri="{FF2B5EF4-FFF2-40B4-BE49-F238E27FC236}">
+                <a16:creationId xmlns:a16="http://schemas.microsoft.com/office/drawing/2014/main" id="{08D93B2B-8784-4BD6-9578-F69ECB8C0051}"/>
+              </a:ext>
+            </a:extLst>
+          </p:cNvPr>
+          <p:cNvSpPr txBox="1"/>
+          <p:nvPr/>
+        </p:nvSpPr>
+        <p:spPr>
+          <a:xfrm>
+            <a:off x="6925376" y="3791241"/>
+            <a:ext cx="712900" cy="169277"/>
+          </a:xfrm>
+          <a:prstGeom prst="rect">
+            <a:avLst/>
+          </a:prstGeom>
+          <a:noFill/>
+          <a:ln w="9525" cmpd="sng">
+            <a:noFill/>
+          </a:ln>
+        </p:spPr>
+        <p:style>
+          <a:lnRef idx="0">
+            <a:scrgbClr r="0" g="0" b="0"/>
+          </a:lnRef>
+          <a:fillRef idx="0">
+            <a:scrgbClr r="0" g="0" b="0"/>
+          </a:fillRef>
+          <a:effectRef idx="0">
+            <a:scrgbClr r="0" g="0" b="0"/>
+          </a:effectRef>
+          <a:fontRef idx="minor">
+            <a:schemeClr val="dk1"/>
+          </a:fontRef>
+        </p:style>
+        <p:txBody>
+          <a:bodyPr wrap="square" lIns="0" tIns="0" rIns="0" bIns="0" rtlCol="0" anchor="ctr" anchorCtr="0">
+            <a:spAutoFit/>
+          </a:bodyPr>
+          <a:lstStyle>
+            <a:lvl1pPr marL="0" indent="0">
+              <a:defRPr sz="1100">
+                <a:solidFill>
+                  <a:schemeClr val="dk1"/>
+                </a:solidFill>
+                <a:latin typeface="+mn-lt"/>
+                <a:ea typeface="+mn-ea"/>
+                <a:cs typeface="+mn-cs"/>
+              </a:defRPr>
+            </a:lvl1pPr>
+            <a:lvl2pPr marL="457200" indent="0">
+              <a:defRPr sz="1100">
+                <a:solidFill>
+                  <a:schemeClr val="dk1"/>
+                </a:solidFill>
+                <a:latin typeface="+mn-lt"/>
+                <a:ea typeface="+mn-ea"/>
+                <a:cs typeface="+mn-cs"/>
+              </a:defRPr>
+            </a:lvl2pPr>
+            <a:lvl3pPr marL="914400" indent="0">
+              <a:defRPr sz="1100">
+                <a:solidFill>
+                  <a:schemeClr val="dk1"/>
+                </a:solidFill>
+                <a:latin typeface="+mn-lt"/>
+                <a:ea typeface="+mn-ea"/>
+                <a:cs typeface="+mn-cs"/>
+              </a:defRPr>
+            </a:lvl3pPr>
+            <a:lvl4pPr marL="1371600" indent="0">
+              <a:defRPr sz="1100">
+                <a:solidFill>
+                  <a:schemeClr val="dk1"/>
+                </a:solidFill>
+                <a:latin typeface="+mn-lt"/>
+                <a:ea typeface="+mn-ea"/>
+                <a:cs typeface="+mn-cs"/>
+              </a:defRPr>
+            </a:lvl4pPr>
+            <a:lvl5pPr marL="1828800" indent="0">
+              <a:defRPr sz="1100">
+                <a:solidFill>
+                  <a:schemeClr val="dk1"/>
+                </a:solidFill>
+                <a:latin typeface="+mn-lt"/>
+                <a:ea typeface="+mn-ea"/>
+                <a:cs typeface="+mn-cs"/>
+              </a:defRPr>
+            </a:lvl5pPr>
+            <a:lvl6pPr marL="2286000" indent="0">
+              <a:defRPr sz="1100">
+                <a:solidFill>
+                  <a:schemeClr val="dk1"/>
+                </a:solidFill>
+                <a:latin typeface="+mn-lt"/>
+                <a:ea typeface="+mn-ea"/>
+                <a:cs typeface="+mn-cs"/>
+              </a:defRPr>
+            </a:lvl6pPr>
+            <a:lvl7pPr marL="2743200" indent="0">
+              <a:defRPr sz="1100">
+                <a:solidFill>
+                  <a:schemeClr val="dk1"/>
+                </a:solidFill>
+                <a:latin typeface="+mn-lt"/>
+                <a:ea typeface="+mn-ea"/>
+                <a:cs typeface="+mn-cs"/>
+              </a:defRPr>
+            </a:lvl7pPr>
+            <a:lvl8pPr marL="3200400" indent="0">
+              <a:defRPr sz="1100">
+                <a:solidFill>
+                  <a:schemeClr val="dk1"/>
+                </a:solidFill>
+                <a:latin typeface="+mn-lt"/>
+                <a:ea typeface="+mn-ea"/>
+                <a:cs typeface="+mn-cs"/>
+              </a:defRPr>
+            </a:lvl8pPr>
+            <a:lvl9pPr marL="3657600" indent="0">
+              <a:defRPr sz="1100">
+                <a:solidFill>
+                  <a:schemeClr val="dk1"/>
+                </a:solidFill>
+                <a:latin typeface="+mn-lt"/>
+                <a:ea typeface="+mn-ea"/>
+                <a:cs typeface="+mn-cs"/>
+              </a:defRPr>
+            </a:lvl9pPr>
+          </a:lstStyle>
+          <a:p>
+            <a:pPr algn="ctr"/>
+            <a:r>
+              <a:rPr lang="en-US" sz="1100" dirty="0"/>
+              <a:t>Re-check</a:t>
+            </a:r>
+          </a:p>
+        </p:txBody>
+      </p:sp>
+      <p:cxnSp>
+        <p:nvCxnSpPr>
+          <p:cNvPr id="22" name="Straight Arrow Connector 63">
+            <a:extLst>
+              <a:ext uri="{FF2B5EF4-FFF2-40B4-BE49-F238E27FC236}">
+                <a16:creationId xmlns:a16="http://schemas.microsoft.com/office/drawing/2014/main" id="{076E94B7-7F53-43A3-8AC2-EF237A5894F1}"/>
+              </a:ext>
+            </a:extLst>
+          </p:cNvPr>
+          <p:cNvCxnSpPr>
+            <a:stCxn id="17" idx="1"/>
+            <a:endCxn id="23" idx="2"/>
+          </p:cNvCxnSpPr>
+          <p:nvPr/>
+        </p:nvCxnSpPr>
+        <p:spPr>
+          <a:xfrm rot="10800000">
+            <a:off x="6512950" y="3683700"/>
+            <a:ext cx="1180432" cy="877843"/>
+          </a:xfrm>
+          <a:prstGeom prst="bentConnector2">
+            <a:avLst/>
+          </a:prstGeom>
+          <a:ln w="19050">
+            <a:solidFill>
+              <a:srgbClr val="0000FF"/>
+            </a:solidFill>
+            <a:tailEnd type="arrow"/>
+          </a:ln>
+        </p:spPr>
+        <p:style>
+          <a:lnRef idx="1">
+            <a:schemeClr val="accent1"/>
+          </a:lnRef>
+          <a:fillRef idx="0">
+            <a:schemeClr val="accent1"/>
+          </a:fillRef>
+          <a:effectRef idx="0">
+            <a:schemeClr val="accent1"/>
+          </a:effectRef>
+          <a:fontRef idx="minor">
+            <a:schemeClr val="tx1"/>
+          </a:fontRef>
+        </p:style>
+      </p:cxnSp>
+      <p:sp>
+        <p:nvSpPr>
+          <p:cNvPr id="23" name="TextBox 100">
+            <a:extLst>
+              <a:ext uri="{FF2B5EF4-FFF2-40B4-BE49-F238E27FC236}">
+                <a16:creationId xmlns:a16="http://schemas.microsoft.com/office/drawing/2014/main" id="{963A0B1E-59D8-4105-A991-B95D5EFA0267}"/>
+              </a:ext>
+            </a:extLst>
+          </p:cNvPr>
+          <p:cNvSpPr txBox="1"/>
+          <p:nvPr/>
+        </p:nvSpPr>
+        <p:spPr>
+          <a:xfrm>
+            <a:off x="6378955" y="3537393"/>
+            <a:ext cx="267989" cy="146307"/>
+          </a:xfrm>
+          <a:prstGeom prst="rect">
+            <a:avLst/>
+          </a:prstGeom>
+          <a:noFill/>
+          <a:ln w="9525" cmpd="sng">
+            <a:noFill/>
+          </a:ln>
+        </p:spPr>
+        <p:style>
+          <a:lnRef idx="0">
+            <a:scrgbClr r="0" g="0" b="0"/>
+          </a:lnRef>
+          <a:fillRef idx="0">
+            <a:scrgbClr r="0" g="0" b="0"/>
+          </a:fillRef>
+          <a:effectRef idx="0">
+            <a:scrgbClr r="0" g="0" b="0"/>
+          </a:effectRef>
+          <a:fontRef idx="minor">
+            <a:schemeClr val="dk1"/>
+          </a:fontRef>
+        </p:style>
+        <p:txBody>
+          <a:bodyPr wrap="square" lIns="0" tIns="0" rIns="0" bIns="0" rtlCol="0" anchor="ctr" anchorCtr="0">
+            <a:spAutoFit/>
+          </a:bodyPr>
+          <a:lstStyle>
+            <a:lvl1pPr marL="0" indent="0">
+              <a:defRPr sz="1100">
+                <a:solidFill>
+                  <a:schemeClr val="dk1"/>
+                </a:solidFill>
+                <a:latin typeface="+mn-lt"/>
+                <a:ea typeface="+mn-ea"/>
+                <a:cs typeface="+mn-cs"/>
+              </a:defRPr>
+            </a:lvl1pPr>
+            <a:lvl2pPr marL="457200" indent="0">
+              <a:defRPr sz="1100">
+                <a:solidFill>
+                  <a:schemeClr val="dk1"/>
+                </a:solidFill>
+                <a:latin typeface="+mn-lt"/>
+                <a:ea typeface="+mn-ea"/>
+                <a:cs typeface="+mn-cs"/>
+              </a:defRPr>
+            </a:lvl2pPr>
+            <a:lvl3pPr marL="914400" indent="0">
+              <a:defRPr sz="1100">
+                <a:solidFill>
+                  <a:schemeClr val="dk1"/>
+                </a:solidFill>
+                <a:latin typeface="+mn-lt"/>
+                <a:ea typeface="+mn-ea"/>
+                <a:cs typeface="+mn-cs"/>
+              </a:defRPr>
+            </a:lvl3pPr>
+            <a:lvl4pPr marL="1371600" indent="0">
+              <a:defRPr sz="1100">
+                <a:solidFill>
+                  <a:schemeClr val="dk1"/>
+                </a:solidFill>
+                <a:latin typeface="+mn-lt"/>
+                <a:ea typeface="+mn-ea"/>
+                <a:cs typeface="+mn-cs"/>
+              </a:defRPr>
+            </a:lvl4pPr>
+            <a:lvl5pPr marL="1828800" indent="0">
+              <a:defRPr sz="1100">
+                <a:solidFill>
+                  <a:schemeClr val="dk1"/>
+                </a:solidFill>
+                <a:latin typeface="+mn-lt"/>
+                <a:ea typeface="+mn-ea"/>
+                <a:cs typeface="+mn-cs"/>
+              </a:defRPr>
+            </a:lvl5pPr>
+            <a:lvl6pPr marL="2286000" indent="0">
+              <a:defRPr sz="1100">
+                <a:solidFill>
+                  <a:schemeClr val="dk1"/>
+                </a:solidFill>
+                <a:latin typeface="+mn-lt"/>
+                <a:ea typeface="+mn-ea"/>
+                <a:cs typeface="+mn-cs"/>
+              </a:defRPr>
+            </a:lvl6pPr>
+            <a:lvl7pPr marL="2743200" indent="0">
+              <a:defRPr sz="1100">
+                <a:solidFill>
+                  <a:schemeClr val="dk1"/>
+                </a:solidFill>
+                <a:latin typeface="+mn-lt"/>
+                <a:ea typeface="+mn-ea"/>
+                <a:cs typeface="+mn-cs"/>
+              </a:defRPr>
+            </a:lvl7pPr>
+            <a:lvl8pPr marL="3200400" indent="0">
+              <a:defRPr sz="1100">
+                <a:solidFill>
+                  <a:schemeClr val="dk1"/>
+                </a:solidFill>
+                <a:latin typeface="+mn-lt"/>
+                <a:ea typeface="+mn-ea"/>
+                <a:cs typeface="+mn-cs"/>
+              </a:defRPr>
+            </a:lvl8pPr>
+            <a:lvl9pPr marL="3657600" indent="0">
+              <a:defRPr sz="1100">
+                <a:solidFill>
+                  <a:schemeClr val="dk1"/>
+                </a:solidFill>
+                <a:latin typeface="+mn-lt"/>
+                <a:ea typeface="+mn-ea"/>
+                <a:cs typeface="+mn-cs"/>
+              </a:defRPr>
+            </a:lvl9pPr>
+          </a:lstStyle>
+          <a:p>
+            <a:pPr algn="ctr"/>
+            <a:endParaRPr lang="en-US" sz="1100"/>
+          </a:p>
+        </p:txBody>
+      </p:sp>
+      <p:cxnSp>
+        <p:nvCxnSpPr>
+          <p:cNvPr id="24" name="Straight Arrow Connector 63">
+            <a:extLst>
+              <a:ext uri="{FF2B5EF4-FFF2-40B4-BE49-F238E27FC236}">
+                <a16:creationId xmlns:a16="http://schemas.microsoft.com/office/drawing/2014/main" id="{8FBB6414-D62C-4268-9B75-084C40618005}"/>
+              </a:ext>
+            </a:extLst>
+          </p:cNvPr>
+          <p:cNvCxnSpPr>
+            <a:stCxn id="17" idx="3"/>
+            <a:endCxn id="25" idx="2"/>
+          </p:cNvCxnSpPr>
+          <p:nvPr/>
+        </p:nvCxnSpPr>
+        <p:spPr>
+          <a:xfrm flipV="1">
+            <a:off x="8729379" y="3742223"/>
+            <a:ext cx="1129385" cy="819321"/>
+          </a:xfrm>
+          <a:prstGeom prst="bentConnector2">
+            <a:avLst/>
+          </a:prstGeom>
+          <a:ln w="19050">
+            <a:solidFill>
+              <a:srgbClr val="FF0000"/>
+            </a:solidFill>
+            <a:tailEnd type="arrow"/>
+          </a:ln>
+        </p:spPr>
+        <p:style>
+          <a:lnRef idx="1">
+            <a:schemeClr val="accent1"/>
+          </a:lnRef>
+          <a:fillRef idx="0">
+            <a:schemeClr val="accent1"/>
+          </a:fillRef>
+          <a:effectRef idx="0">
+            <a:schemeClr val="accent1"/>
+          </a:effectRef>
+          <a:fontRef idx="minor">
+            <a:schemeClr val="tx1"/>
+          </a:fontRef>
+        </p:style>
+      </p:cxnSp>
+      <p:sp>
+        <p:nvSpPr>
+          <p:cNvPr id="25" name="TextBox 106">
+            <a:extLst>
+              <a:ext uri="{FF2B5EF4-FFF2-40B4-BE49-F238E27FC236}">
+                <a16:creationId xmlns:a16="http://schemas.microsoft.com/office/drawing/2014/main" id="{F08A920B-C0AC-4116-80FE-FCDCBBDD0A86}"/>
+              </a:ext>
+            </a:extLst>
+          </p:cNvPr>
+          <p:cNvSpPr txBox="1"/>
+          <p:nvPr/>
+        </p:nvSpPr>
+        <p:spPr>
+          <a:xfrm>
+            <a:off x="9722450" y="3595916"/>
+            <a:ext cx="267989" cy="146307"/>
+          </a:xfrm>
+          <a:prstGeom prst="rect">
+            <a:avLst/>
+          </a:prstGeom>
+          <a:noFill/>
+          <a:ln w="9525" cmpd="sng">
+            <a:noFill/>
+          </a:ln>
+        </p:spPr>
+        <p:style>
+          <a:lnRef idx="0">
+            <a:scrgbClr r="0" g="0" b="0"/>
+          </a:lnRef>
+          <a:fillRef idx="0">
+            <a:scrgbClr r="0" g="0" b="0"/>
+          </a:fillRef>
+          <a:effectRef idx="0">
+            <a:scrgbClr r="0" g="0" b="0"/>
+          </a:effectRef>
+          <a:fontRef idx="minor">
+            <a:schemeClr val="dk1"/>
+          </a:fontRef>
+        </p:style>
+        <p:txBody>
+          <a:bodyPr wrap="square" lIns="0" tIns="0" rIns="0" bIns="0" rtlCol="0" anchor="ctr" anchorCtr="0">
+            <a:spAutoFit/>
+          </a:bodyPr>
+          <a:lstStyle>
+            <a:lvl1pPr marL="0" indent="0">
+              <a:defRPr sz="1100">
+                <a:solidFill>
+                  <a:schemeClr val="dk1"/>
+                </a:solidFill>
+                <a:latin typeface="+mn-lt"/>
+                <a:ea typeface="+mn-ea"/>
+                <a:cs typeface="+mn-cs"/>
+              </a:defRPr>
+            </a:lvl1pPr>
+            <a:lvl2pPr marL="457200" indent="0">
+              <a:defRPr sz="1100">
+                <a:solidFill>
+                  <a:schemeClr val="dk1"/>
+                </a:solidFill>
+                <a:latin typeface="+mn-lt"/>
+                <a:ea typeface="+mn-ea"/>
+                <a:cs typeface="+mn-cs"/>
+              </a:defRPr>
+            </a:lvl2pPr>
+            <a:lvl3pPr marL="914400" indent="0">
+              <a:defRPr sz="1100">
+                <a:solidFill>
+                  <a:schemeClr val="dk1"/>
+                </a:solidFill>
+                <a:latin typeface="+mn-lt"/>
+                <a:ea typeface="+mn-ea"/>
+                <a:cs typeface="+mn-cs"/>
+              </a:defRPr>
+            </a:lvl3pPr>
+            <a:lvl4pPr marL="1371600" indent="0">
+              <a:defRPr sz="1100">
+                <a:solidFill>
+                  <a:schemeClr val="dk1"/>
+                </a:solidFill>
+                <a:latin typeface="+mn-lt"/>
+                <a:ea typeface="+mn-ea"/>
+                <a:cs typeface="+mn-cs"/>
+              </a:defRPr>
+            </a:lvl4pPr>
+            <a:lvl5pPr marL="1828800" indent="0">
+              <a:defRPr sz="1100">
+                <a:solidFill>
+                  <a:schemeClr val="dk1"/>
+                </a:solidFill>
+                <a:latin typeface="+mn-lt"/>
+                <a:ea typeface="+mn-ea"/>
+                <a:cs typeface="+mn-cs"/>
+              </a:defRPr>
+            </a:lvl5pPr>
+            <a:lvl6pPr marL="2286000" indent="0">
+              <a:defRPr sz="1100">
+                <a:solidFill>
+                  <a:schemeClr val="dk1"/>
+                </a:solidFill>
+                <a:latin typeface="+mn-lt"/>
+                <a:ea typeface="+mn-ea"/>
+                <a:cs typeface="+mn-cs"/>
+              </a:defRPr>
+            </a:lvl6pPr>
+            <a:lvl7pPr marL="2743200" indent="0">
+              <a:defRPr sz="1100">
+                <a:solidFill>
+                  <a:schemeClr val="dk1"/>
+                </a:solidFill>
+                <a:latin typeface="+mn-lt"/>
+                <a:ea typeface="+mn-ea"/>
+                <a:cs typeface="+mn-cs"/>
+              </a:defRPr>
+            </a:lvl7pPr>
+            <a:lvl8pPr marL="3200400" indent="0">
+              <a:defRPr sz="1100">
+                <a:solidFill>
+                  <a:schemeClr val="dk1"/>
+                </a:solidFill>
+                <a:latin typeface="+mn-lt"/>
+                <a:ea typeface="+mn-ea"/>
+                <a:cs typeface="+mn-cs"/>
+              </a:defRPr>
+            </a:lvl8pPr>
+            <a:lvl9pPr marL="3657600" indent="0">
+              <a:defRPr sz="1100">
+                <a:solidFill>
+                  <a:schemeClr val="dk1"/>
+                </a:solidFill>
+                <a:latin typeface="+mn-lt"/>
+                <a:ea typeface="+mn-ea"/>
+                <a:cs typeface="+mn-cs"/>
+              </a:defRPr>
+            </a:lvl9pPr>
+          </a:lstStyle>
+          <a:p>
+            <a:pPr algn="ctr"/>
+            <a:endParaRPr lang="en-US" sz="1100"/>
+          </a:p>
+        </p:txBody>
+      </p:sp>
+      <p:sp>
+        <p:nvSpPr>
+          <p:cNvPr id="26" name="TextBox 109">
+            <a:extLst>
+              <a:ext uri="{FF2B5EF4-FFF2-40B4-BE49-F238E27FC236}">
+                <a16:creationId xmlns:a16="http://schemas.microsoft.com/office/drawing/2014/main" id="{E0160B5E-1710-4A53-85B1-F0E58260B37C}"/>
+              </a:ext>
+            </a:extLst>
+          </p:cNvPr>
+          <p:cNvSpPr txBox="1"/>
+          <p:nvPr/>
+        </p:nvSpPr>
+        <p:spPr>
+          <a:xfrm>
+            <a:off x="8670211" y="4590805"/>
+            <a:ext cx="367762" cy="256038"/>
+          </a:xfrm>
+          <a:prstGeom prst="rect">
+            <a:avLst/>
+          </a:prstGeom>
+          <a:noFill/>
+          <a:ln w="9525" cmpd="sng">
+            <a:noFill/>
+          </a:ln>
+        </p:spPr>
+        <p:style>
+          <a:lnRef idx="0">
+            <a:scrgbClr r="0" g="0" b="0"/>
+          </a:lnRef>
+          <a:fillRef idx="0">
+            <a:scrgbClr r="0" g="0" b="0"/>
+          </a:fillRef>
+          <a:effectRef idx="0">
+            <a:scrgbClr r="0" g="0" b="0"/>
+          </a:effectRef>
+          <a:fontRef idx="minor">
+            <a:schemeClr val="dk1"/>
+          </a:fontRef>
+        </p:style>
+        <p:txBody>
+          <a:bodyPr wrap="square" lIns="0" tIns="0" rIns="0" bIns="0" rtlCol="0" anchor="ctr" anchorCtr="0"/>
+          <a:lstStyle>
+            <a:lvl1pPr marL="0" indent="0">
+              <a:defRPr sz="1100">
+                <a:solidFill>
+                  <a:schemeClr val="dk1"/>
+                </a:solidFill>
+                <a:latin typeface="+mn-lt"/>
+                <a:ea typeface="+mn-ea"/>
+                <a:cs typeface="+mn-cs"/>
+              </a:defRPr>
+            </a:lvl1pPr>
+            <a:lvl2pPr marL="457200" indent="0">
+              <a:defRPr sz="1100">
+                <a:solidFill>
+                  <a:schemeClr val="dk1"/>
+                </a:solidFill>
+                <a:latin typeface="+mn-lt"/>
+                <a:ea typeface="+mn-ea"/>
+                <a:cs typeface="+mn-cs"/>
+              </a:defRPr>
+            </a:lvl2pPr>
+            <a:lvl3pPr marL="914400" indent="0">
+              <a:defRPr sz="1100">
+                <a:solidFill>
+                  <a:schemeClr val="dk1"/>
+                </a:solidFill>
+                <a:latin typeface="+mn-lt"/>
+                <a:ea typeface="+mn-ea"/>
+                <a:cs typeface="+mn-cs"/>
+              </a:defRPr>
+            </a:lvl3pPr>
+            <a:lvl4pPr marL="1371600" indent="0">
+              <a:defRPr sz="1100">
+                <a:solidFill>
+                  <a:schemeClr val="dk1"/>
+                </a:solidFill>
+                <a:latin typeface="+mn-lt"/>
+                <a:ea typeface="+mn-ea"/>
+                <a:cs typeface="+mn-cs"/>
+              </a:defRPr>
+            </a:lvl4pPr>
+            <a:lvl5pPr marL="1828800" indent="0">
+              <a:defRPr sz="1100">
+                <a:solidFill>
+                  <a:schemeClr val="dk1"/>
+                </a:solidFill>
+                <a:latin typeface="+mn-lt"/>
+                <a:ea typeface="+mn-ea"/>
+                <a:cs typeface="+mn-cs"/>
+              </a:defRPr>
+            </a:lvl5pPr>
+            <a:lvl6pPr marL="2286000" indent="0">
+              <a:defRPr sz="1100">
+                <a:solidFill>
+                  <a:schemeClr val="dk1"/>
+                </a:solidFill>
+                <a:latin typeface="+mn-lt"/>
+                <a:ea typeface="+mn-ea"/>
+                <a:cs typeface="+mn-cs"/>
+              </a:defRPr>
+            </a:lvl6pPr>
+            <a:lvl7pPr marL="2743200" indent="0">
+              <a:defRPr sz="1100">
+                <a:solidFill>
+                  <a:schemeClr val="dk1"/>
+                </a:solidFill>
+                <a:latin typeface="+mn-lt"/>
+                <a:ea typeface="+mn-ea"/>
+                <a:cs typeface="+mn-cs"/>
+              </a:defRPr>
+            </a:lvl7pPr>
+            <a:lvl8pPr marL="3200400" indent="0">
+              <a:defRPr sz="1100">
+                <a:solidFill>
+                  <a:schemeClr val="dk1"/>
+                </a:solidFill>
+                <a:latin typeface="+mn-lt"/>
+                <a:ea typeface="+mn-ea"/>
+                <a:cs typeface="+mn-cs"/>
+              </a:defRPr>
+            </a:lvl8pPr>
+            <a:lvl9pPr marL="3657600" indent="0">
+              <a:defRPr sz="1100">
+                <a:solidFill>
+                  <a:schemeClr val="dk1"/>
+                </a:solidFill>
+                <a:latin typeface="+mn-lt"/>
+                <a:ea typeface="+mn-ea"/>
+                <a:cs typeface="+mn-cs"/>
+              </a:defRPr>
+            </a:lvl9pPr>
+          </a:lstStyle>
+          <a:p>
+            <a:pPr algn="ctr"/>
+            <a:r>
+              <a:rPr lang="en-US" sz="1100"/>
+              <a:t>NG</a:t>
+            </a:r>
+          </a:p>
+        </p:txBody>
+      </p:sp>
+      <p:sp>
+        <p:nvSpPr>
+          <p:cNvPr id="27" name="TextBox 110">
+            <a:extLst>
+              <a:ext uri="{FF2B5EF4-FFF2-40B4-BE49-F238E27FC236}">
+                <a16:creationId xmlns:a16="http://schemas.microsoft.com/office/drawing/2014/main" id="{1C69FAB7-0F71-4729-B537-AC20853D023D}"/>
+              </a:ext>
+            </a:extLst>
+          </p:cNvPr>
+          <p:cNvSpPr txBox="1"/>
+          <p:nvPr/>
+        </p:nvSpPr>
+        <p:spPr>
+          <a:xfrm>
+            <a:off x="7504280" y="4590805"/>
+            <a:ext cx="367762" cy="256038"/>
+          </a:xfrm>
+          <a:prstGeom prst="rect">
+            <a:avLst/>
+          </a:prstGeom>
+          <a:noFill/>
+          <a:ln w="9525" cmpd="sng">
+            <a:noFill/>
+          </a:ln>
+        </p:spPr>
+        <p:style>
+          <a:lnRef idx="0">
+            <a:scrgbClr r="0" g="0" b="0"/>
+          </a:lnRef>
+          <a:fillRef idx="0">
+            <a:scrgbClr r="0" g="0" b="0"/>
+          </a:fillRef>
+          <a:effectRef idx="0">
+            <a:scrgbClr r="0" g="0" b="0"/>
+          </a:effectRef>
+          <a:fontRef idx="minor">
+            <a:schemeClr val="dk1"/>
+          </a:fontRef>
+        </p:style>
+        <p:txBody>
+          <a:bodyPr wrap="square" lIns="0" tIns="0" rIns="0" bIns="0" rtlCol="0" anchor="ctr" anchorCtr="0"/>
+          <a:lstStyle>
+            <a:lvl1pPr marL="0" indent="0">
+              <a:defRPr sz="1100">
+                <a:solidFill>
+                  <a:schemeClr val="dk1"/>
+                </a:solidFill>
+                <a:latin typeface="+mn-lt"/>
+                <a:ea typeface="+mn-ea"/>
+                <a:cs typeface="+mn-cs"/>
+              </a:defRPr>
+            </a:lvl1pPr>
+            <a:lvl2pPr marL="457200" indent="0">
+              <a:defRPr sz="1100">
+                <a:solidFill>
+                  <a:schemeClr val="dk1"/>
+                </a:solidFill>
+                <a:latin typeface="+mn-lt"/>
+                <a:ea typeface="+mn-ea"/>
+                <a:cs typeface="+mn-cs"/>
+              </a:defRPr>
+            </a:lvl2pPr>
+            <a:lvl3pPr marL="914400" indent="0">
+              <a:defRPr sz="1100">
+                <a:solidFill>
+                  <a:schemeClr val="dk1"/>
+                </a:solidFill>
+                <a:latin typeface="+mn-lt"/>
+                <a:ea typeface="+mn-ea"/>
+                <a:cs typeface="+mn-cs"/>
+              </a:defRPr>
+            </a:lvl3pPr>
+            <a:lvl4pPr marL="1371600" indent="0">
+              <a:defRPr sz="1100">
+                <a:solidFill>
+                  <a:schemeClr val="dk1"/>
+                </a:solidFill>
+                <a:latin typeface="+mn-lt"/>
+                <a:ea typeface="+mn-ea"/>
+                <a:cs typeface="+mn-cs"/>
+              </a:defRPr>
+            </a:lvl4pPr>
+            <a:lvl5pPr marL="1828800" indent="0">
+              <a:defRPr sz="1100">
+                <a:solidFill>
+                  <a:schemeClr val="dk1"/>
+                </a:solidFill>
+                <a:latin typeface="+mn-lt"/>
+                <a:ea typeface="+mn-ea"/>
+                <a:cs typeface="+mn-cs"/>
+              </a:defRPr>
+            </a:lvl5pPr>
+            <a:lvl6pPr marL="2286000" indent="0">
+              <a:defRPr sz="1100">
+                <a:solidFill>
+                  <a:schemeClr val="dk1"/>
+                </a:solidFill>
+                <a:latin typeface="+mn-lt"/>
+                <a:ea typeface="+mn-ea"/>
+                <a:cs typeface="+mn-cs"/>
+              </a:defRPr>
+            </a:lvl6pPr>
+            <a:lvl7pPr marL="2743200" indent="0">
+              <a:defRPr sz="1100">
+                <a:solidFill>
+                  <a:schemeClr val="dk1"/>
+                </a:solidFill>
+                <a:latin typeface="+mn-lt"/>
+                <a:ea typeface="+mn-ea"/>
+                <a:cs typeface="+mn-cs"/>
+              </a:defRPr>
+            </a:lvl7pPr>
+            <a:lvl8pPr marL="3200400" indent="0">
+              <a:defRPr sz="1100">
+                <a:solidFill>
+                  <a:schemeClr val="dk1"/>
+                </a:solidFill>
+                <a:latin typeface="+mn-lt"/>
+                <a:ea typeface="+mn-ea"/>
+                <a:cs typeface="+mn-cs"/>
+              </a:defRPr>
+            </a:lvl8pPr>
+            <a:lvl9pPr marL="3657600" indent="0">
+              <a:defRPr sz="1100">
+                <a:solidFill>
+                  <a:schemeClr val="dk1"/>
+                </a:solidFill>
+                <a:latin typeface="+mn-lt"/>
+                <a:ea typeface="+mn-ea"/>
+                <a:cs typeface="+mn-cs"/>
+              </a:defRPr>
+            </a:lvl9pPr>
+          </a:lstStyle>
+          <a:p>
+            <a:pPr algn="ctr"/>
+            <a:r>
+              <a:rPr lang="en-US" sz="1100"/>
+              <a:t>OK</a:t>
+            </a:r>
+          </a:p>
+        </p:txBody>
+      </p:sp>
+      <p:sp>
+        <p:nvSpPr>
+          <p:cNvPr id="28" name="Oval 27">
+            <a:extLst>
+              <a:ext uri="{FF2B5EF4-FFF2-40B4-BE49-F238E27FC236}">
+                <a16:creationId xmlns:a16="http://schemas.microsoft.com/office/drawing/2014/main" id="{57B0424D-1639-4FA7-8273-B6EE54DAE61F}"/>
+              </a:ext>
+            </a:extLst>
+          </p:cNvPr>
+          <p:cNvSpPr/>
+          <p:nvPr/>
+        </p:nvSpPr>
+        <p:spPr>
+          <a:xfrm>
+            <a:off x="6212272" y="3921749"/>
+            <a:ext cx="597671" cy="498578"/>
+          </a:xfrm>
+          <a:prstGeom prst="ellipse">
+            <a:avLst/>
+          </a:prstGeom>
+          <a:solidFill>
+            <a:schemeClr val="bg1">
+              <a:lumMod val="95000"/>
+            </a:schemeClr>
+          </a:solidFill>
+          <a:ln w="38100">
+            <a:solidFill>
+              <a:srgbClr val="0000FF"/>
+            </a:solidFill>
+          </a:ln>
+        </p:spPr>
+        <p:style>
+          <a:lnRef idx="2">
+            <a:schemeClr val="accent1">
+              <a:shade val="50000"/>
+            </a:schemeClr>
+          </a:lnRef>
+          <a:fillRef idx="1">
+            <a:schemeClr val="accent1"/>
+          </a:fillRef>
+          <a:effectRef idx="0">
+            <a:schemeClr val="accent1"/>
+          </a:effectRef>
+          <a:fontRef idx="minor">
+            <a:schemeClr val="lt1"/>
+          </a:fontRef>
+        </p:style>
+        <p:txBody>
+          <a:bodyPr lIns="0" tIns="0" rIns="0" bIns="0" rtlCol="0" anchor="ctr" anchorCtr="0"/>
+          <a:lstStyle>
+            <a:lvl1pPr marL="0" indent="0">
+              <a:defRPr sz="1100">
+                <a:solidFill>
+                  <a:schemeClr val="lt1"/>
+                </a:solidFill>
+                <a:latin typeface="+mn-lt"/>
+                <a:ea typeface="+mn-ea"/>
+                <a:cs typeface="+mn-cs"/>
+              </a:defRPr>
+            </a:lvl1pPr>
+            <a:lvl2pPr marL="457200" indent="0">
+              <a:defRPr sz="1100">
+                <a:solidFill>
+                  <a:schemeClr val="lt1"/>
+                </a:solidFill>
+                <a:latin typeface="+mn-lt"/>
+                <a:ea typeface="+mn-ea"/>
+                <a:cs typeface="+mn-cs"/>
+              </a:defRPr>
+            </a:lvl2pPr>
+            <a:lvl3pPr marL="914400" indent="0">
+              <a:defRPr sz="1100">
+                <a:solidFill>
+                  <a:schemeClr val="lt1"/>
+                </a:solidFill>
+                <a:latin typeface="+mn-lt"/>
+                <a:ea typeface="+mn-ea"/>
+                <a:cs typeface="+mn-cs"/>
+              </a:defRPr>
+            </a:lvl3pPr>
+            <a:lvl4pPr marL="1371600" indent="0">
+              <a:defRPr sz="1100">
+                <a:solidFill>
+                  <a:schemeClr val="lt1"/>
+                </a:solidFill>
+                <a:latin typeface="+mn-lt"/>
+                <a:ea typeface="+mn-ea"/>
+                <a:cs typeface="+mn-cs"/>
+              </a:defRPr>
+            </a:lvl4pPr>
+            <a:lvl5pPr marL="1828800" indent="0">
+              <a:defRPr sz="1100">
+                <a:solidFill>
+                  <a:schemeClr val="lt1"/>
+                </a:solidFill>
+                <a:latin typeface="+mn-lt"/>
+                <a:ea typeface="+mn-ea"/>
+                <a:cs typeface="+mn-cs"/>
+              </a:defRPr>
+            </a:lvl5pPr>
+            <a:lvl6pPr marL="2286000" indent="0">
+              <a:defRPr sz="1100">
+                <a:solidFill>
+                  <a:schemeClr val="lt1"/>
+                </a:solidFill>
+                <a:latin typeface="+mn-lt"/>
+                <a:ea typeface="+mn-ea"/>
+                <a:cs typeface="+mn-cs"/>
+              </a:defRPr>
+            </a:lvl6pPr>
+            <a:lvl7pPr marL="2743200" indent="0">
+              <a:defRPr sz="1100">
+                <a:solidFill>
+                  <a:schemeClr val="lt1"/>
+                </a:solidFill>
+                <a:latin typeface="+mn-lt"/>
+                <a:ea typeface="+mn-ea"/>
+                <a:cs typeface="+mn-cs"/>
+              </a:defRPr>
+            </a:lvl7pPr>
+            <a:lvl8pPr marL="3200400" indent="0">
+              <a:defRPr sz="1100">
+                <a:solidFill>
+                  <a:schemeClr val="lt1"/>
+                </a:solidFill>
+                <a:latin typeface="+mn-lt"/>
+                <a:ea typeface="+mn-ea"/>
+                <a:cs typeface="+mn-cs"/>
+              </a:defRPr>
+            </a:lvl8pPr>
+            <a:lvl9pPr marL="3657600" indent="0">
+              <a:defRPr sz="1100">
+                <a:solidFill>
+                  <a:schemeClr val="lt1"/>
+                </a:solidFill>
+                <a:latin typeface="+mn-lt"/>
+                <a:ea typeface="+mn-ea"/>
+                <a:cs typeface="+mn-cs"/>
+              </a:defRPr>
+            </a:lvl9pPr>
+          </a:lstStyle>
+          <a:p>
+            <a:pPr algn="ctr"/>
+            <a:r>
+              <a:rPr lang="en-US" sz="1100">
+                <a:solidFill>
+                  <a:srgbClr val="0000FF"/>
+                </a:solidFill>
+              </a:rPr>
+              <a:t>E-chop</a:t>
+            </a:r>
+          </a:p>
+        </p:txBody>
+      </p:sp>
+      <p:sp>
+        <p:nvSpPr>
+          <p:cNvPr id="29" name="Oval 28">
+            <a:extLst>
+              <a:ext uri="{FF2B5EF4-FFF2-40B4-BE49-F238E27FC236}">
+                <a16:creationId xmlns:a16="http://schemas.microsoft.com/office/drawing/2014/main" id="{51190F06-AA01-4A41-BC04-E710FD7D8283}"/>
+              </a:ext>
+            </a:extLst>
+          </p:cNvPr>
+          <p:cNvSpPr/>
+          <p:nvPr/>
+        </p:nvSpPr>
+        <p:spPr>
+          <a:xfrm>
+            <a:off x="6941618" y="4327452"/>
+            <a:ext cx="578904" cy="490130"/>
+          </a:xfrm>
+          <a:prstGeom prst="ellipse">
+            <a:avLst/>
+          </a:prstGeom>
+          <a:solidFill>
+            <a:schemeClr val="bg1">
+              <a:lumMod val="95000"/>
+            </a:schemeClr>
+          </a:solidFill>
+          <a:ln w="28575">
+            <a:solidFill>
+              <a:schemeClr val="accent6">
+                <a:lumMod val="50000"/>
+              </a:schemeClr>
+            </a:solidFill>
+          </a:ln>
+        </p:spPr>
+        <p:style>
+          <a:lnRef idx="2">
+            <a:schemeClr val="accent1">
+              <a:shade val="50000"/>
+            </a:schemeClr>
+          </a:lnRef>
+          <a:fillRef idx="1">
+            <a:schemeClr val="accent1"/>
+          </a:fillRef>
+          <a:effectRef idx="0">
+            <a:schemeClr val="accent1"/>
+          </a:effectRef>
+          <a:fontRef idx="minor">
+            <a:schemeClr val="lt1"/>
+          </a:fontRef>
+        </p:style>
+        <p:txBody>
+          <a:bodyPr lIns="0" tIns="0" rIns="0" bIns="0" rtlCol="0" anchor="ctr" anchorCtr="0"/>
+          <a:lstStyle>
+            <a:lvl1pPr marL="0" indent="0">
+              <a:defRPr sz="1100">
+                <a:solidFill>
+                  <a:schemeClr val="lt1"/>
+                </a:solidFill>
+                <a:latin typeface="+mn-lt"/>
+                <a:ea typeface="+mn-ea"/>
+                <a:cs typeface="+mn-cs"/>
+              </a:defRPr>
+            </a:lvl1pPr>
+            <a:lvl2pPr marL="457200" indent="0">
+              <a:defRPr sz="1100">
+                <a:solidFill>
+                  <a:schemeClr val="lt1"/>
+                </a:solidFill>
+                <a:latin typeface="+mn-lt"/>
+                <a:ea typeface="+mn-ea"/>
+                <a:cs typeface="+mn-cs"/>
+              </a:defRPr>
+            </a:lvl2pPr>
+            <a:lvl3pPr marL="914400" indent="0">
+              <a:defRPr sz="1100">
+                <a:solidFill>
+                  <a:schemeClr val="lt1"/>
+                </a:solidFill>
+                <a:latin typeface="+mn-lt"/>
+                <a:ea typeface="+mn-ea"/>
+                <a:cs typeface="+mn-cs"/>
+              </a:defRPr>
+            </a:lvl3pPr>
+            <a:lvl4pPr marL="1371600" indent="0">
+              <a:defRPr sz="1100">
+                <a:solidFill>
+                  <a:schemeClr val="lt1"/>
+                </a:solidFill>
+                <a:latin typeface="+mn-lt"/>
+                <a:ea typeface="+mn-ea"/>
+                <a:cs typeface="+mn-cs"/>
+              </a:defRPr>
+            </a:lvl4pPr>
+            <a:lvl5pPr marL="1828800" indent="0">
+              <a:defRPr sz="1100">
+                <a:solidFill>
+                  <a:schemeClr val="lt1"/>
+                </a:solidFill>
+                <a:latin typeface="+mn-lt"/>
+                <a:ea typeface="+mn-ea"/>
+                <a:cs typeface="+mn-cs"/>
+              </a:defRPr>
+            </a:lvl5pPr>
+            <a:lvl6pPr marL="2286000" indent="0">
+              <a:defRPr sz="1100">
+                <a:solidFill>
+                  <a:schemeClr val="lt1"/>
+                </a:solidFill>
+                <a:latin typeface="+mn-lt"/>
+                <a:ea typeface="+mn-ea"/>
+                <a:cs typeface="+mn-cs"/>
+              </a:defRPr>
+            </a:lvl6pPr>
+            <a:lvl7pPr marL="2743200" indent="0">
+              <a:defRPr sz="1100">
+                <a:solidFill>
+                  <a:schemeClr val="lt1"/>
+                </a:solidFill>
+                <a:latin typeface="+mn-lt"/>
+                <a:ea typeface="+mn-ea"/>
+                <a:cs typeface="+mn-cs"/>
+              </a:defRPr>
+            </a:lvl7pPr>
+            <a:lvl8pPr marL="3200400" indent="0">
+              <a:defRPr sz="1100">
+                <a:solidFill>
+                  <a:schemeClr val="lt1"/>
+                </a:solidFill>
+                <a:latin typeface="+mn-lt"/>
+                <a:ea typeface="+mn-ea"/>
+                <a:cs typeface="+mn-cs"/>
+              </a:defRPr>
+            </a:lvl8pPr>
+            <a:lvl9pPr marL="3657600" indent="0">
+              <a:defRPr sz="1100">
+                <a:solidFill>
+                  <a:schemeClr val="lt1"/>
+                </a:solidFill>
+                <a:latin typeface="+mn-lt"/>
+                <a:ea typeface="+mn-ea"/>
+                <a:cs typeface="+mn-cs"/>
+              </a:defRPr>
+            </a:lvl9pPr>
+          </a:lstStyle>
+          <a:p>
+            <a:pPr algn="ctr"/>
+            <a:r>
+              <a:rPr lang="en-US" sz="900">
+                <a:solidFill>
+                  <a:sysClr val="windowText" lastClr="000000"/>
+                </a:solidFill>
+              </a:rPr>
+              <a:t>Manual Recheck OK</a:t>
+            </a:r>
+          </a:p>
+        </p:txBody>
+      </p:sp>
+      <p:sp>
+        <p:nvSpPr>
+          <p:cNvPr id="30" name="Oval 29">
+            <a:extLst>
+              <a:ext uri="{FF2B5EF4-FFF2-40B4-BE49-F238E27FC236}">
+                <a16:creationId xmlns:a16="http://schemas.microsoft.com/office/drawing/2014/main" id="{E4F829EF-89E9-4280-9ECA-55CA579F6B7E}"/>
+              </a:ext>
+            </a:extLst>
+          </p:cNvPr>
+          <p:cNvSpPr/>
+          <p:nvPr/>
+        </p:nvSpPr>
+        <p:spPr>
+          <a:xfrm>
+            <a:off x="9062335" y="4312822"/>
+            <a:ext cx="578904" cy="490130"/>
+          </a:xfrm>
+          <a:prstGeom prst="ellipse">
+            <a:avLst/>
+          </a:prstGeom>
+          <a:solidFill>
+            <a:schemeClr val="accent4">
+              <a:lumMod val="60000"/>
+              <a:lumOff val="40000"/>
+            </a:schemeClr>
+          </a:solidFill>
+          <a:ln w="38100">
+            <a:solidFill>
+              <a:srgbClr val="FF0000"/>
+            </a:solidFill>
+          </a:ln>
+        </p:spPr>
+        <p:style>
+          <a:lnRef idx="2">
+            <a:schemeClr val="accent1">
+              <a:shade val="50000"/>
+            </a:schemeClr>
+          </a:lnRef>
+          <a:fillRef idx="1">
+            <a:schemeClr val="accent1"/>
+          </a:fillRef>
+          <a:effectRef idx="0">
+            <a:schemeClr val="accent1"/>
+          </a:effectRef>
+          <a:fontRef idx="minor">
+            <a:schemeClr val="lt1"/>
+          </a:fontRef>
+        </p:style>
+        <p:txBody>
+          <a:bodyPr lIns="0" tIns="0" rIns="0" bIns="0" rtlCol="0" anchor="ctr" anchorCtr="0"/>
+          <a:lstStyle>
+            <a:lvl1pPr marL="0" indent="0">
+              <a:defRPr sz="1100">
+                <a:solidFill>
+                  <a:schemeClr val="lt1"/>
+                </a:solidFill>
+                <a:latin typeface="+mn-lt"/>
+                <a:ea typeface="+mn-ea"/>
+                <a:cs typeface="+mn-cs"/>
+              </a:defRPr>
+            </a:lvl1pPr>
+            <a:lvl2pPr marL="457200" indent="0">
+              <a:defRPr sz="1100">
+                <a:solidFill>
+                  <a:schemeClr val="lt1"/>
+                </a:solidFill>
+                <a:latin typeface="+mn-lt"/>
+                <a:ea typeface="+mn-ea"/>
+                <a:cs typeface="+mn-cs"/>
+              </a:defRPr>
+            </a:lvl2pPr>
+            <a:lvl3pPr marL="914400" indent="0">
+              <a:defRPr sz="1100">
+                <a:solidFill>
+                  <a:schemeClr val="lt1"/>
+                </a:solidFill>
+                <a:latin typeface="+mn-lt"/>
+                <a:ea typeface="+mn-ea"/>
+                <a:cs typeface="+mn-cs"/>
+              </a:defRPr>
+            </a:lvl3pPr>
+            <a:lvl4pPr marL="1371600" indent="0">
+              <a:defRPr sz="1100">
+                <a:solidFill>
+                  <a:schemeClr val="lt1"/>
+                </a:solidFill>
+                <a:latin typeface="+mn-lt"/>
+                <a:ea typeface="+mn-ea"/>
+                <a:cs typeface="+mn-cs"/>
+              </a:defRPr>
+            </a:lvl4pPr>
+            <a:lvl5pPr marL="1828800" indent="0">
+              <a:defRPr sz="1100">
+                <a:solidFill>
+                  <a:schemeClr val="lt1"/>
+                </a:solidFill>
+                <a:latin typeface="+mn-lt"/>
+                <a:ea typeface="+mn-ea"/>
+                <a:cs typeface="+mn-cs"/>
+              </a:defRPr>
+            </a:lvl5pPr>
+            <a:lvl6pPr marL="2286000" indent="0">
+              <a:defRPr sz="1100">
+                <a:solidFill>
+                  <a:schemeClr val="lt1"/>
+                </a:solidFill>
+                <a:latin typeface="+mn-lt"/>
+                <a:ea typeface="+mn-ea"/>
+                <a:cs typeface="+mn-cs"/>
+              </a:defRPr>
+            </a:lvl6pPr>
+            <a:lvl7pPr marL="2743200" indent="0">
+              <a:defRPr sz="1100">
+                <a:solidFill>
+                  <a:schemeClr val="lt1"/>
+                </a:solidFill>
+                <a:latin typeface="+mn-lt"/>
+                <a:ea typeface="+mn-ea"/>
+                <a:cs typeface="+mn-cs"/>
+              </a:defRPr>
+            </a:lvl7pPr>
+            <a:lvl8pPr marL="3200400" indent="0">
+              <a:defRPr sz="1100">
+                <a:solidFill>
+                  <a:schemeClr val="lt1"/>
+                </a:solidFill>
+                <a:latin typeface="+mn-lt"/>
+                <a:ea typeface="+mn-ea"/>
+                <a:cs typeface="+mn-cs"/>
+              </a:defRPr>
+            </a:lvl8pPr>
+            <a:lvl9pPr marL="3657600" indent="0">
+              <a:defRPr sz="1100">
+                <a:solidFill>
+                  <a:schemeClr val="lt1"/>
+                </a:solidFill>
+                <a:latin typeface="+mn-lt"/>
+                <a:ea typeface="+mn-ea"/>
+                <a:cs typeface="+mn-cs"/>
+              </a:defRPr>
+            </a:lvl9pPr>
+          </a:lstStyle>
+          <a:p>
+            <a:pPr algn="ctr"/>
+            <a:r>
+              <a:rPr lang="en-US" sz="900">
+                <a:solidFill>
+                  <a:sysClr val="windowText" lastClr="000000"/>
+                </a:solidFill>
+              </a:rPr>
+              <a:t>Manual Recheck NG</a:t>
+            </a:r>
+          </a:p>
+        </p:txBody>
+      </p:sp>
+      <p:cxnSp>
+        <p:nvCxnSpPr>
+          <p:cNvPr id="31" name="Straight Arrow Connector 63">
+            <a:extLst>
+              <a:ext uri="{FF2B5EF4-FFF2-40B4-BE49-F238E27FC236}">
+                <a16:creationId xmlns:a16="http://schemas.microsoft.com/office/drawing/2014/main" id="{3380594C-8754-45C1-ACE3-B6D8F1577948}"/>
+              </a:ext>
+            </a:extLst>
+          </p:cNvPr>
+          <p:cNvCxnSpPr>
+            <a:stCxn id="17" idx="2"/>
+            <a:endCxn id="32" idx="2"/>
+          </p:cNvCxnSpPr>
+          <p:nvPr/>
+        </p:nvCxnSpPr>
+        <p:spPr>
+          <a:xfrm rot="5400000" flipH="1" flipV="1">
+            <a:off x="8667932" y="3285672"/>
+            <a:ext cx="1075358" cy="1988462"/>
+          </a:xfrm>
+          <a:prstGeom prst="bentConnector3">
+            <a:avLst>
+              <a:gd name="adj1" fmla="val -16327"/>
+            </a:avLst>
+          </a:prstGeom>
+          <a:ln w="28575">
+            <a:solidFill>
+              <a:schemeClr val="accent2">
+                <a:lumMod val="50000"/>
+              </a:schemeClr>
+            </a:solidFill>
+            <a:tailEnd type="arrow"/>
+          </a:ln>
+        </p:spPr>
+        <p:style>
+          <a:lnRef idx="1">
+            <a:schemeClr val="accent1"/>
+          </a:lnRef>
+          <a:fillRef idx="0">
+            <a:schemeClr val="accent1"/>
+          </a:fillRef>
+          <a:effectRef idx="0">
+            <a:schemeClr val="accent1"/>
+          </a:effectRef>
+          <a:fontRef idx="minor">
+            <a:schemeClr val="tx1"/>
+          </a:fontRef>
+        </p:style>
+      </p:cxnSp>
+      <p:sp>
+        <p:nvSpPr>
+          <p:cNvPr id="32" name="TextBox 116">
+            <a:extLst>
+              <a:ext uri="{FF2B5EF4-FFF2-40B4-BE49-F238E27FC236}">
+                <a16:creationId xmlns:a16="http://schemas.microsoft.com/office/drawing/2014/main" id="{4A5F7739-D11F-461E-B309-EC986344738D}"/>
+              </a:ext>
+            </a:extLst>
+          </p:cNvPr>
+          <p:cNvSpPr txBox="1"/>
+          <p:nvPr/>
+        </p:nvSpPr>
+        <p:spPr>
+          <a:xfrm>
+            <a:off x="10065848" y="3595916"/>
+            <a:ext cx="267989" cy="146307"/>
+          </a:xfrm>
+          <a:prstGeom prst="rect">
+            <a:avLst/>
+          </a:prstGeom>
+          <a:noFill/>
+          <a:ln w="9525" cmpd="sng">
+            <a:noFill/>
+          </a:ln>
+        </p:spPr>
+        <p:style>
+          <a:lnRef idx="0">
+            <a:scrgbClr r="0" g="0" b="0"/>
+          </a:lnRef>
+          <a:fillRef idx="0">
+            <a:scrgbClr r="0" g="0" b="0"/>
+          </a:fillRef>
+          <a:effectRef idx="0">
+            <a:scrgbClr r="0" g="0" b="0"/>
+          </a:effectRef>
+          <a:fontRef idx="minor">
+            <a:schemeClr val="dk1"/>
+          </a:fontRef>
+        </p:style>
+        <p:txBody>
+          <a:bodyPr wrap="square" lIns="0" tIns="0" rIns="0" bIns="0" rtlCol="0" anchor="ctr" anchorCtr="0">
+            <a:spAutoFit/>
+          </a:bodyPr>
+          <a:lstStyle>
+            <a:lvl1pPr marL="0" indent="0">
+              <a:defRPr sz="1100">
+                <a:solidFill>
+                  <a:schemeClr val="dk1"/>
+                </a:solidFill>
+                <a:latin typeface="+mn-lt"/>
+                <a:ea typeface="+mn-ea"/>
+                <a:cs typeface="+mn-cs"/>
+              </a:defRPr>
+            </a:lvl1pPr>
+            <a:lvl2pPr marL="457200" indent="0">
+              <a:defRPr sz="1100">
+                <a:solidFill>
+                  <a:schemeClr val="dk1"/>
+                </a:solidFill>
+                <a:latin typeface="+mn-lt"/>
+                <a:ea typeface="+mn-ea"/>
+                <a:cs typeface="+mn-cs"/>
+              </a:defRPr>
+            </a:lvl2pPr>
+            <a:lvl3pPr marL="914400" indent="0">
+              <a:defRPr sz="1100">
+                <a:solidFill>
+                  <a:schemeClr val="dk1"/>
+                </a:solidFill>
+                <a:latin typeface="+mn-lt"/>
+                <a:ea typeface="+mn-ea"/>
+                <a:cs typeface="+mn-cs"/>
+              </a:defRPr>
+            </a:lvl3pPr>
+            <a:lvl4pPr marL="1371600" indent="0">
+              <a:defRPr sz="1100">
+                <a:solidFill>
+                  <a:schemeClr val="dk1"/>
+                </a:solidFill>
+                <a:latin typeface="+mn-lt"/>
+                <a:ea typeface="+mn-ea"/>
+                <a:cs typeface="+mn-cs"/>
+              </a:defRPr>
+            </a:lvl4pPr>
+            <a:lvl5pPr marL="1828800" indent="0">
+              <a:defRPr sz="1100">
+                <a:solidFill>
+                  <a:schemeClr val="dk1"/>
+                </a:solidFill>
+                <a:latin typeface="+mn-lt"/>
+                <a:ea typeface="+mn-ea"/>
+                <a:cs typeface="+mn-cs"/>
+              </a:defRPr>
+            </a:lvl5pPr>
+            <a:lvl6pPr marL="2286000" indent="0">
+              <a:defRPr sz="1100">
+                <a:solidFill>
+                  <a:schemeClr val="dk1"/>
+                </a:solidFill>
+                <a:latin typeface="+mn-lt"/>
+                <a:ea typeface="+mn-ea"/>
+                <a:cs typeface="+mn-cs"/>
+              </a:defRPr>
+            </a:lvl6pPr>
+            <a:lvl7pPr marL="2743200" indent="0">
+              <a:defRPr sz="1100">
+                <a:solidFill>
+                  <a:schemeClr val="dk1"/>
+                </a:solidFill>
+                <a:latin typeface="+mn-lt"/>
+                <a:ea typeface="+mn-ea"/>
+                <a:cs typeface="+mn-cs"/>
+              </a:defRPr>
+            </a:lvl7pPr>
+            <a:lvl8pPr marL="3200400" indent="0">
+              <a:defRPr sz="1100">
+                <a:solidFill>
+                  <a:schemeClr val="dk1"/>
+                </a:solidFill>
+                <a:latin typeface="+mn-lt"/>
+                <a:ea typeface="+mn-ea"/>
+                <a:cs typeface="+mn-cs"/>
+              </a:defRPr>
+            </a:lvl8pPr>
+            <a:lvl9pPr marL="3657600" indent="0">
+              <a:defRPr sz="1100">
+                <a:solidFill>
+                  <a:schemeClr val="dk1"/>
+                </a:solidFill>
+                <a:latin typeface="+mn-lt"/>
+                <a:ea typeface="+mn-ea"/>
+                <a:cs typeface="+mn-cs"/>
+              </a:defRPr>
+            </a:lvl9pPr>
+          </a:lstStyle>
+          <a:p>
+            <a:pPr algn="ctr"/>
+            <a:endParaRPr lang="en-US" sz="1100"/>
+          </a:p>
+        </p:txBody>
+      </p:sp>
+      <p:sp>
+        <p:nvSpPr>
+          <p:cNvPr id="33" name="TextBox 121">
+            <a:extLst>
+              <a:ext uri="{FF2B5EF4-FFF2-40B4-BE49-F238E27FC236}">
+                <a16:creationId xmlns:a16="http://schemas.microsoft.com/office/drawing/2014/main" id="{066642D4-8C42-4B57-92BD-3B2D2E2F3EEE}"/>
+              </a:ext>
+            </a:extLst>
+          </p:cNvPr>
+          <p:cNvSpPr txBox="1"/>
+          <p:nvPr/>
+        </p:nvSpPr>
+        <p:spPr>
+          <a:xfrm>
+            <a:off x="8280407" y="4759059"/>
+            <a:ext cx="365441" cy="256038"/>
+          </a:xfrm>
+          <a:prstGeom prst="rect">
+            <a:avLst/>
+          </a:prstGeom>
+          <a:noFill/>
+          <a:ln w="9525" cmpd="sng">
+            <a:noFill/>
+          </a:ln>
+        </p:spPr>
+        <p:style>
+          <a:lnRef idx="0">
+            <a:scrgbClr r="0" g="0" b="0"/>
+          </a:lnRef>
+          <a:fillRef idx="0">
+            <a:scrgbClr r="0" g="0" b="0"/>
+          </a:fillRef>
+          <a:effectRef idx="0">
+            <a:scrgbClr r="0" g="0" b="0"/>
+          </a:effectRef>
+          <a:fontRef idx="minor">
+            <a:schemeClr val="dk1"/>
+          </a:fontRef>
+        </p:style>
+        <p:txBody>
+          <a:bodyPr wrap="square" lIns="0" tIns="0" rIns="0" bIns="0" rtlCol="0" anchor="ctr" anchorCtr="0"/>
+          <a:lstStyle>
+            <a:lvl1pPr marL="0" indent="0">
+              <a:defRPr sz="1100">
+                <a:solidFill>
+                  <a:schemeClr val="dk1"/>
+                </a:solidFill>
+                <a:latin typeface="+mn-lt"/>
+                <a:ea typeface="+mn-ea"/>
+                <a:cs typeface="+mn-cs"/>
+              </a:defRPr>
+            </a:lvl1pPr>
+            <a:lvl2pPr marL="457200" indent="0">
+              <a:defRPr sz="1100">
+                <a:solidFill>
+                  <a:schemeClr val="dk1"/>
+                </a:solidFill>
+                <a:latin typeface="+mn-lt"/>
+                <a:ea typeface="+mn-ea"/>
+                <a:cs typeface="+mn-cs"/>
+              </a:defRPr>
+            </a:lvl2pPr>
+            <a:lvl3pPr marL="914400" indent="0">
+              <a:defRPr sz="1100">
+                <a:solidFill>
+                  <a:schemeClr val="dk1"/>
+                </a:solidFill>
+                <a:latin typeface="+mn-lt"/>
+                <a:ea typeface="+mn-ea"/>
+                <a:cs typeface="+mn-cs"/>
+              </a:defRPr>
+            </a:lvl3pPr>
+            <a:lvl4pPr marL="1371600" indent="0">
+              <a:defRPr sz="1100">
+                <a:solidFill>
+                  <a:schemeClr val="dk1"/>
+                </a:solidFill>
+                <a:latin typeface="+mn-lt"/>
+                <a:ea typeface="+mn-ea"/>
+                <a:cs typeface="+mn-cs"/>
+              </a:defRPr>
+            </a:lvl4pPr>
+            <a:lvl5pPr marL="1828800" indent="0">
+              <a:defRPr sz="1100">
+                <a:solidFill>
+                  <a:schemeClr val="dk1"/>
+                </a:solidFill>
+                <a:latin typeface="+mn-lt"/>
+                <a:ea typeface="+mn-ea"/>
+                <a:cs typeface="+mn-cs"/>
+              </a:defRPr>
+            </a:lvl5pPr>
+            <a:lvl6pPr marL="2286000" indent="0">
+              <a:defRPr sz="1100">
+                <a:solidFill>
+                  <a:schemeClr val="dk1"/>
+                </a:solidFill>
+                <a:latin typeface="+mn-lt"/>
+                <a:ea typeface="+mn-ea"/>
+                <a:cs typeface="+mn-cs"/>
+              </a:defRPr>
+            </a:lvl6pPr>
+            <a:lvl7pPr marL="2743200" indent="0">
+              <a:defRPr sz="1100">
+                <a:solidFill>
+                  <a:schemeClr val="dk1"/>
+                </a:solidFill>
+                <a:latin typeface="+mn-lt"/>
+                <a:ea typeface="+mn-ea"/>
+                <a:cs typeface="+mn-cs"/>
+              </a:defRPr>
+            </a:lvl7pPr>
+            <a:lvl8pPr marL="3200400" indent="0">
+              <a:defRPr sz="1100">
+                <a:solidFill>
+                  <a:schemeClr val="dk1"/>
+                </a:solidFill>
+                <a:latin typeface="+mn-lt"/>
+                <a:ea typeface="+mn-ea"/>
+                <a:cs typeface="+mn-cs"/>
+              </a:defRPr>
+            </a:lvl8pPr>
+            <a:lvl9pPr marL="3657600" indent="0">
+              <a:defRPr sz="1100">
+                <a:solidFill>
+                  <a:schemeClr val="dk1"/>
+                </a:solidFill>
+                <a:latin typeface="+mn-lt"/>
+                <a:ea typeface="+mn-ea"/>
+                <a:cs typeface="+mn-cs"/>
+              </a:defRPr>
+            </a:lvl9pPr>
+          </a:lstStyle>
+          <a:p>
+            <a:pPr algn="ctr"/>
+            <a:r>
+              <a:rPr lang="en-US" sz="1100"/>
+              <a:t>Grey</a:t>
+            </a:r>
+          </a:p>
+        </p:txBody>
+      </p:sp>
+      <p:sp>
+        <p:nvSpPr>
+          <p:cNvPr id="34" name="Rectangle 33">
+            <a:extLst>
+              <a:ext uri="{FF2B5EF4-FFF2-40B4-BE49-F238E27FC236}">
+                <a16:creationId xmlns:a16="http://schemas.microsoft.com/office/drawing/2014/main" id="{0566F310-E494-4854-A516-89E54E890166}"/>
+              </a:ext>
+            </a:extLst>
+          </p:cNvPr>
+          <p:cNvSpPr/>
+          <p:nvPr/>
+        </p:nvSpPr>
+        <p:spPr>
+          <a:xfrm>
+            <a:off x="7268773" y="1452516"/>
+            <a:ext cx="1982662" cy="365767"/>
+          </a:xfrm>
+          <a:prstGeom prst="rect">
+            <a:avLst/>
+          </a:prstGeom>
+          <a:solidFill>
+            <a:schemeClr val="accent3">
+              <a:lumMod val="20000"/>
+              <a:lumOff val="80000"/>
+            </a:schemeClr>
+          </a:solidFill>
+          <a:ln w="28575">
+            <a:solidFill>
+              <a:sysClr val="windowText" lastClr="000000"/>
+            </a:solidFill>
+            <a:prstDash val="dash"/>
+          </a:ln>
+        </p:spPr>
+        <p:style>
+          <a:lnRef idx="2">
+            <a:schemeClr val="accent1">
+              <a:shade val="50000"/>
+            </a:schemeClr>
+          </a:lnRef>
+          <a:fillRef idx="1">
+            <a:schemeClr val="accent1"/>
+          </a:fillRef>
+          <a:effectRef idx="0">
+            <a:schemeClr val="accent1"/>
+          </a:effectRef>
+          <a:fontRef idx="minor">
+            <a:schemeClr val="lt1"/>
+          </a:fontRef>
+        </p:style>
+        <p:txBody>
+          <a:bodyPr rtlCol="0" anchor="ctr"/>
+          <a:lstStyle>
+            <a:lvl1pPr marL="0" indent="0">
+              <a:defRPr sz="1100">
+                <a:solidFill>
+                  <a:schemeClr val="lt1"/>
+                </a:solidFill>
+                <a:latin typeface="+mn-lt"/>
+                <a:ea typeface="+mn-ea"/>
+                <a:cs typeface="+mn-cs"/>
+              </a:defRPr>
+            </a:lvl1pPr>
+            <a:lvl2pPr marL="457200" indent="0">
+              <a:defRPr sz="1100">
+                <a:solidFill>
+                  <a:schemeClr val="lt1"/>
+                </a:solidFill>
+                <a:latin typeface="+mn-lt"/>
+                <a:ea typeface="+mn-ea"/>
+                <a:cs typeface="+mn-cs"/>
+              </a:defRPr>
+            </a:lvl2pPr>
+            <a:lvl3pPr marL="914400" indent="0">
+              <a:defRPr sz="1100">
+                <a:solidFill>
+                  <a:schemeClr val="lt1"/>
+                </a:solidFill>
+                <a:latin typeface="+mn-lt"/>
+                <a:ea typeface="+mn-ea"/>
+                <a:cs typeface="+mn-cs"/>
+              </a:defRPr>
+            </a:lvl3pPr>
+            <a:lvl4pPr marL="1371600" indent="0">
+              <a:defRPr sz="1100">
+                <a:solidFill>
+                  <a:schemeClr val="lt1"/>
+                </a:solidFill>
+                <a:latin typeface="+mn-lt"/>
+                <a:ea typeface="+mn-ea"/>
+                <a:cs typeface="+mn-cs"/>
+              </a:defRPr>
+            </a:lvl4pPr>
+            <a:lvl5pPr marL="1828800" indent="0">
+              <a:defRPr sz="1100">
+                <a:solidFill>
+                  <a:schemeClr val="lt1"/>
+                </a:solidFill>
+                <a:latin typeface="+mn-lt"/>
+                <a:ea typeface="+mn-ea"/>
+                <a:cs typeface="+mn-cs"/>
+              </a:defRPr>
+            </a:lvl5pPr>
+            <a:lvl6pPr marL="2286000" indent="0">
+              <a:defRPr sz="1100">
+                <a:solidFill>
+                  <a:schemeClr val="lt1"/>
+                </a:solidFill>
+                <a:latin typeface="+mn-lt"/>
+                <a:ea typeface="+mn-ea"/>
+                <a:cs typeface="+mn-cs"/>
+              </a:defRPr>
+            </a:lvl6pPr>
+            <a:lvl7pPr marL="2743200" indent="0">
+              <a:defRPr sz="1100">
+                <a:solidFill>
+                  <a:schemeClr val="lt1"/>
+                </a:solidFill>
+                <a:latin typeface="+mn-lt"/>
+                <a:ea typeface="+mn-ea"/>
+                <a:cs typeface="+mn-cs"/>
+              </a:defRPr>
+            </a:lvl7pPr>
+            <a:lvl8pPr marL="3200400" indent="0">
+              <a:defRPr sz="1100">
+                <a:solidFill>
+                  <a:schemeClr val="lt1"/>
+                </a:solidFill>
+                <a:latin typeface="+mn-lt"/>
+                <a:ea typeface="+mn-ea"/>
+                <a:cs typeface="+mn-cs"/>
+              </a:defRPr>
+            </a:lvl8pPr>
+            <a:lvl9pPr marL="3657600" indent="0">
+              <a:defRPr sz="1100">
+                <a:solidFill>
+                  <a:schemeClr val="lt1"/>
+                </a:solidFill>
+                <a:latin typeface="+mn-lt"/>
+                <a:ea typeface="+mn-ea"/>
+                <a:cs typeface="+mn-cs"/>
+              </a:defRPr>
+            </a:lvl9pPr>
+          </a:lstStyle>
+          <a:p>
+            <a:pPr algn="ctr"/>
+            <a:r>
+              <a:rPr lang="en-US" sz="1100">
+                <a:solidFill>
+                  <a:sysClr val="windowText" lastClr="000000"/>
+                </a:solidFill>
+              </a:rPr>
+              <a:t>Waiting Area</a:t>
+            </a:r>
+          </a:p>
+        </p:txBody>
+      </p:sp>
+      <p:sp>
+        <p:nvSpPr>
+          <p:cNvPr id="35" name="TextBox 127">
+            <a:extLst>
+              <a:ext uri="{FF2B5EF4-FFF2-40B4-BE49-F238E27FC236}">
+                <a16:creationId xmlns:a16="http://schemas.microsoft.com/office/drawing/2014/main" id="{88591B51-C88E-478F-B1C1-E3EEFB729535}"/>
+              </a:ext>
+            </a:extLst>
+          </p:cNvPr>
+          <p:cNvSpPr txBox="1"/>
+          <p:nvPr/>
+        </p:nvSpPr>
+        <p:spPr>
+          <a:xfrm>
+            <a:off x="7120278" y="867286"/>
+            <a:ext cx="1035996" cy="307245"/>
+          </a:xfrm>
+          <a:prstGeom prst="rect">
+            <a:avLst/>
+          </a:prstGeom>
+          <a:solidFill>
+            <a:schemeClr val="accent5">
+              <a:lumMod val="60000"/>
+              <a:lumOff val="40000"/>
+            </a:schemeClr>
+          </a:solidFill>
+          <a:ln w="9525" cmpd="sng">
+            <a:solidFill>
+              <a:schemeClr val="lt1">
+                <a:shade val="50000"/>
+              </a:schemeClr>
+            </a:solidFill>
+          </a:ln>
+        </p:spPr>
+        <p:style>
+          <a:lnRef idx="0">
+            <a:scrgbClr r="0" g="0" b="0"/>
+          </a:lnRef>
+          <a:fillRef idx="0">
+            <a:scrgbClr r="0" g="0" b="0"/>
+          </a:fillRef>
+          <a:effectRef idx="0">
+            <a:scrgbClr r="0" g="0" b="0"/>
+          </a:effectRef>
+          <a:fontRef idx="minor">
+            <a:schemeClr val="dk1"/>
+          </a:fontRef>
+        </p:style>
+        <p:txBody>
+          <a:bodyPr wrap="square" rtlCol="0" anchor="ctr"/>
+          <a:lstStyle>
+            <a:lvl1pPr marL="0" indent="0">
+              <a:defRPr sz="1100">
+                <a:solidFill>
+                  <a:schemeClr val="dk1"/>
+                </a:solidFill>
+                <a:latin typeface="+mn-lt"/>
+                <a:ea typeface="+mn-ea"/>
+                <a:cs typeface="+mn-cs"/>
+              </a:defRPr>
+            </a:lvl1pPr>
+            <a:lvl2pPr marL="457200" indent="0">
+              <a:defRPr sz="1100">
+                <a:solidFill>
+                  <a:schemeClr val="dk1"/>
+                </a:solidFill>
+                <a:latin typeface="+mn-lt"/>
+                <a:ea typeface="+mn-ea"/>
+                <a:cs typeface="+mn-cs"/>
+              </a:defRPr>
+            </a:lvl2pPr>
+            <a:lvl3pPr marL="914400" indent="0">
+              <a:defRPr sz="1100">
+                <a:solidFill>
+                  <a:schemeClr val="dk1"/>
+                </a:solidFill>
+                <a:latin typeface="+mn-lt"/>
+                <a:ea typeface="+mn-ea"/>
+                <a:cs typeface="+mn-cs"/>
+              </a:defRPr>
+            </a:lvl3pPr>
+            <a:lvl4pPr marL="1371600" indent="0">
+              <a:defRPr sz="1100">
+                <a:solidFill>
+                  <a:schemeClr val="dk1"/>
+                </a:solidFill>
+                <a:latin typeface="+mn-lt"/>
+                <a:ea typeface="+mn-ea"/>
+                <a:cs typeface="+mn-cs"/>
+              </a:defRPr>
+            </a:lvl4pPr>
+            <a:lvl5pPr marL="1828800" indent="0">
+              <a:defRPr sz="1100">
+                <a:solidFill>
+                  <a:schemeClr val="dk1"/>
+                </a:solidFill>
+                <a:latin typeface="+mn-lt"/>
+                <a:ea typeface="+mn-ea"/>
+                <a:cs typeface="+mn-cs"/>
+              </a:defRPr>
+            </a:lvl5pPr>
+            <a:lvl6pPr marL="2286000" indent="0">
+              <a:defRPr sz="1100">
+                <a:solidFill>
+                  <a:schemeClr val="dk1"/>
+                </a:solidFill>
+                <a:latin typeface="+mn-lt"/>
+                <a:ea typeface="+mn-ea"/>
+                <a:cs typeface="+mn-cs"/>
+              </a:defRPr>
+            </a:lvl6pPr>
+            <a:lvl7pPr marL="2743200" indent="0">
+              <a:defRPr sz="1100">
+                <a:solidFill>
+                  <a:schemeClr val="dk1"/>
+                </a:solidFill>
+                <a:latin typeface="+mn-lt"/>
+                <a:ea typeface="+mn-ea"/>
+                <a:cs typeface="+mn-cs"/>
+              </a:defRPr>
+            </a:lvl7pPr>
+            <a:lvl8pPr marL="3200400" indent="0">
+              <a:defRPr sz="1100">
+                <a:solidFill>
+                  <a:schemeClr val="dk1"/>
+                </a:solidFill>
+                <a:latin typeface="+mn-lt"/>
+                <a:ea typeface="+mn-ea"/>
+                <a:cs typeface="+mn-cs"/>
+              </a:defRPr>
+            </a:lvl8pPr>
+            <a:lvl9pPr marL="3657600" indent="0">
+              <a:defRPr sz="1100">
+                <a:solidFill>
+                  <a:schemeClr val="dk1"/>
+                </a:solidFill>
+                <a:latin typeface="+mn-lt"/>
+                <a:ea typeface="+mn-ea"/>
+                <a:cs typeface="+mn-cs"/>
+              </a:defRPr>
+            </a:lvl9pPr>
+          </a:lstStyle>
+          <a:p>
+            <a:pPr algn="ctr"/>
+            <a:r>
+              <a:rPr lang="en-US" sz="1100"/>
+              <a:t>Part</a:t>
+            </a:r>
+            <a:r>
+              <a:rPr lang="en-US" sz="1100" baseline="0"/>
+              <a:t> Incoming</a:t>
+            </a:r>
+            <a:endParaRPr lang="en-US" sz="1100"/>
+          </a:p>
+        </p:txBody>
+      </p:sp>
+      <p:cxnSp>
+        <p:nvCxnSpPr>
+          <p:cNvPr id="36" name="Straight Arrow Connector 63">
+            <a:extLst>
+              <a:ext uri="{FF2B5EF4-FFF2-40B4-BE49-F238E27FC236}">
+                <a16:creationId xmlns:a16="http://schemas.microsoft.com/office/drawing/2014/main" id="{6ADDA39B-F6C1-4056-A91C-AA944CC3B6A7}"/>
+              </a:ext>
+            </a:extLst>
+          </p:cNvPr>
+          <p:cNvCxnSpPr>
+            <a:stCxn id="35" idx="2"/>
+            <a:endCxn id="34" idx="0"/>
+          </p:cNvCxnSpPr>
+          <p:nvPr/>
+        </p:nvCxnSpPr>
+        <p:spPr>
+          <a:xfrm rot="16200000" flipH="1">
+            <a:off x="7810198" y="1002609"/>
+            <a:ext cx="277985" cy="621829"/>
+          </a:xfrm>
+          <a:prstGeom prst="bentConnector3">
+            <a:avLst>
+              <a:gd name="adj1" fmla="val 50000"/>
+            </a:avLst>
+          </a:prstGeom>
+          <a:ln w="19050">
+            <a:solidFill>
+              <a:srgbClr val="0000FF"/>
+            </a:solidFill>
+            <a:tailEnd type="arrow"/>
+          </a:ln>
+        </p:spPr>
+        <p:style>
+          <a:lnRef idx="1">
+            <a:schemeClr val="accent1"/>
+          </a:lnRef>
+          <a:fillRef idx="0">
+            <a:schemeClr val="accent1"/>
+          </a:fillRef>
+          <a:effectRef idx="0">
+            <a:schemeClr val="accent1"/>
+          </a:effectRef>
+          <a:fontRef idx="minor">
+            <a:schemeClr val="tx1"/>
+          </a:fontRef>
+        </p:style>
+      </p:cxnSp>
+      <p:sp>
+        <p:nvSpPr>
+          <p:cNvPr id="37" name="TextBox 138">
+            <a:extLst>
+              <a:ext uri="{FF2B5EF4-FFF2-40B4-BE49-F238E27FC236}">
+                <a16:creationId xmlns:a16="http://schemas.microsoft.com/office/drawing/2014/main" id="{039A7065-B9A4-4FD4-81FF-220538BC06FC}"/>
+              </a:ext>
+            </a:extLst>
+          </p:cNvPr>
+          <p:cNvSpPr txBox="1"/>
+          <p:nvPr/>
+        </p:nvSpPr>
+        <p:spPr>
+          <a:xfrm>
+            <a:off x="7810341" y="1173931"/>
+            <a:ext cx="841598" cy="131975"/>
+          </a:xfrm>
+          <a:prstGeom prst="rect">
+            <a:avLst/>
+          </a:prstGeom>
+          <a:noFill/>
+          <a:ln w="9525" cmpd="sng">
+            <a:noFill/>
+          </a:ln>
+        </p:spPr>
+        <p:style>
+          <a:lnRef idx="0">
+            <a:scrgbClr r="0" g="0" b="0"/>
+          </a:lnRef>
+          <a:fillRef idx="0">
+            <a:scrgbClr r="0" g="0" b="0"/>
+          </a:fillRef>
+          <a:effectRef idx="0">
+            <a:scrgbClr r="0" g="0" b="0"/>
+          </a:effectRef>
+          <a:fontRef idx="minor">
+            <a:schemeClr val="dk1"/>
+          </a:fontRef>
+        </p:style>
+        <p:txBody>
+          <a:bodyPr wrap="square" lIns="0" tIns="0" rIns="0" bIns="0" rtlCol="0" anchor="ctr" anchorCtr="0">
+            <a:spAutoFit/>
+          </a:bodyPr>
+          <a:lstStyle>
+            <a:lvl1pPr marL="0" indent="0">
+              <a:defRPr sz="1100">
+                <a:solidFill>
+                  <a:schemeClr val="dk1"/>
+                </a:solidFill>
+                <a:latin typeface="+mn-lt"/>
+                <a:ea typeface="+mn-ea"/>
+                <a:cs typeface="+mn-cs"/>
+              </a:defRPr>
+            </a:lvl1pPr>
+            <a:lvl2pPr marL="457200" indent="0">
+              <a:defRPr sz="1100">
+                <a:solidFill>
+                  <a:schemeClr val="dk1"/>
+                </a:solidFill>
+                <a:latin typeface="+mn-lt"/>
+                <a:ea typeface="+mn-ea"/>
+                <a:cs typeface="+mn-cs"/>
+              </a:defRPr>
+            </a:lvl2pPr>
+            <a:lvl3pPr marL="914400" indent="0">
+              <a:defRPr sz="1100">
+                <a:solidFill>
+                  <a:schemeClr val="dk1"/>
+                </a:solidFill>
+                <a:latin typeface="+mn-lt"/>
+                <a:ea typeface="+mn-ea"/>
+                <a:cs typeface="+mn-cs"/>
+              </a:defRPr>
+            </a:lvl3pPr>
+            <a:lvl4pPr marL="1371600" indent="0">
+              <a:defRPr sz="1100">
+                <a:solidFill>
+                  <a:schemeClr val="dk1"/>
+                </a:solidFill>
+                <a:latin typeface="+mn-lt"/>
+                <a:ea typeface="+mn-ea"/>
+                <a:cs typeface="+mn-cs"/>
+              </a:defRPr>
+            </a:lvl4pPr>
+            <a:lvl5pPr marL="1828800" indent="0">
+              <a:defRPr sz="1100">
+                <a:solidFill>
+                  <a:schemeClr val="dk1"/>
+                </a:solidFill>
+                <a:latin typeface="+mn-lt"/>
+                <a:ea typeface="+mn-ea"/>
+                <a:cs typeface="+mn-cs"/>
+              </a:defRPr>
+            </a:lvl5pPr>
+            <a:lvl6pPr marL="2286000" indent="0">
+              <a:defRPr sz="1100">
+                <a:solidFill>
+                  <a:schemeClr val="dk1"/>
+                </a:solidFill>
+                <a:latin typeface="+mn-lt"/>
+                <a:ea typeface="+mn-ea"/>
+                <a:cs typeface="+mn-cs"/>
+              </a:defRPr>
+            </a:lvl6pPr>
+            <a:lvl7pPr marL="2743200" indent="0">
+              <a:defRPr sz="1100">
+                <a:solidFill>
+                  <a:schemeClr val="dk1"/>
+                </a:solidFill>
+                <a:latin typeface="+mn-lt"/>
+                <a:ea typeface="+mn-ea"/>
+                <a:cs typeface="+mn-cs"/>
+              </a:defRPr>
+            </a:lvl7pPr>
+            <a:lvl8pPr marL="3200400" indent="0">
+              <a:defRPr sz="1100">
+                <a:solidFill>
+                  <a:schemeClr val="dk1"/>
+                </a:solidFill>
+                <a:latin typeface="+mn-lt"/>
+                <a:ea typeface="+mn-ea"/>
+                <a:cs typeface="+mn-cs"/>
+              </a:defRPr>
+            </a:lvl8pPr>
+            <a:lvl9pPr marL="3657600" indent="0">
+              <a:defRPr sz="1100">
+                <a:solidFill>
+                  <a:schemeClr val="dk1"/>
+                </a:solidFill>
+                <a:latin typeface="+mn-lt"/>
+                <a:ea typeface="+mn-ea"/>
+                <a:cs typeface="+mn-cs"/>
+              </a:defRPr>
+            </a:lvl9pPr>
+          </a:lstStyle>
+          <a:p>
+            <a:pPr marL="0" indent="0" algn="ctr"/>
+            <a:r>
+              <a:rPr lang="en-US" sz="1100" dirty="0">
+                <a:solidFill>
+                  <a:schemeClr val="dk1"/>
+                </a:solidFill>
+                <a:latin typeface="+mn-lt"/>
+                <a:ea typeface="+mn-ea"/>
+                <a:cs typeface="+mn-cs"/>
+              </a:rPr>
+              <a:t>inspection</a:t>
+            </a:r>
+          </a:p>
+        </p:txBody>
+      </p:sp>
+      <p:cxnSp>
+        <p:nvCxnSpPr>
+          <p:cNvPr id="39" name="Straight Arrow Connector 63">
+            <a:extLst>
+              <a:ext uri="{FF2B5EF4-FFF2-40B4-BE49-F238E27FC236}">
+                <a16:creationId xmlns:a16="http://schemas.microsoft.com/office/drawing/2014/main" id="{A0D23FC8-865F-4686-8FDA-F57F1080A6D1}"/>
+              </a:ext>
+            </a:extLst>
+          </p:cNvPr>
+          <p:cNvCxnSpPr>
+            <a:stCxn id="34" idx="2"/>
+            <a:endCxn id="8" idx="0"/>
+          </p:cNvCxnSpPr>
+          <p:nvPr/>
+        </p:nvCxnSpPr>
+        <p:spPr>
+          <a:xfrm rot="16200000" flipH="1">
+            <a:off x="8165005" y="1913382"/>
+            <a:ext cx="190199" cy="1"/>
+          </a:xfrm>
+          <a:prstGeom prst="bentConnector3">
+            <a:avLst>
+              <a:gd name="adj1" fmla="val 50000"/>
+            </a:avLst>
+          </a:prstGeom>
+          <a:ln w="19050">
+            <a:solidFill>
+              <a:srgbClr val="0000FF"/>
+            </a:solidFill>
+            <a:tailEnd type="arrow"/>
+          </a:ln>
+        </p:spPr>
+        <p:style>
+          <a:lnRef idx="1">
+            <a:schemeClr val="accent1"/>
+          </a:lnRef>
+          <a:fillRef idx="0">
+            <a:schemeClr val="accent1"/>
+          </a:fillRef>
+          <a:effectRef idx="0">
+            <a:schemeClr val="accent1"/>
+          </a:effectRef>
+          <a:fontRef idx="minor">
+            <a:schemeClr val="tx1"/>
+          </a:fontRef>
+        </p:style>
+      </p:cxnSp>
+      <p:sp>
+        <p:nvSpPr>
+          <p:cNvPr id="40" name="Flowchart: Decision 39">
+            <a:extLst>
+              <a:ext uri="{FF2B5EF4-FFF2-40B4-BE49-F238E27FC236}">
+                <a16:creationId xmlns:a16="http://schemas.microsoft.com/office/drawing/2014/main" id="{4923DDFA-F23F-4056-B714-0B37B94E9FC5}"/>
+              </a:ext>
+            </a:extLst>
+          </p:cNvPr>
+          <p:cNvSpPr/>
+          <p:nvPr/>
+        </p:nvSpPr>
+        <p:spPr>
+          <a:xfrm>
+            <a:off x="5934928" y="5323295"/>
+            <a:ext cx="1035997" cy="512075"/>
+          </a:xfrm>
+          <a:prstGeom prst="flowChartDecision">
+            <a:avLst/>
+          </a:prstGeom>
+          <a:noFill/>
+          <a:ln w="28575"/>
+        </p:spPr>
+        <p:style>
+          <a:lnRef idx="2">
+            <a:schemeClr val="accent1">
+              <a:shade val="50000"/>
+            </a:schemeClr>
+          </a:lnRef>
+          <a:fillRef idx="1">
+            <a:schemeClr val="accent1"/>
+          </a:fillRef>
+          <a:effectRef idx="0">
+            <a:schemeClr val="accent1"/>
+          </a:effectRef>
+          <a:fontRef idx="minor">
+            <a:schemeClr val="lt1"/>
+          </a:fontRef>
+        </p:style>
+        <p:txBody>
+          <a:bodyPr lIns="0" tIns="0" rIns="0" bIns="0" rtlCol="0" anchor="ctr" anchorCtr="0"/>
+          <a:lstStyle>
+            <a:lvl1pPr marL="0" indent="0">
+              <a:defRPr sz="1100">
+                <a:solidFill>
+                  <a:schemeClr val="lt1"/>
+                </a:solidFill>
+                <a:latin typeface="+mn-lt"/>
+                <a:ea typeface="+mn-ea"/>
+                <a:cs typeface="+mn-cs"/>
+              </a:defRPr>
+            </a:lvl1pPr>
+            <a:lvl2pPr marL="457200" indent="0">
+              <a:defRPr sz="1100">
+                <a:solidFill>
+                  <a:schemeClr val="lt1"/>
+                </a:solidFill>
+                <a:latin typeface="+mn-lt"/>
+                <a:ea typeface="+mn-ea"/>
+                <a:cs typeface="+mn-cs"/>
+              </a:defRPr>
+            </a:lvl2pPr>
+            <a:lvl3pPr marL="914400" indent="0">
+              <a:defRPr sz="1100">
+                <a:solidFill>
+                  <a:schemeClr val="lt1"/>
+                </a:solidFill>
+                <a:latin typeface="+mn-lt"/>
+                <a:ea typeface="+mn-ea"/>
+                <a:cs typeface="+mn-cs"/>
+              </a:defRPr>
+            </a:lvl3pPr>
+            <a:lvl4pPr marL="1371600" indent="0">
+              <a:defRPr sz="1100">
+                <a:solidFill>
+                  <a:schemeClr val="lt1"/>
+                </a:solidFill>
+                <a:latin typeface="+mn-lt"/>
+                <a:ea typeface="+mn-ea"/>
+                <a:cs typeface="+mn-cs"/>
+              </a:defRPr>
+            </a:lvl4pPr>
+            <a:lvl5pPr marL="1828800" indent="0">
+              <a:defRPr sz="1100">
+                <a:solidFill>
+                  <a:schemeClr val="lt1"/>
+                </a:solidFill>
+                <a:latin typeface="+mn-lt"/>
+                <a:ea typeface="+mn-ea"/>
+                <a:cs typeface="+mn-cs"/>
+              </a:defRPr>
+            </a:lvl5pPr>
+            <a:lvl6pPr marL="2286000" indent="0">
+              <a:defRPr sz="1100">
+                <a:solidFill>
+                  <a:schemeClr val="lt1"/>
+                </a:solidFill>
+                <a:latin typeface="+mn-lt"/>
+                <a:ea typeface="+mn-ea"/>
+                <a:cs typeface="+mn-cs"/>
+              </a:defRPr>
+            </a:lvl6pPr>
+            <a:lvl7pPr marL="2743200" indent="0">
+              <a:defRPr sz="1100">
+                <a:solidFill>
+                  <a:schemeClr val="lt1"/>
+                </a:solidFill>
+                <a:latin typeface="+mn-lt"/>
+                <a:ea typeface="+mn-ea"/>
+                <a:cs typeface="+mn-cs"/>
+              </a:defRPr>
+            </a:lvl7pPr>
+            <a:lvl8pPr marL="3200400" indent="0">
+              <a:defRPr sz="1100">
+                <a:solidFill>
+                  <a:schemeClr val="lt1"/>
+                </a:solidFill>
+                <a:latin typeface="+mn-lt"/>
+                <a:ea typeface="+mn-ea"/>
+                <a:cs typeface="+mn-cs"/>
+              </a:defRPr>
+            </a:lvl8pPr>
+            <a:lvl9pPr marL="3657600" indent="0">
+              <a:defRPr sz="1100">
+                <a:solidFill>
+                  <a:schemeClr val="lt1"/>
+                </a:solidFill>
+                <a:latin typeface="+mn-lt"/>
+                <a:ea typeface="+mn-ea"/>
+                <a:cs typeface="+mn-cs"/>
+              </a:defRPr>
+            </a:lvl9pPr>
+          </a:lstStyle>
+          <a:p>
+            <a:pPr algn="ctr"/>
+            <a:r>
+              <a:rPr lang="en-US" sz="1100">
+                <a:solidFill>
+                  <a:sysClr val="windowText" lastClr="000000"/>
+                </a:solidFill>
+              </a:rPr>
+              <a:t>SPL</a:t>
+            </a:r>
+          </a:p>
+        </p:txBody>
+      </p:sp>
+      <p:cxnSp>
+        <p:nvCxnSpPr>
+          <p:cNvPr id="41" name="Straight Arrow Connector 63">
+            <a:extLst>
+              <a:ext uri="{FF2B5EF4-FFF2-40B4-BE49-F238E27FC236}">
+                <a16:creationId xmlns:a16="http://schemas.microsoft.com/office/drawing/2014/main" id="{4DB69AF3-5FE9-4C7A-9178-BD3B1955337C}"/>
+              </a:ext>
+            </a:extLst>
+          </p:cNvPr>
+          <p:cNvCxnSpPr>
+            <a:stCxn id="43" idx="2"/>
+            <a:endCxn id="40" idx="0"/>
+          </p:cNvCxnSpPr>
+          <p:nvPr/>
+        </p:nvCxnSpPr>
+        <p:spPr>
+          <a:xfrm rot="16200000" flipH="1">
+            <a:off x="5433789" y="4304159"/>
+            <a:ext cx="1624964" cy="413309"/>
+          </a:xfrm>
+          <a:prstGeom prst="bentConnector3">
+            <a:avLst>
+              <a:gd name="adj1" fmla="val 63701"/>
+            </a:avLst>
+          </a:prstGeom>
+          <a:ln w="28575">
+            <a:solidFill>
+              <a:schemeClr val="accent2">
+                <a:lumMod val="50000"/>
+              </a:schemeClr>
+            </a:solidFill>
+            <a:tailEnd type="arrow"/>
+          </a:ln>
+        </p:spPr>
+        <p:style>
+          <a:lnRef idx="1">
+            <a:schemeClr val="accent1"/>
+          </a:lnRef>
+          <a:fillRef idx="0">
+            <a:schemeClr val="accent1"/>
+          </a:fillRef>
+          <a:effectRef idx="0">
+            <a:schemeClr val="accent1"/>
+          </a:effectRef>
+          <a:fontRef idx="minor">
+            <a:schemeClr val="tx1"/>
+          </a:fontRef>
+        </p:style>
+      </p:cxnSp>
+      <p:sp>
+        <p:nvSpPr>
+          <p:cNvPr id="43" name="TextBox 158">
+            <a:extLst>
+              <a:ext uri="{FF2B5EF4-FFF2-40B4-BE49-F238E27FC236}">
+                <a16:creationId xmlns:a16="http://schemas.microsoft.com/office/drawing/2014/main" id="{AA8F1E39-5BF1-4975-89AE-D5CBCC1099BA}"/>
+              </a:ext>
+            </a:extLst>
+          </p:cNvPr>
+          <p:cNvSpPr txBox="1"/>
+          <p:nvPr/>
+        </p:nvSpPr>
+        <p:spPr>
+          <a:xfrm>
+            <a:off x="5905623" y="3552024"/>
+            <a:ext cx="267989" cy="146307"/>
+          </a:xfrm>
+          <a:prstGeom prst="rect">
+            <a:avLst/>
+          </a:prstGeom>
+          <a:noFill/>
+          <a:ln w="9525" cmpd="sng">
+            <a:noFill/>
+          </a:ln>
+        </p:spPr>
+        <p:style>
+          <a:lnRef idx="0">
+            <a:scrgbClr r="0" g="0" b="0"/>
+          </a:lnRef>
+          <a:fillRef idx="0">
+            <a:scrgbClr r="0" g="0" b="0"/>
+          </a:fillRef>
+          <a:effectRef idx="0">
+            <a:scrgbClr r="0" g="0" b="0"/>
+          </a:effectRef>
+          <a:fontRef idx="minor">
+            <a:schemeClr val="dk1"/>
+          </a:fontRef>
+        </p:style>
+        <p:txBody>
+          <a:bodyPr wrap="square" lIns="0" tIns="0" rIns="0" bIns="0" rtlCol="0" anchor="ctr" anchorCtr="0">
+            <a:spAutoFit/>
+          </a:bodyPr>
+          <a:lstStyle>
+            <a:lvl1pPr marL="0" indent="0">
+              <a:defRPr sz="1100">
+                <a:solidFill>
+                  <a:schemeClr val="dk1"/>
+                </a:solidFill>
+                <a:latin typeface="+mn-lt"/>
+                <a:ea typeface="+mn-ea"/>
+                <a:cs typeface="+mn-cs"/>
+              </a:defRPr>
+            </a:lvl1pPr>
+            <a:lvl2pPr marL="457200" indent="0">
+              <a:defRPr sz="1100">
+                <a:solidFill>
+                  <a:schemeClr val="dk1"/>
+                </a:solidFill>
+                <a:latin typeface="+mn-lt"/>
+                <a:ea typeface="+mn-ea"/>
+                <a:cs typeface="+mn-cs"/>
+              </a:defRPr>
+            </a:lvl2pPr>
+            <a:lvl3pPr marL="914400" indent="0">
+              <a:defRPr sz="1100">
+                <a:solidFill>
+                  <a:schemeClr val="dk1"/>
+                </a:solidFill>
+                <a:latin typeface="+mn-lt"/>
+                <a:ea typeface="+mn-ea"/>
+                <a:cs typeface="+mn-cs"/>
+              </a:defRPr>
+            </a:lvl3pPr>
+            <a:lvl4pPr marL="1371600" indent="0">
+              <a:defRPr sz="1100">
+                <a:solidFill>
+                  <a:schemeClr val="dk1"/>
+                </a:solidFill>
+                <a:latin typeface="+mn-lt"/>
+                <a:ea typeface="+mn-ea"/>
+                <a:cs typeface="+mn-cs"/>
+              </a:defRPr>
+            </a:lvl4pPr>
+            <a:lvl5pPr marL="1828800" indent="0">
+              <a:defRPr sz="1100">
+                <a:solidFill>
+                  <a:schemeClr val="dk1"/>
+                </a:solidFill>
+                <a:latin typeface="+mn-lt"/>
+                <a:ea typeface="+mn-ea"/>
+                <a:cs typeface="+mn-cs"/>
+              </a:defRPr>
+            </a:lvl5pPr>
+            <a:lvl6pPr marL="2286000" indent="0">
+              <a:defRPr sz="1100">
+                <a:solidFill>
+                  <a:schemeClr val="dk1"/>
+                </a:solidFill>
+                <a:latin typeface="+mn-lt"/>
+                <a:ea typeface="+mn-ea"/>
+                <a:cs typeface="+mn-cs"/>
+              </a:defRPr>
+            </a:lvl6pPr>
+            <a:lvl7pPr marL="2743200" indent="0">
+              <a:defRPr sz="1100">
+                <a:solidFill>
+                  <a:schemeClr val="dk1"/>
+                </a:solidFill>
+                <a:latin typeface="+mn-lt"/>
+                <a:ea typeface="+mn-ea"/>
+                <a:cs typeface="+mn-cs"/>
+              </a:defRPr>
+            </a:lvl7pPr>
+            <a:lvl8pPr marL="3200400" indent="0">
+              <a:defRPr sz="1100">
+                <a:solidFill>
+                  <a:schemeClr val="dk1"/>
+                </a:solidFill>
+                <a:latin typeface="+mn-lt"/>
+                <a:ea typeface="+mn-ea"/>
+                <a:cs typeface="+mn-cs"/>
+              </a:defRPr>
+            </a:lvl8pPr>
+            <a:lvl9pPr marL="3657600" indent="0">
+              <a:defRPr sz="1100">
+                <a:solidFill>
+                  <a:schemeClr val="dk1"/>
+                </a:solidFill>
+                <a:latin typeface="+mn-lt"/>
+                <a:ea typeface="+mn-ea"/>
+                <a:cs typeface="+mn-cs"/>
+              </a:defRPr>
+            </a:lvl9pPr>
+          </a:lstStyle>
+          <a:p>
+            <a:pPr algn="ctr"/>
+            <a:endParaRPr lang="en-US" sz="1100"/>
+          </a:p>
+        </p:txBody>
+      </p:sp>
+      <p:sp>
+        <p:nvSpPr>
+          <p:cNvPr id="44" name="TextBox 162">
+            <a:extLst>
+              <a:ext uri="{FF2B5EF4-FFF2-40B4-BE49-F238E27FC236}">
+                <a16:creationId xmlns:a16="http://schemas.microsoft.com/office/drawing/2014/main" id="{3C852DCB-6B99-42C8-AEDA-DD30DF939861}"/>
+              </a:ext>
+            </a:extLst>
+          </p:cNvPr>
+          <p:cNvSpPr txBox="1"/>
+          <p:nvPr/>
+        </p:nvSpPr>
+        <p:spPr>
+          <a:xfrm>
+            <a:off x="5597028" y="3752748"/>
+            <a:ext cx="414166" cy="132273"/>
+          </a:xfrm>
+          <a:prstGeom prst="rect">
+            <a:avLst/>
+          </a:prstGeom>
+          <a:noFill/>
+          <a:ln w="9525" cmpd="sng">
+            <a:noFill/>
+          </a:ln>
+        </p:spPr>
+        <p:style>
+          <a:lnRef idx="0">
+            <a:scrgbClr r="0" g="0" b="0"/>
+          </a:lnRef>
+          <a:fillRef idx="0">
+            <a:scrgbClr r="0" g="0" b="0"/>
+          </a:fillRef>
+          <a:effectRef idx="0">
+            <a:scrgbClr r="0" g="0" b="0"/>
+          </a:effectRef>
+          <a:fontRef idx="minor">
+            <a:schemeClr val="dk1"/>
+          </a:fontRef>
+        </p:style>
+        <p:txBody>
+          <a:bodyPr wrap="square" lIns="0" tIns="0" rIns="0" bIns="0" rtlCol="0" anchor="ctr" anchorCtr="0">
+            <a:spAutoFit/>
+          </a:bodyPr>
+          <a:lstStyle>
+            <a:lvl1pPr marL="0" indent="0">
+              <a:defRPr sz="1100">
+                <a:solidFill>
+                  <a:schemeClr val="dk1"/>
+                </a:solidFill>
+                <a:latin typeface="+mn-lt"/>
+                <a:ea typeface="+mn-ea"/>
+                <a:cs typeface="+mn-cs"/>
+              </a:defRPr>
+            </a:lvl1pPr>
+            <a:lvl2pPr marL="457200" indent="0">
+              <a:defRPr sz="1100">
+                <a:solidFill>
+                  <a:schemeClr val="dk1"/>
+                </a:solidFill>
+                <a:latin typeface="+mn-lt"/>
+                <a:ea typeface="+mn-ea"/>
+                <a:cs typeface="+mn-cs"/>
+              </a:defRPr>
+            </a:lvl2pPr>
+            <a:lvl3pPr marL="914400" indent="0">
+              <a:defRPr sz="1100">
+                <a:solidFill>
+                  <a:schemeClr val="dk1"/>
+                </a:solidFill>
+                <a:latin typeface="+mn-lt"/>
+                <a:ea typeface="+mn-ea"/>
+                <a:cs typeface="+mn-cs"/>
+              </a:defRPr>
+            </a:lvl3pPr>
+            <a:lvl4pPr marL="1371600" indent="0">
+              <a:defRPr sz="1100">
+                <a:solidFill>
+                  <a:schemeClr val="dk1"/>
+                </a:solidFill>
+                <a:latin typeface="+mn-lt"/>
+                <a:ea typeface="+mn-ea"/>
+                <a:cs typeface="+mn-cs"/>
+              </a:defRPr>
+            </a:lvl4pPr>
+            <a:lvl5pPr marL="1828800" indent="0">
+              <a:defRPr sz="1100">
+                <a:solidFill>
+                  <a:schemeClr val="dk1"/>
+                </a:solidFill>
+                <a:latin typeface="+mn-lt"/>
+                <a:ea typeface="+mn-ea"/>
+                <a:cs typeface="+mn-cs"/>
+              </a:defRPr>
+            </a:lvl5pPr>
+            <a:lvl6pPr marL="2286000" indent="0">
+              <a:defRPr sz="1100">
+                <a:solidFill>
+                  <a:schemeClr val="dk1"/>
+                </a:solidFill>
+                <a:latin typeface="+mn-lt"/>
+                <a:ea typeface="+mn-ea"/>
+                <a:cs typeface="+mn-cs"/>
+              </a:defRPr>
+            </a:lvl6pPr>
+            <a:lvl7pPr marL="2743200" indent="0">
+              <a:defRPr sz="1100">
+                <a:solidFill>
+                  <a:schemeClr val="dk1"/>
+                </a:solidFill>
+                <a:latin typeface="+mn-lt"/>
+                <a:ea typeface="+mn-ea"/>
+                <a:cs typeface="+mn-cs"/>
+              </a:defRPr>
+            </a:lvl7pPr>
+            <a:lvl8pPr marL="3200400" indent="0">
+              <a:defRPr sz="1100">
+                <a:solidFill>
+                  <a:schemeClr val="dk1"/>
+                </a:solidFill>
+                <a:latin typeface="+mn-lt"/>
+                <a:ea typeface="+mn-ea"/>
+                <a:cs typeface="+mn-cs"/>
+              </a:defRPr>
+            </a:lvl8pPr>
+            <a:lvl9pPr marL="3657600" indent="0">
+              <a:defRPr sz="1100">
+                <a:solidFill>
+                  <a:schemeClr val="dk1"/>
+                </a:solidFill>
+                <a:latin typeface="+mn-lt"/>
+                <a:ea typeface="+mn-ea"/>
+                <a:cs typeface="+mn-cs"/>
+              </a:defRPr>
+            </a:lvl9pPr>
+          </a:lstStyle>
+          <a:p>
+            <a:pPr marL="0" indent="0" algn="ctr"/>
+            <a:r>
+              <a:rPr lang="en-US" sz="1100">
+                <a:solidFill>
+                  <a:schemeClr val="dk1"/>
+                </a:solidFill>
+                <a:latin typeface="+mn-lt"/>
+                <a:ea typeface="+mn-ea"/>
+                <a:cs typeface="+mn-cs"/>
+              </a:rPr>
+              <a:t>1 Year</a:t>
+            </a:r>
+          </a:p>
+        </p:txBody>
+      </p:sp>
+      <p:cxnSp>
+        <p:nvCxnSpPr>
+          <p:cNvPr id="45" name="Straight Arrow Connector 63">
+            <a:extLst>
+              <a:ext uri="{FF2B5EF4-FFF2-40B4-BE49-F238E27FC236}">
+                <a16:creationId xmlns:a16="http://schemas.microsoft.com/office/drawing/2014/main" id="{2868A577-0305-424E-9ADF-0C3539898523}"/>
+              </a:ext>
+            </a:extLst>
+          </p:cNvPr>
+          <p:cNvCxnSpPr>
+            <a:stCxn id="40" idx="1"/>
+            <a:endCxn id="7" idx="1"/>
+          </p:cNvCxnSpPr>
+          <p:nvPr/>
+        </p:nvCxnSpPr>
+        <p:spPr>
+          <a:xfrm rot="10800000">
+            <a:off x="5702599" y="3354511"/>
+            <a:ext cx="232329" cy="2224823"/>
+          </a:xfrm>
+          <a:prstGeom prst="bentConnector3">
+            <a:avLst>
+              <a:gd name="adj1" fmla="val 183891"/>
+            </a:avLst>
+          </a:prstGeom>
+          <a:ln w="19050">
+            <a:solidFill>
+              <a:srgbClr val="0000FF"/>
+            </a:solidFill>
+            <a:tailEnd type="arrow"/>
+          </a:ln>
+        </p:spPr>
+        <p:style>
+          <a:lnRef idx="1">
+            <a:schemeClr val="accent1"/>
+          </a:lnRef>
+          <a:fillRef idx="0">
+            <a:schemeClr val="accent1"/>
+          </a:fillRef>
+          <a:effectRef idx="0">
+            <a:schemeClr val="accent1"/>
+          </a:effectRef>
+          <a:fontRef idx="minor">
+            <a:schemeClr val="tx1"/>
+          </a:fontRef>
+        </p:style>
+      </p:cxnSp>
+      <p:sp>
+        <p:nvSpPr>
+          <p:cNvPr id="46" name="Oval 45">
+            <a:extLst>
+              <a:ext uri="{FF2B5EF4-FFF2-40B4-BE49-F238E27FC236}">
+                <a16:creationId xmlns:a16="http://schemas.microsoft.com/office/drawing/2014/main" id="{4F4AAB65-40B2-485D-B4FC-8979E59FE0A9}"/>
+              </a:ext>
+            </a:extLst>
+          </p:cNvPr>
+          <p:cNvSpPr/>
+          <p:nvPr/>
+        </p:nvSpPr>
+        <p:spPr>
+          <a:xfrm>
+            <a:off x="5251940" y="4641048"/>
+            <a:ext cx="570151" cy="477913"/>
+          </a:xfrm>
+          <a:prstGeom prst="ellipse">
+            <a:avLst/>
+          </a:prstGeom>
+          <a:solidFill>
+            <a:schemeClr val="bg1">
+              <a:lumMod val="95000"/>
+            </a:schemeClr>
+          </a:solidFill>
+          <a:ln w="38100">
+            <a:solidFill>
+              <a:srgbClr val="0000FF"/>
+            </a:solidFill>
+          </a:ln>
+        </p:spPr>
+        <p:style>
+          <a:lnRef idx="2">
+            <a:schemeClr val="accent1">
+              <a:shade val="50000"/>
+            </a:schemeClr>
+          </a:lnRef>
+          <a:fillRef idx="1">
+            <a:schemeClr val="accent1"/>
+          </a:fillRef>
+          <a:effectRef idx="0">
+            <a:schemeClr val="accent1"/>
+          </a:effectRef>
+          <a:fontRef idx="minor">
+            <a:schemeClr val="lt1"/>
+          </a:fontRef>
+        </p:style>
+        <p:txBody>
+          <a:bodyPr lIns="0" tIns="0" rIns="0" bIns="0" rtlCol="0" anchor="ctr" anchorCtr="0"/>
+          <a:lstStyle>
+            <a:lvl1pPr marL="0" indent="0">
+              <a:defRPr sz="1100">
+                <a:solidFill>
+                  <a:schemeClr val="lt1"/>
+                </a:solidFill>
+                <a:latin typeface="+mn-lt"/>
+                <a:ea typeface="+mn-ea"/>
+                <a:cs typeface="+mn-cs"/>
+              </a:defRPr>
+            </a:lvl1pPr>
+            <a:lvl2pPr marL="457200" indent="0">
+              <a:defRPr sz="1100">
+                <a:solidFill>
+                  <a:schemeClr val="lt1"/>
+                </a:solidFill>
+                <a:latin typeface="+mn-lt"/>
+                <a:ea typeface="+mn-ea"/>
+                <a:cs typeface="+mn-cs"/>
+              </a:defRPr>
+            </a:lvl2pPr>
+            <a:lvl3pPr marL="914400" indent="0">
+              <a:defRPr sz="1100">
+                <a:solidFill>
+                  <a:schemeClr val="lt1"/>
+                </a:solidFill>
+                <a:latin typeface="+mn-lt"/>
+                <a:ea typeface="+mn-ea"/>
+                <a:cs typeface="+mn-cs"/>
+              </a:defRPr>
+            </a:lvl3pPr>
+            <a:lvl4pPr marL="1371600" indent="0">
+              <a:defRPr sz="1100">
+                <a:solidFill>
+                  <a:schemeClr val="lt1"/>
+                </a:solidFill>
+                <a:latin typeface="+mn-lt"/>
+                <a:ea typeface="+mn-ea"/>
+                <a:cs typeface="+mn-cs"/>
+              </a:defRPr>
+            </a:lvl4pPr>
+            <a:lvl5pPr marL="1828800" indent="0">
+              <a:defRPr sz="1100">
+                <a:solidFill>
+                  <a:schemeClr val="lt1"/>
+                </a:solidFill>
+                <a:latin typeface="+mn-lt"/>
+                <a:ea typeface="+mn-ea"/>
+                <a:cs typeface="+mn-cs"/>
+              </a:defRPr>
+            </a:lvl5pPr>
+            <a:lvl6pPr marL="2286000" indent="0">
+              <a:defRPr sz="1100">
+                <a:solidFill>
+                  <a:schemeClr val="lt1"/>
+                </a:solidFill>
+                <a:latin typeface="+mn-lt"/>
+                <a:ea typeface="+mn-ea"/>
+                <a:cs typeface="+mn-cs"/>
+              </a:defRPr>
+            </a:lvl6pPr>
+            <a:lvl7pPr marL="2743200" indent="0">
+              <a:defRPr sz="1100">
+                <a:solidFill>
+                  <a:schemeClr val="lt1"/>
+                </a:solidFill>
+                <a:latin typeface="+mn-lt"/>
+                <a:ea typeface="+mn-ea"/>
+                <a:cs typeface="+mn-cs"/>
+              </a:defRPr>
+            </a:lvl7pPr>
+            <a:lvl8pPr marL="3200400" indent="0">
+              <a:defRPr sz="1100">
+                <a:solidFill>
+                  <a:schemeClr val="lt1"/>
+                </a:solidFill>
+                <a:latin typeface="+mn-lt"/>
+                <a:ea typeface="+mn-ea"/>
+                <a:cs typeface="+mn-cs"/>
+              </a:defRPr>
+            </a:lvl8pPr>
+            <a:lvl9pPr marL="3657600" indent="0">
+              <a:defRPr sz="1100">
+                <a:solidFill>
+                  <a:schemeClr val="lt1"/>
+                </a:solidFill>
+                <a:latin typeface="+mn-lt"/>
+                <a:ea typeface="+mn-ea"/>
+                <a:cs typeface="+mn-cs"/>
+              </a:defRPr>
+            </a:lvl9pPr>
+          </a:lstStyle>
+          <a:p>
+            <a:pPr marL="0" indent="0" algn="ctr"/>
+            <a:r>
+              <a:rPr lang="en-US" sz="1100">
+                <a:solidFill>
+                  <a:srgbClr val="0000FF"/>
+                </a:solidFill>
+                <a:latin typeface="+mn-lt"/>
+                <a:ea typeface="+mn-ea"/>
+                <a:cs typeface="+mn-cs"/>
+              </a:rPr>
+              <a:t>E-chop</a:t>
+            </a:r>
+          </a:p>
+        </p:txBody>
+      </p:sp>
+      <p:sp>
+        <p:nvSpPr>
+          <p:cNvPr id="47" name="TextBox 168">
+            <a:extLst>
+              <a:ext uri="{FF2B5EF4-FFF2-40B4-BE49-F238E27FC236}">
+                <a16:creationId xmlns:a16="http://schemas.microsoft.com/office/drawing/2014/main" id="{4761B609-8020-4767-8780-AD9036B128BB}"/>
+              </a:ext>
+            </a:extLst>
+          </p:cNvPr>
+          <p:cNvSpPr txBox="1"/>
+          <p:nvPr/>
+        </p:nvSpPr>
+        <p:spPr>
+          <a:xfrm>
+            <a:off x="5707542" y="5377862"/>
+            <a:ext cx="365441" cy="132273"/>
+          </a:xfrm>
+          <a:prstGeom prst="rect">
+            <a:avLst/>
+          </a:prstGeom>
+          <a:noFill/>
+          <a:ln w="9525" cmpd="sng">
+            <a:noFill/>
+          </a:ln>
+        </p:spPr>
+        <p:style>
+          <a:lnRef idx="0">
+            <a:scrgbClr r="0" g="0" b="0"/>
+          </a:lnRef>
+          <a:fillRef idx="0">
+            <a:scrgbClr r="0" g="0" b="0"/>
+          </a:fillRef>
+          <a:effectRef idx="0">
+            <a:scrgbClr r="0" g="0" b="0"/>
+          </a:effectRef>
+          <a:fontRef idx="minor">
+            <a:schemeClr val="dk1"/>
+          </a:fontRef>
+        </p:style>
+        <p:txBody>
+          <a:bodyPr wrap="square" lIns="0" tIns="0" rIns="0" bIns="0" rtlCol="0" anchor="ctr" anchorCtr="0">
+            <a:spAutoFit/>
+          </a:bodyPr>
+          <a:lstStyle>
+            <a:lvl1pPr marL="0" indent="0">
+              <a:defRPr sz="1100">
+                <a:solidFill>
+                  <a:schemeClr val="dk1"/>
+                </a:solidFill>
+                <a:latin typeface="+mn-lt"/>
+                <a:ea typeface="+mn-ea"/>
+                <a:cs typeface="+mn-cs"/>
+              </a:defRPr>
+            </a:lvl1pPr>
+            <a:lvl2pPr marL="457200" indent="0">
+              <a:defRPr sz="1100">
+                <a:solidFill>
+                  <a:schemeClr val="dk1"/>
+                </a:solidFill>
+                <a:latin typeface="+mn-lt"/>
+                <a:ea typeface="+mn-ea"/>
+                <a:cs typeface="+mn-cs"/>
+              </a:defRPr>
+            </a:lvl2pPr>
+            <a:lvl3pPr marL="914400" indent="0">
+              <a:defRPr sz="1100">
+                <a:solidFill>
+                  <a:schemeClr val="dk1"/>
+                </a:solidFill>
+                <a:latin typeface="+mn-lt"/>
+                <a:ea typeface="+mn-ea"/>
+                <a:cs typeface="+mn-cs"/>
+              </a:defRPr>
+            </a:lvl3pPr>
+            <a:lvl4pPr marL="1371600" indent="0">
+              <a:defRPr sz="1100">
+                <a:solidFill>
+                  <a:schemeClr val="dk1"/>
+                </a:solidFill>
+                <a:latin typeface="+mn-lt"/>
+                <a:ea typeface="+mn-ea"/>
+                <a:cs typeface="+mn-cs"/>
+              </a:defRPr>
+            </a:lvl4pPr>
+            <a:lvl5pPr marL="1828800" indent="0">
+              <a:defRPr sz="1100">
+                <a:solidFill>
+                  <a:schemeClr val="dk1"/>
+                </a:solidFill>
+                <a:latin typeface="+mn-lt"/>
+                <a:ea typeface="+mn-ea"/>
+                <a:cs typeface="+mn-cs"/>
+              </a:defRPr>
+            </a:lvl5pPr>
+            <a:lvl6pPr marL="2286000" indent="0">
+              <a:defRPr sz="1100">
+                <a:solidFill>
+                  <a:schemeClr val="dk1"/>
+                </a:solidFill>
+                <a:latin typeface="+mn-lt"/>
+                <a:ea typeface="+mn-ea"/>
+                <a:cs typeface="+mn-cs"/>
+              </a:defRPr>
+            </a:lvl6pPr>
+            <a:lvl7pPr marL="2743200" indent="0">
+              <a:defRPr sz="1100">
+                <a:solidFill>
+                  <a:schemeClr val="dk1"/>
+                </a:solidFill>
+                <a:latin typeface="+mn-lt"/>
+                <a:ea typeface="+mn-ea"/>
+                <a:cs typeface="+mn-cs"/>
+              </a:defRPr>
+            </a:lvl7pPr>
+            <a:lvl8pPr marL="3200400" indent="0">
+              <a:defRPr sz="1100">
+                <a:solidFill>
+                  <a:schemeClr val="dk1"/>
+                </a:solidFill>
+                <a:latin typeface="+mn-lt"/>
+                <a:ea typeface="+mn-ea"/>
+                <a:cs typeface="+mn-cs"/>
+              </a:defRPr>
+            </a:lvl8pPr>
+            <a:lvl9pPr marL="3657600" indent="0">
+              <a:defRPr sz="1100">
+                <a:solidFill>
+                  <a:schemeClr val="dk1"/>
+                </a:solidFill>
+                <a:latin typeface="+mn-lt"/>
+                <a:ea typeface="+mn-ea"/>
+                <a:cs typeface="+mn-cs"/>
+              </a:defRPr>
+            </a:lvl9pPr>
+          </a:lstStyle>
+          <a:p>
+            <a:pPr algn="ctr"/>
+            <a:r>
+              <a:rPr lang="en-US" sz="1100"/>
+              <a:t>OK</a:t>
+            </a:r>
+          </a:p>
+        </p:txBody>
+      </p:sp>
+      <p:sp>
+        <p:nvSpPr>
+          <p:cNvPr id="48" name="TextBox 169">
+            <a:extLst>
+              <a:ext uri="{FF2B5EF4-FFF2-40B4-BE49-F238E27FC236}">
+                <a16:creationId xmlns:a16="http://schemas.microsoft.com/office/drawing/2014/main" id="{8F1775CD-2477-4A48-B07D-D655E647FCE7}"/>
+              </a:ext>
+            </a:extLst>
+          </p:cNvPr>
+          <p:cNvSpPr txBox="1"/>
+          <p:nvPr/>
+        </p:nvSpPr>
+        <p:spPr>
+          <a:xfrm>
+            <a:off x="6930319" y="5250142"/>
+            <a:ext cx="367761" cy="256038"/>
+          </a:xfrm>
+          <a:prstGeom prst="rect">
+            <a:avLst/>
+          </a:prstGeom>
+          <a:noFill/>
+          <a:ln w="9525" cmpd="sng">
+            <a:noFill/>
+          </a:ln>
+        </p:spPr>
+        <p:style>
+          <a:lnRef idx="0">
+            <a:scrgbClr r="0" g="0" b="0"/>
+          </a:lnRef>
+          <a:fillRef idx="0">
+            <a:scrgbClr r="0" g="0" b="0"/>
+          </a:fillRef>
+          <a:effectRef idx="0">
+            <a:scrgbClr r="0" g="0" b="0"/>
+          </a:effectRef>
+          <a:fontRef idx="minor">
+            <a:schemeClr val="dk1"/>
+          </a:fontRef>
+        </p:style>
+        <p:txBody>
+          <a:bodyPr wrap="square" lIns="0" tIns="0" rIns="0" bIns="0" rtlCol="0" anchor="ctr" anchorCtr="0"/>
+          <a:lstStyle>
+            <a:lvl1pPr marL="0" indent="0">
+              <a:defRPr sz="1100">
+                <a:solidFill>
+                  <a:schemeClr val="dk1"/>
+                </a:solidFill>
+                <a:latin typeface="+mn-lt"/>
+                <a:ea typeface="+mn-ea"/>
+                <a:cs typeface="+mn-cs"/>
+              </a:defRPr>
+            </a:lvl1pPr>
+            <a:lvl2pPr marL="457200" indent="0">
+              <a:defRPr sz="1100">
+                <a:solidFill>
+                  <a:schemeClr val="dk1"/>
+                </a:solidFill>
+                <a:latin typeface="+mn-lt"/>
+                <a:ea typeface="+mn-ea"/>
+                <a:cs typeface="+mn-cs"/>
+              </a:defRPr>
+            </a:lvl2pPr>
+            <a:lvl3pPr marL="914400" indent="0">
+              <a:defRPr sz="1100">
+                <a:solidFill>
+                  <a:schemeClr val="dk1"/>
+                </a:solidFill>
+                <a:latin typeface="+mn-lt"/>
+                <a:ea typeface="+mn-ea"/>
+                <a:cs typeface="+mn-cs"/>
+              </a:defRPr>
+            </a:lvl3pPr>
+            <a:lvl4pPr marL="1371600" indent="0">
+              <a:defRPr sz="1100">
+                <a:solidFill>
+                  <a:schemeClr val="dk1"/>
+                </a:solidFill>
+                <a:latin typeface="+mn-lt"/>
+                <a:ea typeface="+mn-ea"/>
+                <a:cs typeface="+mn-cs"/>
+              </a:defRPr>
+            </a:lvl4pPr>
+            <a:lvl5pPr marL="1828800" indent="0">
+              <a:defRPr sz="1100">
+                <a:solidFill>
+                  <a:schemeClr val="dk1"/>
+                </a:solidFill>
+                <a:latin typeface="+mn-lt"/>
+                <a:ea typeface="+mn-ea"/>
+                <a:cs typeface="+mn-cs"/>
+              </a:defRPr>
+            </a:lvl5pPr>
+            <a:lvl6pPr marL="2286000" indent="0">
+              <a:defRPr sz="1100">
+                <a:solidFill>
+                  <a:schemeClr val="dk1"/>
+                </a:solidFill>
+                <a:latin typeface="+mn-lt"/>
+                <a:ea typeface="+mn-ea"/>
+                <a:cs typeface="+mn-cs"/>
+              </a:defRPr>
+            </a:lvl6pPr>
+            <a:lvl7pPr marL="2743200" indent="0">
+              <a:defRPr sz="1100">
+                <a:solidFill>
+                  <a:schemeClr val="dk1"/>
+                </a:solidFill>
+                <a:latin typeface="+mn-lt"/>
+                <a:ea typeface="+mn-ea"/>
+                <a:cs typeface="+mn-cs"/>
+              </a:defRPr>
+            </a:lvl7pPr>
+            <a:lvl8pPr marL="3200400" indent="0">
+              <a:defRPr sz="1100">
+                <a:solidFill>
+                  <a:schemeClr val="dk1"/>
+                </a:solidFill>
+                <a:latin typeface="+mn-lt"/>
+                <a:ea typeface="+mn-ea"/>
+                <a:cs typeface="+mn-cs"/>
+              </a:defRPr>
+            </a:lvl8pPr>
+            <a:lvl9pPr marL="3657600" indent="0">
+              <a:defRPr sz="1100">
+                <a:solidFill>
+                  <a:schemeClr val="dk1"/>
+                </a:solidFill>
+                <a:latin typeface="+mn-lt"/>
+                <a:ea typeface="+mn-ea"/>
+                <a:cs typeface="+mn-cs"/>
+              </a:defRPr>
+            </a:lvl9pPr>
+          </a:lstStyle>
+          <a:p>
+            <a:pPr algn="ctr"/>
+            <a:r>
+              <a:rPr lang="en-US" sz="1100"/>
+              <a:t>NG</a:t>
+            </a:r>
+          </a:p>
+        </p:txBody>
+      </p:sp>
+      <p:cxnSp>
+        <p:nvCxnSpPr>
+          <p:cNvPr id="49" name="Straight Arrow Connector 63">
+            <a:extLst>
+              <a:ext uri="{FF2B5EF4-FFF2-40B4-BE49-F238E27FC236}">
+                <a16:creationId xmlns:a16="http://schemas.microsoft.com/office/drawing/2014/main" id="{C7F5AB0E-2FF3-4FF6-AFAD-D14F26EF44E1}"/>
+              </a:ext>
+            </a:extLst>
+          </p:cNvPr>
+          <p:cNvCxnSpPr>
+            <a:stCxn id="40" idx="3"/>
+            <a:endCxn id="50" idx="2"/>
+          </p:cNvCxnSpPr>
+          <p:nvPr/>
+        </p:nvCxnSpPr>
+        <p:spPr>
+          <a:xfrm flipV="1">
+            <a:off x="6970925" y="3745086"/>
+            <a:ext cx="3529594" cy="1834247"/>
+          </a:xfrm>
+          <a:prstGeom prst="bentConnector2">
+            <a:avLst/>
+          </a:prstGeom>
+          <a:ln w="19050">
+            <a:solidFill>
+              <a:srgbClr val="FF0000"/>
+            </a:solidFill>
+            <a:tailEnd type="triangle"/>
+          </a:ln>
+        </p:spPr>
+        <p:style>
+          <a:lnRef idx="1">
+            <a:schemeClr val="accent1"/>
+          </a:lnRef>
+          <a:fillRef idx="0">
+            <a:schemeClr val="accent1"/>
+          </a:fillRef>
+          <a:effectRef idx="0">
+            <a:schemeClr val="accent1"/>
+          </a:effectRef>
+          <a:fontRef idx="minor">
+            <a:schemeClr val="tx1"/>
+          </a:fontRef>
+        </p:style>
+      </p:cxnSp>
+      <p:sp>
+        <p:nvSpPr>
+          <p:cNvPr id="50" name="TextBox 173">
+            <a:extLst>
+              <a:ext uri="{FF2B5EF4-FFF2-40B4-BE49-F238E27FC236}">
+                <a16:creationId xmlns:a16="http://schemas.microsoft.com/office/drawing/2014/main" id="{DCFCDF1D-AC29-4978-B847-577F525CD19D}"/>
+              </a:ext>
+            </a:extLst>
+          </p:cNvPr>
+          <p:cNvSpPr txBox="1"/>
+          <p:nvPr/>
+        </p:nvSpPr>
+        <p:spPr>
+          <a:xfrm>
+            <a:off x="10366524" y="3598778"/>
+            <a:ext cx="267989" cy="146307"/>
+          </a:xfrm>
+          <a:prstGeom prst="rect">
+            <a:avLst/>
+          </a:prstGeom>
+          <a:noFill/>
+          <a:ln w="9525" cmpd="sng">
+            <a:noFill/>
+          </a:ln>
+        </p:spPr>
+        <p:style>
+          <a:lnRef idx="0">
+            <a:scrgbClr r="0" g="0" b="0"/>
+          </a:lnRef>
+          <a:fillRef idx="0">
+            <a:scrgbClr r="0" g="0" b="0"/>
+          </a:fillRef>
+          <a:effectRef idx="0">
+            <a:scrgbClr r="0" g="0" b="0"/>
+          </a:effectRef>
+          <a:fontRef idx="minor">
+            <a:schemeClr val="dk1"/>
+          </a:fontRef>
+        </p:style>
+        <p:txBody>
+          <a:bodyPr wrap="square" lIns="0" tIns="0" rIns="0" bIns="0" rtlCol="0" anchor="ctr" anchorCtr="0">
+            <a:spAutoFit/>
+          </a:bodyPr>
+          <a:lstStyle>
+            <a:lvl1pPr marL="0" indent="0">
+              <a:defRPr sz="1100">
+                <a:solidFill>
+                  <a:schemeClr val="dk1"/>
+                </a:solidFill>
+                <a:latin typeface="+mn-lt"/>
+                <a:ea typeface="+mn-ea"/>
+                <a:cs typeface="+mn-cs"/>
+              </a:defRPr>
+            </a:lvl1pPr>
+            <a:lvl2pPr marL="457200" indent="0">
+              <a:defRPr sz="1100">
+                <a:solidFill>
+                  <a:schemeClr val="dk1"/>
+                </a:solidFill>
+                <a:latin typeface="+mn-lt"/>
+                <a:ea typeface="+mn-ea"/>
+                <a:cs typeface="+mn-cs"/>
+              </a:defRPr>
+            </a:lvl2pPr>
+            <a:lvl3pPr marL="914400" indent="0">
+              <a:defRPr sz="1100">
+                <a:solidFill>
+                  <a:schemeClr val="dk1"/>
+                </a:solidFill>
+                <a:latin typeface="+mn-lt"/>
+                <a:ea typeface="+mn-ea"/>
+                <a:cs typeface="+mn-cs"/>
+              </a:defRPr>
+            </a:lvl3pPr>
+            <a:lvl4pPr marL="1371600" indent="0">
+              <a:defRPr sz="1100">
+                <a:solidFill>
+                  <a:schemeClr val="dk1"/>
+                </a:solidFill>
+                <a:latin typeface="+mn-lt"/>
+                <a:ea typeface="+mn-ea"/>
+                <a:cs typeface="+mn-cs"/>
+              </a:defRPr>
+            </a:lvl4pPr>
+            <a:lvl5pPr marL="1828800" indent="0">
+              <a:defRPr sz="1100">
+                <a:solidFill>
+                  <a:schemeClr val="dk1"/>
+                </a:solidFill>
+                <a:latin typeface="+mn-lt"/>
+                <a:ea typeface="+mn-ea"/>
+                <a:cs typeface="+mn-cs"/>
+              </a:defRPr>
+            </a:lvl5pPr>
+            <a:lvl6pPr marL="2286000" indent="0">
+              <a:defRPr sz="1100">
+                <a:solidFill>
+                  <a:schemeClr val="dk1"/>
+                </a:solidFill>
+                <a:latin typeface="+mn-lt"/>
+                <a:ea typeface="+mn-ea"/>
+                <a:cs typeface="+mn-cs"/>
+              </a:defRPr>
+            </a:lvl6pPr>
+            <a:lvl7pPr marL="2743200" indent="0">
+              <a:defRPr sz="1100">
+                <a:solidFill>
+                  <a:schemeClr val="dk1"/>
+                </a:solidFill>
+                <a:latin typeface="+mn-lt"/>
+                <a:ea typeface="+mn-ea"/>
+                <a:cs typeface="+mn-cs"/>
+              </a:defRPr>
+            </a:lvl7pPr>
+            <a:lvl8pPr marL="3200400" indent="0">
+              <a:defRPr sz="1100">
+                <a:solidFill>
+                  <a:schemeClr val="dk1"/>
+                </a:solidFill>
+                <a:latin typeface="+mn-lt"/>
+                <a:ea typeface="+mn-ea"/>
+                <a:cs typeface="+mn-cs"/>
+              </a:defRPr>
+            </a:lvl8pPr>
+            <a:lvl9pPr marL="3657600" indent="0">
+              <a:defRPr sz="1100">
+                <a:solidFill>
+                  <a:schemeClr val="dk1"/>
+                </a:solidFill>
+                <a:latin typeface="+mn-lt"/>
+                <a:ea typeface="+mn-ea"/>
+                <a:cs typeface="+mn-cs"/>
+              </a:defRPr>
+            </a:lvl9pPr>
+          </a:lstStyle>
+          <a:p>
+            <a:pPr algn="ctr"/>
+            <a:endParaRPr lang="en-US" sz="1100"/>
+          </a:p>
+        </p:txBody>
+      </p:sp>
+      <p:sp>
+        <p:nvSpPr>
+          <p:cNvPr id="51" name="Oval 50">
+            <a:extLst>
+              <a:ext uri="{FF2B5EF4-FFF2-40B4-BE49-F238E27FC236}">
+                <a16:creationId xmlns:a16="http://schemas.microsoft.com/office/drawing/2014/main" id="{61D9E699-F232-4B2A-BC63-248ED0C4CAF1}"/>
+              </a:ext>
+            </a:extLst>
+          </p:cNvPr>
+          <p:cNvSpPr/>
+          <p:nvPr/>
+        </p:nvSpPr>
+        <p:spPr>
+          <a:xfrm>
+            <a:off x="7484861" y="5337926"/>
+            <a:ext cx="578905" cy="490130"/>
+          </a:xfrm>
+          <a:prstGeom prst="ellipse">
+            <a:avLst/>
+          </a:prstGeom>
+          <a:solidFill>
+            <a:schemeClr val="accent4">
+              <a:lumMod val="60000"/>
+              <a:lumOff val="40000"/>
+            </a:schemeClr>
+          </a:solidFill>
+          <a:ln w="38100">
+            <a:solidFill>
+              <a:srgbClr val="FF0000"/>
+            </a:solidFill>
+          </a:ln>
+        </p:spPr>
+        <p:style>
+          <a:lnRef idx="2">
+            <a:schemeClr val="accent1">
+              <a:shade val="50000"/>
+            </a:schemeClr>
+          </a:lnRef>
+          <a:fillRef idx="1">
+            <a:schemeClr val="accent1"/>
+          </a:fillRef>
+          <a:effectRef idx="0">
+            <a:schemeClr val="accent1"/>
+          </a:effectRef>
+          <a:fontRef idx="minor">
+            <a:schemeClr val="lt1"/>
+          </a:fontRef>
+        </p:style>
+        <p:txBody>
+          <a:bodyPr lIns="0" tIns="0" rIns="0" bIns="0" rtlCol="0" anchor="ctr" anchorCtr="0"/>
+          <a:lstStyle>
+            <a:lvl1pPr marL="0" indent="0">
+              <a:defRPr sz="1100">
+                <a:solidFill>
+                  <a:schemeClr val="lt1"/>
+                </a:solidFill>
+                <a:latin typeface="+mn-lt"/>
+                <a:ea typeface="+mn-ea"/>
+                <a:cs typeface="+mn-cs"/>
+              </a:defRPr>
+            </a:lvl1pPr>
+            <a:lvl2pPr marL="457200" indent="0">
+              <a:defRPr sz="1100">
+                <a:solidFill>
+                  <a:schemeClr val="lt1"/>
+                </a:solidFill>
+                <a:latin typeface="+mn-lt"/>
+                <a:ea typeface="+mn-ea"/>
+                <a:cs typeface="+mn-cs"/>
+              </a:defRPr>
+            </a:lvl2pPr>
+            <a:lvl3pPr marL="914400" indent="0">
+              <a:defRPr sz="1100">
+                <a:solidFill>
+                  <a:schemeClr val="lt1"/>
+                </a:solidFill>
+                <a:latin typeface="+mn-lt"/>
+                <a:ea typeface="+mn-ea"/>
+                <a:cs typeface="+mn-cs"/>
+              </a:defRPr>
+            </a:lvl3pPr>
+            <a:lvl4pPr marL="1371600" indent="0">
+              <a:defRPr sz="1100">
+                <a:solidFill>
+                  <a:schemeClr val="lt1"/>
+                </a:solidFill>
+                <a:latin typeface="+mn-lt"/>
+                <a:ea typeface="+mn-ea"/>
+                <a:cs typeface="+mn-cs"/>
+              </a:defRPr>
+            </a:lvl4pPr>
+            <a:lvl5pPr marL="1828800" indent="0">
+              <a:defRPr sz="1100">
+                <a:solidFill>
+                  <a:schemeClr val="lt1"/>
+                </a:solidFill>
+                <a:latin typeface="+mn-lt"/>
+                <a:ea typeface="+mn-ea"/>
+                <a:cs typeface="+mn-cs"/>
+              </a:defRPr>
+            </a:lvl5pPr>
+            <a:lvl6pPr marL="2286000" indent="0">
+              <a:defRPr sz="1100">
+                <a:solidFill>
+                  <a:schemeClr val="lt1"/>
+                </a:solidFill>
+                <a:latin typeface="+mn-lt"/>
+                <a:ea typeface="+mn-ea"/>
+                <a:cs typeface="+mn-cs"/>
+              </a:defRPr>
+            </a:lvl6pPr>
+            <a:lvl7pPr marL="2743200" indent="0">
+              <a:defRPr sz="1100">
+                <a:solidFill>
+                  <a:schemeClr val="lt1"/>
+                </a:solidFill>
+                <a:latin typeface="+mn-lt"/>
+                <a:ea typeface="+mn-ea"/>
+                <a:cs typeface="+mn-cs"/>
+              </a:defRPr>
+            </a:lvl7pPr>
+            <a:lvl8pPr marL="3200400" indent="0">
+              <a:defRPr sz="1100">
+                <a:solidFill>
+                  <a:schemeClr val="lt1"/>
+                </a:solidFill>
+                <a:latin typeface="+mn-lt"/>
+                <a:ea typeface="+mn-ea"/>
+                <a:cs typeface="+mn-cs"/>
+              </a:defRPr>
+            </a:lvl8pPr>
+            <a:lvl9pPr marL="3657600" indent="0">
+              <a:defRPr sz="1100">
+                <a:solidFill>
+                  <a:schemeClr val="lt1"/>
+                </a:solidFill>
+                <a:latin typeface="+mn-lt"/>
+                <a:ea typeface="+mn-ea"/>
+                <a:cs typeface="+mn-cs"/>
+              </a:defRPr>
+            </a:lvl9pPr>
+          </a:lstStyle>
+          <a:p>
+            <a:pPr marL="0" indent="0" algn="ctr"/>
+            <a:r>
+              <a:rPr lang="en-US" sz="900">
+                <a:solidFill>
+                  <a:sysClr val="windowText" lastClr="000000"/>
+                </a:solidFill>
+                <a:latin typeface="+mn-lt"/>
+                <a:ea typeface="+mn-ea"/>
+                <a:cs typeface="+mn-cs"/>
+              </a:rPr>
+              <a:t>Manual Recheck NG</a:t>
+            </a:r>
+          </a:p>
+        </p:txBody>
+      </p:sp>
+      <p:sp>
+        <p:nvSpPr>
+          <p:cNvPr id="52" name="TextBox 177">
+            <a:extLst>
+              <a:ext uri="{FF2B5EF4-FFF2-40B4-BE49-F238E27FC236}">
+                <a16:creationId xmlns:a16="http://schemas.microsoft.com/office/drawing/2014/main" id="{9323CA02-F654-4EA4-988D-0136A53D9FCA}"/>
+              </a:ext>
+            </a:extLst>
+          </p:cNvPr>
+          <p:cNvSpPr txBox="1"/>
+          <p:nvPr/>
+        </p:nvSpPr>
+        <p:spPr>
+          <a:xfrm>
+            <a:off x="6762959" y="3530078"/>
+            <a:ext cx="267989" cy="146307"/>
+          </a:xfrm>
+          <a:prstGeom prst="rect">
+            <a:avLst/>
+          </a:prstGeom>
+          <a:noFill/>
+          <a:ln w="9525" cmpd="sng">
+            <a:noFill/>
+          </a:ln>
+        </p:spPr>
+        <p:style>
+          <a:lnRef idx="0">
+            <a:scrgbClr r="0" g="0" b="0"/>
+          </a:lnRef>
+          <a:fillRef idx="0">
+            <a:scrgbClr r="0" g="0" b="0"/>
+          </a:fillRef>
+          <a:effectRef idx="0">
+            <a:scrgbClr r="0" g="0" b="0"/>
+          </a:effectRef>
+          <a:fontRef idx="minor">
+            <a:schemeClr val="dk1"/>
+          </a:fontRef>
+        </p:style>
+        <p:txBody>
+          <a:bodyPr wrap="square" lIns="0" tIns="0" rIns="0" bIns="0" rtlCol="0" anchor="ctr" anchorCtr="0">
+            <a:spAutoFit/>
+          </a:bodyPr>
+          <a:lstStyle>
+            <a:lvl1pPr marL="0" indent="0">
+              <a:defRPr sz="1100">
+                <a:solidFill>
+                  <a:schemeClr val="dk1"/>
+                </a:solidFill>
+                <a:latin typeface="+mn-lt"/>
+                <a:ea typeface="+mn-ea"/>
+                <a:cs typeface="+mn-cs"/>
+              </a:defRPr>
+            </a:lvl1pPr>
+            <a:lvl2pPr marL="457200" indent="0">
+              <a:defRPr sz="1100">
+                <a:solidFill>
+                  <a:schemeClr val="dk1"/>
+                </a:solidFill>
+                <a:latin typeface="+mn-lt"/>
+                <a:ea typeface="+mn-ea"/>
+                <a:cs typeface="+mn-cs"/>
+              </a:defRPr>
+            </a:lvl2pPr>
+            <a:lvl3pPr marL="914400" indent="0">
+              <a:defRPr sz="1100">
+                <a:solidFill>
+                  <a:schemeClr val="dk1"/>
+                </a:solidFill>
+                <a:latin typeface="+mn-lt"/>
+                <a:ea typeface="+mn-ea"/>
+                <a:cs typeface="+mn-cs"/>
+              </a:defRPr>
+            </a:lvl3pPr>
+            <a:lvl4pPr marL="1371600" indent="0">
+              <a:defRPr sz="1100">
+                <a:solidFill>
+                  <a:schemeClr val="dk1"/>
+                </a:solidFill>
+                <a:latin typeface="+mn-lt"/>
+                <a:ea typeface="+mn-ea"/>
+                <a:cs typeface="+mn-cs"/>
+              </a:defRPr>
+            </a:lvl4pPr>
+            <a:lvl5pPr marL="1828800" indent="0">
+              <a:defRPr sz="1100">
+                <a:solidFill>
+                  <a:schemeClr val="dk1"/>
+                </a:solidFill>
+                <a:latin typeface="+mn-lt"/>
+                <a:ea typeface="+mn-ea"/>
+                <a:cs typeface="+mn-cs"/>
+              </a:defRPr>
+            </a:lvl5pPr>
+            <a:lvl6pPr marL="2286000" indent="0">
+              <a:defRPr sz="1100">
+                <a:solidFill>
+                  <a:schemeClr val="dk1"/>
+                </a:solidFill>
+                <a:latin typeface="+mn-lt"/>
+                <a:ea typeface="+mn-ea"/>
+                <a:cs typeface="+mn-cs"/>
+              </a:defRPr>
+            </a:lvl6pPr>
+            <a:lvl7pPr marL="2743200" indent="0">
+              <a:defRPr sz="1100">
+                <a:solidFill>
+                  <a:schemeClr val="dk1"/>
+                </a:solidFill>
+                <a:latin typeface="+mn-lt"/>
+                <a:ea typeface="+mn-ea"/>
+                <a:cs typeface="+mn-cs"/>
+              </a:defRPr>
+            </a:lvl7pPr>
+            <a:lvl8pPr marL="3200400" indent="0">
+              <a:defRPr sz="1100">
+                <a:solidFill>
+                  <a:schemeClr val="dk1"/>
+                </a:solidFill>
+                <a:latin typeface="+mn-lt"/>
+                <a:ea typeface="+mn-ea"/>
+                <a:cs typeface="+mn-cs"/>
+              </a:defRPr>
+            </a:lvl8pPr>
+            <a:lvl9pPr marL="3657600" indent="0">
+              <a:defRPr sz="1100">
+                <a:solidFill>
+                  <a:schemeClr val="dk1"/>
+                </a:solidFill>
+                <a:latin typeface="+mn-lt"/>
+                <a:ea typeface="+mn-ea"/>
+                <a:cs typeface="+mn-cs"/>
+              </a:defRPr>
+            </a:lvl9pPr>
+          </a:lstStyle>
+          <a:p>
+            <a:pPr algn="ctr"/>
+            <a:endParaRPr lang="en-US" sz="1100"/>
+          </a:p>
+        </p:txBody>
+      </p:sp>
+      <p:sp>
+        <p:nvSpPr>
+          <p:cNvPr id="53" name="TextBox 183">
+            <a:extLst>
+              <a:ext uri="{FF2B5EF4-FFF2-40B4-BE49-F238E27FC236}">
+                <a16:creationId xmlns:a16="http://schemas.microsoft.com/office/drawing/2014/main" id="{6171B006-8104-4546-BC08-282C182369A5}"/>
+              </a:ext>
+            </a:extLst>
+          </p:cNvPr>
+          <p:cNvSpPr txBox="1"/>
+          <p:nvPr/>
+        </p:nvSpPr>
+        <p:spPr>
+          <a:xfrm>
+            <a:off x="9381372" y="3595916"/>
+            <a:ext cx="267989" cy="146307"/>
+          </a:xfrm>
+          <a:prstGeom prst="rect">
+            <a:avLst/>
+          </a:prstGeom>
+          <a:noFill/>
+          <a:ln w="9525" cmpd="sng">
+            <a:noFill/>
+          </a:ln>
+        </p:spPr>
+        <p:style>
+          <a:lnRef idx="0">
+            <a:scrgbClr r="0" g="0" b="0"/>
+          </a:lnRef>
+          <a:fillRef idx="0">
+            <a:scrgbClr r="0" g="0" b="0"/>
+          </a:fillRef>
+          <a:effectRef idx="0">
+            <a:scrgbClr r="0" g="0" b="0"/>
+          </a:effectRef>
+          <a:fontRef idx="minor">
+            <a:schemeClr val="dk1"/>
+          </a:fontRef>
+        </p:style>
+        <p:txBody>
+          <a:bodyPr wrap="square" lIns="0" tIns="0" rIns="0" bIns="0" rtlCol="0" anchor="ctr" anchorCtr="0">
+            <a:spAutoFit/>
+          </a:bodyPr>
+          <a:lstStyle>
+            <a:lvl1pPr marL="0" indent="0">
+              <a:defRPr sz="1100">
+                <a:solidFill>
+                  <a:schemeClr val="dk1"/>
+                </a:solidFill>
+                <a:latin typeface="+mn-lt"/>
+                <a:ea typeface="+mn-ea"/>
+                <a:cs typeface="+mn-cs"/>
+              </a:defRPr>
+            </a:lvl1pPr>
+            <a:lvl2pPr marL="457200" indent="0">
+              <a:defRPr sz="1100">
+                <a:solidFill>
+                  <a:schemeClr val="dk1"/>
+                </a:solidFill>
+                <a:latin typeface="+mn-lt"/>
+                <a:ea typeface="+mn-ea"/>
+                <a:cs typeface="+mn-cs"/>
+              </a:defRPr>
+            </a:lvl2pPr>
+            <a:lvl3pPr marL="914400" indent="0">
+              <a:defRPr sz="1100">
+                <a:solidFill>
+                  <a:schemeClr val="dk1"/>
+                </a:solidFill>
+                <a:latin typeface="+mn-lt"/>
+                <a:ea typeface="+mn-ea"/>
+                <a:cs typeface="+mn-cs"/>
+              </a:defRPr>
+            </a:lvl3pPr>
+            <a:lvl4pPr marL="1371600" indent="0">
+              <a:defRPr sz="1100">
+                <a:solidFill>
+                  <a:schemeClr val="dk1"/>
+                </a:solidFill>
+                <a:latin typeface="+mn-lt"/>
+                <a:ea typeface="+mn-ea"/>
+                <a:cs typeface="+mn-cs"/>
+              </a:defRPr>
+            </a:lvl4pPr>
+            <a:lvl5pPr marL="1828800" indent="0">
+              <a:defRPr sz="1100">
+                <a:solidFill>
+                  <a:schemeClr val="dk1"/>
+                </a:solidFill>
+                <a:latin typeface="+mn-lt"/>
+                <a:ea typeface="+mn-ea"/>
+                <a:cs typeface="+mn-cs"/>
+              </a:defRPr>
+            </a:lvl5pPr>
+            <a:lvl6pPr marL="2286000" indent="0">
+              <a:defRPr sz="1100">
+                <a:solidFill>
+                  <a:schemeClr val="dk1"/>
+                </a:solidFill>
+                <a:latin typeface="+mn-lt"/>
+                <a:ea typeface="+mn-ea"/>
+                <a:cs typeface="+mn-cs"/>
+              </a:defRPr>
+            </a:lvl6pPr>
+            <a:lvl7pPr marL="2743200" indent="0">
+              <a:defRPr sz="1100">
+                <a:solidFill>
+                  <a:schemeClr val="dk1"/>
+                </a:solidFill>
+                <a:latin typeface="+mn-lt"/>
+                <a:ea typeface="+mn-ea"/>
+                <a:cs typeface="+mn-cs"/>
+              </a:defRPr>
+            </a:lvl7pPr>
+            <a:lvl8pPr marL="3200400" indent="0">
+              <a:defRPr sz="1100">
+                <a:solidFill>
+                  <a:schemeClr val="dk1"/>
+                </a:solidFill>
+                <a:latin typeface="+mn-lt"/>
+                <a:ea typeface="+mn-ea"/>
+                <a:cs typeface="+mn-cs"/>
+              </a:defRPr>
+            </a:lvl8pPr>
+            <a:lvl9pPr marL="3657600" indent="0">
+              <a:defRPr sz="1100">
+                <a:solidFill>
+                  <a:schemeClr val="dk1"/>
+                </a:solidFill>
+                <a:latin typeface="+mn-lt"/>
+                <a:ea typeface="+mn-ea"/>
+                <a:cs typeface="+mn-cs"/>
+              </a:defRPr>
+            </a:lvl9pPr>
+          </a:lstStyle>
+          <a:p>
+            <a:pPr algn="ctr"/>
+            <a:endParaRPr lang="en-US" sz="1100"/>
+          </a:p>
+        </p:txBody>
+      </p:sp>
+      <p:sp>
+        <p:nvSpPr>
+          <p:cNvPr id="54" name="TextBox 190">
+            <a:extLst>
+              <a:ext uri="{FF2B5EF4-FFF2-40B4-BE49-F238E27FC236}">
+                <a16:creationId xmlns:a16="http://schemas.microsoft.com/office/drawing/2014/main" id="{85C4B06D-BEC5-4621-9722-AB974B16E2E0}"/>
+              </a:ext>
+            </a:extLst>
+          </p:cNvPr>
+          <p:cNvSpPr txBox="1"/>
+          <p:nvPr/>
+        </p:nvSpPr>
+        <p:spPr>
+          <a:xfrm>
+            <a:off x="8083892" y="2562720"/>
+            <a:ext cx="365441" cy="132273"/>
+          </a:xfrm>
+          <a:prstGeom prst="rect">
+            <a:avLst/>
+          </a:prstGeom>
+          <a:ln/>
+        </p:spPr>
+        <p:style>
+          <a:lnRef idx="1">
+            <a:schemeClr val="accent1"/>
+          </a:lnRef>
+          <a:fillRef idx="3">
+            <a:schemeClr val="accent1"/>
+          </a:fillRef>
+          <a:effectRef idx="2">
+            <a:schemeClr val="accent1"/>
+          </a:effectRef>
+          <a:fontRef idx="minor">
+            <a:schemeClr val="lt1"/>
+          </a:fontRef>
+        </p:style>
+        <p:txBody>
+          <a:bodyPr wrap="square" lIns="0" tIns="0" rIns="0" bIns="0" rtlCol="0" anchor="ctr" anchorCtr="0">
+            <a:spAutoFit/>
+          </a:bodyPr>
+          <a:lstStyle>
+            <a:lvl1pPr marL="0" indent="0">
+              <a:defRPr sz="1100">
+                <a:solidFill>
+                  <a:schemeClr val="lt1"/>
+                </a:solidFill>
+                <a:latin typeface="+mn-lt"/>
+                <a:ea typeface="+mn-ea"/>
+                <a:cs typeface="+mn-cs"/>
+              </a:defRPr>
+            </a:lvl1pPr>
+            <a:lvl2pPr marL="457200" indent="0">
+              <a:defRPr sz="1100">
+                <a:solidFill>
+                  <a:schemeClr val="lt1"/>
+                </a:solidFill>
+                <a:latin typeface="+mn-lt"/>
+                <a:ea typeface="+mn-ea"/>
+                <a:cs typeface="+mn-cs"/>
+              </a:defRPr>
+            </a:lvl2pPr>
+            <a:lvl3pPr marL="914400" indent="0">
+              <a:defRPr sz="1100">
+                <a:solidFill>
+                  <a:schemeClr val="lt1"/>
+                </a:solidFill>
+                <a:latin typeface="+mn-lt"/>
+                <a:ea typeface="+mn-ea"/>
+                <a:cs typeface="+mn-cs"/>
+              </a:defRPr>
+            </a:lvl3pPr>
+            <a:lvl4pPr marL="1371600" indent="0">
+              <a:defRPr sz="1100">
+                <a:solidFill>
+                  <a:schemeClr val="lt1"/>
+                </a:solidFill>
+                <a:latin typeface="+mn-lt"/>
+                <a:ea typeface="+mn-ea"/>
+                <a:cs typeface="+mn-cs"/>
+              </a:defRPr>
+            </a:lvl4pPr>
+            <a:lvl5pPr marL="1828800" indent="0">
+              <a:defRPr sz="1100">
+                <a:solidFill>
+                  <a:schemeClr val="lt1"/>
+                </a:solidFill>
+                <a:latin typeface="+mn-lt"/>
+                <a:ea typeface="+mn-ea"/>
+                <a:cs typeface="+mn-cs"/>
+              </a:defRPr>
+            </a:lvl5pPr>
+            <a:lvl6pPr marL="2286000" indent="0">
+              <a:defRPr sz="1100">
+                <a:solidFill>
+                  <a:schemeClr val="lt1"/>
+                </a:solidFill>
+                <a:latin typeface="+mn-lt"/>
+                <a:ea typeface="+mn-ea"/>
+                <a:cs typeface="+mn-cs"/>
+              </a:defRPr>
+            </a:lvl6pPr>
+            <a:lvl7pPr marL="2743200" indent="0">
+              <a:defRPr sz="1100">
+                <a:solidFill>
+                  <a:schemeClr val="lt1"/>
+                </a:solidFill>
+                <a:latin typeface="+mn-lt"/>
+                <a:ea typeface="+mn-ea"/>
+                <a:cs typeface="+mn-cs"/>
+              </a:defRPr>
+            </a:lvl7pPr>
+            <a:lvl8pPr marL="3200400" indent="0">
+              <a:defRPr sz="1100">
+                <a:solidFill>
+                  <a:schemeClr val="lt1"/>
+                </a:solidFill>
+                <a:latin typeface="+mn-lt"/>
+                <a:ea typeface="+mn-ea"/>
+                <a:cs typeface="+mn-cs"/>
+              </a:defRPr>
+            </a:lvl8pPr>
+            <a:lvl9pPr marL="3657600" indent="0">
+              <a:defRPr sz="1100">
+                <a:solidFill>
+                  <a:schemeClr val="lt1"/>
+                </a:solidFill>
+                <a:latin typeface="+mn-lt"/>
+                <a:ea typeface="+mn-ea"/>
+                <a:cs typeface="+mn-cs"/>
+              </a:defRPr>
+            </a:lvl9pPr>
+          </a:lstStyle>
+          <a:p>
+            <a:pPr algn="ctr"/>
+            <a:r>
+              <a:rPr lang="en-US" sz="1100"/>
+              <a:t>QT2</a:t>
+            </a:r>
+          </a:p>
+        </p:txBody>
+      </p:sp>
+      <p:sp>
+        <p:nvSpPr>
+          <p:cNvPr id="55" name="TextBox 191">
+            <a:extLst>
+              <a:ext uri="{FF2B5EF4-FFF2-40B4-BE49-F238E27FC236}">
+                <a16:creationId xmlns:a16="http://schemas.microsoft.com/office/drawing/2014/main" id="{6C341AFF-23D5-4A4D-907C-ACA6625635B7}"/>
+              </a:ext>
+            </a:extLst>
+          </p:cNvPr>
+          <p:cNvSpPr txBox="1"/>
+          <p:nvPr/>
+        </p:nvSpPr>
+        <p:spPr>
+          <a:xfrm>
+            <a:off x="7751993" y="4191183"/>
+            <a:ext cx="365441" cy="132273"/>
+          </a:xfrm>
+          <a:prstGeom prst="rect">
+            <a:avLst/>
+          </a:prstGeom>
+          <a:ln/>
+        </p:spPr>
+        <p:style>
+          <a:lnRef idx="1">
+            <a:schemeClr val="accent1"/>
+          </a:lnRef>
+          <a:fillRef idx="3">
+            <a:schemeClr val="accent1"/>
+          </a:fillRef>
+          <a:effectRef idx="2">
+            <a:schemeClr val="accent1"/>
+          </a:effectRef>
+          <a:fontRef idx="minor">
+            <a:schemeClr val="lt1"/>
+          </a:fontRef>
+        </p:style>
+        <p:txBody>
+          <a:bodyPr wrap="square" lIns="0" tIns="0" rIns="0" bIns="0" rtlCol="0" anchor="ctr" anchorCtr="0">
+            <a:spAutoFit/>
+          </a:bodyPr>
+          <a:lstStyle>
+            <a:lvl1pPr marL="0" indent="0">
+              <a:defRPr sz="1100">
+                <a:solidFill>
+                  <a:schemeClr val="lt1"/>
+                </a:solidFill>
+                <a:latin typeface="+mn-lt"/>
+                <a:ea typeface="+mn-ea"/>
+                <a:cs typeface="+mn-cs"/>
+              </a:defRPr>
+            </a:lvl1pPr>
+            <a:lvl2pPr marL="457200" indent="0">
+              <a:defRPr sz="1100">
+                <a:solidFill>
+                  <a:schemeClr val="lt1"/>
+                </a:solidFill>
+                <a:latin typeface="+mn-lt"/>
+                <a:ea typeface="+mn-ea"/>
+                <a:cs typeface="+mn-cs"/>
+              </a:defRPr>
+            </a:lvl2pPr>
+            <a:lvl3pPr marL="914400" indent="0">
+              <a:defRPr sz="1100">
+                <a:solidFill>
+                  <a:schemeClr val="lt1"/>
+                </a:solidFill>
+                <a:latin typeface="+mn-lt"/>
+                <a:ea typeface="+mn-ea"/>
+                <a:cs typeface="+mn-cs"/>
+              </a:defRPr>
+            </a:lvl3pPr>
+            <a:lvl4pPr marL="1371600" indent="0">
+              <a:defRPr sz="1100">
+                <a:solidFill>
+                  <a:schemeClr val="lt1"/>
+                </a:solidFill>
+                <a:latin typeface="+mn-lt"/>
+                <a:ea typeface="+mn-ea"/>
+                <a:cs typeface="+mn-cs"/>
+              </a:defRPr>
+            </a:lvl4pPr>
+            <a:lvl5pPr marL="1828800" indent="0">
+              <a:defRPr sz="1100">
+                <a:solidFill>
+                  <a:schemeClr val="lt1"/>
+                </a:solidFill>
+                <a:latin typeface="+mn-lt"/>
+                <a:ea typeface="+mn-ea"/>
+                <a:cs typeface="+mn-cs"/>
+              </a:defRPr>
+            </a:lvl5pPr>
+            <a:lvl6pPr marL="2286000" indent="0">
+              <a:defRPr sz="1100">
+                <a:solidFill>
+                  <a:schemeClr val="lt1"/>
+                </a:solidFill>
+                <a:latin typeface="+mn-lt"/>
+                <a:ea typeface="+mn-ea"/>
+                <a:cs typeface="+mn-cs"/>
+              </a:defRPr>
+            </a:lvl6pPr>
+            <a:lvl7pPr marL="2743200" indent="0">
+              <a:defRPr sz="1100">
+                <a:solidFill>
+                  <a:schemeClr val="lt1"/>
+                </a:solidFill>
+                <a:latin typeface="+mn-lt"/>
+                <a:ea typeface="+mn-ea"/>
+                <a:cs typeface="+mn-cs"/>
+              </a:defRPr>
+            </a:lvl7pPr>
+            <a:lvl8pPr marL="3200400" indent="0">
+              <a:defRPr sz="1100">
+                <a:solidFill>
+                  <a:schemeClr val="lt1"/>
+                </a:solidFill>
+                <a:latin typeface="+mn-lt"/>
+                <a:ea typeface="+mn-ea"/>
+                <a:cs typeface="+mn-cs"/>
+              </a:defRPr>
+            </a:lvl8pPr>
+            <a:lvl9pPr marL="3657600" indent="0">
+              <a:defRPr sz="1100">
+                <a:solidFill>
+                  <a:schemeClr val="lt1"/>
+                </a:solidFill>
+                <a:latin typeface="+mn-lt"/>
+                <a:ea typeface="+mn-ea"/>
+                <a:cs typeface="+mn-cs"/>
+              </a:defRPr>
+            </a:lvl9pPr>
+          </a:lstStyle>
+          <a:p>
+            <a:pPr algn="ctr"/>
+            <a:r>
+              <a:rPr lang="en-US" sz="1100"/>
+              <a:t>QT3</a:t>
+            </a:r>
+          </a:p>
+        </p:txBody>
+      </p:sp>
+      <p:sp>
+        <p:nvSpPr>
+          <p:cNvPr id="56" name="TextBox 192">
+            <a:extLst>
+              <a:ext uri="{FF2B5EF4-FFF2-40B4-BE49-F238E27FC236}">
+                <a16:creationId xmlns:a16="http://schemas.microsoft.com/office/drawing/2014/main" id="{61ED25BF-C06E-4DD7-A8BE-0ABAED39757A}"/>
+              </a:ext>
+            </a:extLst>
+          </p:cNvPr>
+          <p:cNvSpPr txBox="1"/>
+          <p:nvPr/>
+        </p:nvSpPr>
+        <p:spPr>
+          <a:xfrm>
+            <a:off x="6270558" y="5895980"/>
+            <a:ext cx="365441" cy="132273"/>
+          </a:xfrm>
+          <a:prstGeom prst="rect">
+            <a:avLst/>
+          </a:prstGeom>
+          <a:ln/>
+        </p:spPr>
+        <p:style>
+          <a:lnRef idx="1">
+            <a:schemeClr val="accent1"/>
+          </a:lnRef>
+          <a:fillRef idx="3">
+            <a:schemeClr val="accent1"/>
+          </a:fillRef>
+          <a:effectRef idx="2">
+            <a:schemeClr val="accent1"/>
+          </a:effectRef>
+          <a:fontRef idx="minor">
+            <a:schemeClr val="lt1"/>
+          </a:fontRef>
+        </p:style>
+        <p:txBody>
+          <a:bodyPr wrap="square" lIns="0" tIns="0" rIns="0" bIns="0" rtlCol="0" anchor="ctr" anchorCtr="0">
+            <a:spAutoFit/>
+          </a:bodyPr>
+          <a:lstStyle>
+            <a:lvl1pPr marL="0" indent="0">
+              <a:defRPr sz="1100">
+                <a:solidFill>
+                  <a:schemeClr val="lt1"/>
+                </a:solidFill>
+                <a:latin typeface="+mn-lt"/>
+                <a:ea typeface="+mn-ea"/>
+                <a:cs typeface="+mn-cs"/>
+              </a:defRPr>
+            </a:lvl1pPr>
+            <a:lvl2pPr marL="457200" indent="0">
+              <a:defRPr sz="1100">
+                <a:solidFill>
+                  <a:schemeClr val="lt1"/>
+                </a:solidFill>
+                <a:latin typeface="+mn-lt"/>
+                <a:ea typeface="+mn-ea"/>
+                <a:cs typeface="+mn-cs"/>
+              </a:defRPr>
+            </a:lvl2pPr>
+            <a:lvl3pPr marL="914400" indent="0">
+              <a:defRPr sz="1100">
+                <a:solidFill>
+                  <a:schemeClr val="lt1"/>
+                </a:solidFill>
+                <a:latin typeface="+mn-lt"/>
+                <a:ea typeface="+mn-ea"/>
+                <a:cs typeface="+mn-cs"/>
+              </a:defRPr>
+            </a:lvl3pPr>
+            <a:lvl4pPr marL="1371600" indent="0">
+              <a:defRPr sz="1100">
+                <a:solidFill>
+                  <a:schemeClr val="lt1"/>
+                </a:solidFill>
+                <a:latin typeface="+mn-lt"/>
+                <a:ea typeface="+mn-ea"/>
+                <a:cs typeface="+mn-cs"/>
+              </a:defRPr>
+            </a:lvl4pPr>
+            <a:lvl5pPr marL="1828800" indent="0">
+              <a:defRPr sz="1100">
+                <a:solidFill>
+                  <a:schemeClr val="lt1"/>
+                </a:solidFill>
+                <a:latin typeface="+mn-lt"/>
+                <a:ea typeface="+mn-ea"/>
+                <a:cs typeface="+mn-cs"/>
+              </a:defRPr>
+            </a:lvl5pPr>
+            <a:lvl6pPr marL="2286000" indent="0">
+              <a:defRPr sz="1100">
+                <a:solidFill>
+                  <a:schemeClr val="lt1"/>
+                </a:solidFill>
+                <a:latin typeface="+mn-lt"/>
+                <a:ea typeface="+mn-ea"/>
+                <a:cs typeface="+mn-cs"/>
+              </a:defRPr>
+            </a:lvl6pPr>
+            <a:lvl7pPr marL="2743200" indent="0">
+              <a:defRPr sz="1100">
+                <a:solidFill>
+                  <a:schemeClr val="lt1"/>
+                </a:solidFill>
+                <a:latin typeface="+mn-lt"/>
+                <a:ea typeface="+mn-ea"/>
+                <a:cs typeface="+mn-cs"/>
+              </a:defRPr>
+            </a:lvl7pPr>
+            <a:lvl8pPr marL="3200400" indent="0">
+              <a:defRPr sz="1100">
+                <a:solidFill>
+                  <a:schemeClr val="lt1"/>
+                </a:solidFill>
+                <a:latin typeface="+mn-lt"/>
+                <a:ea typeface="+mn-ea"/>
+                <a:cs typeface="+mn-cs"/>
+              </a:defRPr>
+            </a:lvl8pPr>
+            <a:lvl9pPr marL="3657600" indent="0">
+              <a:defRPr sz="1100">
+                <a:solidFill>
+                  <a:schemeClr val="lt1"/>
+                </a:solidFill>
+                <a:latin typeface="+mn-lt"/>
+                <a:ea typeface="+mn-ea"/>
+                <a:cs typeface="+mn-cs"/>
+              </a:defRPr>
+            </a:lvl9pPr>
+          </a:lstStyle>
+          <a:p>
+            <a:pPr algn="ctr"/>
+            <a:r>
+              <a:rPr lang="en-US" sz="1100"/>
+              <a:t>QT4</a:t>
+            </a:r>
+          </a:p>
+        </p:txBody>
+      </p:sp>
+      <p:sp>
+        <p:nvSpPr>
+          <p:cNvPr id="57" name="Rectangle 56">
+            <a:extLst>
+              <a:ext uri="{FF2B5EF4-FFF2-40B4-BE49-F238E27FC236}">
+                <a16:creationId xmlns:a16="http://schemas.microsoft.com/office/drawing/2014/main" id="{A21E8E74-0424-4894-BFDA-06DD309D9CB7}"/>
+              </a:ext>
+            </a:extLst>
+          </p:cNvPr>
+          <p:cNvSpPr/>
+          <p:nvPr/>
+        </p:nvSpPr>
+        <p:spPr>
+          <a:xfrm>
+            <a:off x="3188345" y="2989058"/>
+            <a:ext cx="1574296" cy="673013"/>
+          </a:xfrm>
+          <a:prstGeom prst="rect">
+            <a:avLst/>
+          </a:prstGeom>
+          <a:solidFill>
+            <a:schemeClr val="accent6">
+              <a:lumMod val="40000"/>
+              <a:lumOff val="60000"/>
+            </a:schemeClr>
+          </a:solidFill>
+          <a:ln w="28575">
+            <a:solidFill>
+              <a:sysClr val="windowText" lastClr="000000"/>
+            </a:solidFill>
+            <a:prstDash val="dash"/>
+          </a:ln>
+        </p:spPr>
+        <p:style>
+          <a:lnRef idx="2">
+            <a:schemeClr val="accent1">
+              <a:shade val="50000"/>
+            </a:schemeClr>
+          </a:lnRef>
+          <a:fillRef idx="1">
+            <a:schemeClr val="accent1"/>
+          </a:fillRef>
+          <a:effectRef idx="0">
+            <a:schemeClr val="accent1"/>
+          </a:effectRef>
+          <a:fontRef idx="minor">
+            <a:schemeClr val="lt1"/>
+          </a:fontRef>
+        </p:style>
+        <p:txBody>
+          <a:bodyPr rtlCol="0" anchor="ctr"/>
+          <a:lstStyle>
+            <a:lvl1pPr marL="0" indent="0">
+              <a:defRPr sz="1100">
+                <a:solidFill>
+                  <a:schemeClr val="lt1"/>
+                </a:solidFill>
+                <a:latin typeface="+mn-lt"/>
+                <a:ea typeface="+mn-ea"/>
+                <a:cs typeface="+mn-cs"/>
+              </a:defRPr>
+            </a:lvl1pPr>
+            <a:lvl2pPr marL="457200" indent="0">
+              <a:defRPr sz="1100">
+                <a:solidFill>
+                  <a:schemeClr val="lt1"/>
+                </a:solidFill>
+                <a:latin typeface="+mn-lt"/>
+                <a:ea typeface="+mn-ea"/>
+                <a:cs typeface="+mn-cs"/>
+              </a:defRPr>
+            </a:lvl2pPr>
+            <a:lvl3pPr marL="914400" indent="0">
+              <a:defRPr sz="1100">
+                <a:solidFill>
+                  <a:schemeClr val="lt1"/>
+                </a:solidFill>
+                <a:latin typeface="+mn-lt"/>
+                <a:ea typeface="+mn-ea"/>
+                <a:cs typeface="+mn-cs"/>
+              </a:defRPr>
+            </a:lvl3pPr>
+            <a:lvl4pPr marL="1371600" indent="0">
+              <a:defRPr sz="1100">
+                <a:solidFill>
+                  <a:schemeClr val="lt1"/>
+                </a:solidFill>
+                <a:latin typeface="+mn-lt"/>
+                <a:ea typeface="+mn-ea"/>
+                <a:cs typeface="+mn-cs"/>
+              </a:defRPr>
+            </a:lvl4pPr>
+            <a:lvl5pPr marL="1828800" indent="0">
+              <a:defRPr sz="1100">
+                <a:solidFill>
+                  <a:schemeClr val="lt1"/>
+                </a:solidFill>
+                <a:latin typeface="+mn-lt"/>
+                <a:ea typeface="+mn-ea"/>
+                <a:cs typeface="+mn-cs"/>
+              </a:defRPr>
+            </a:lvl5pPr>
+            <a:lvl6pPr marL="2286000" indent="0">
+              <a:defRPr sz="1100">
+                <a:solidFill>
+                  <a:schemeClr val="lt1"/>
+                </a:solidFill>
+                <a:latin typeface="+mn-lt"/>
+                <a:ea typeface="+mn-ea"/>
+                <a:cs typeface="+mn-cs"/>
+              </a:defRPr>
+            </a:lvl6pPr>
+            <a:lvl7pPr marL="2743200" indent="0">
+              <a:defRPr sz="1100">
+                <a:solidFill>
+                  <a:schemeClr val="lt1"/>
+                </a:solidFill>
+                <a:latin typeface="+mn-lt"/>
+                <a:ea typeface="+mn-ea"/>
+                <a:cs typeface="+mn-cs"/>
+              </a:defRPr>
+            </a:lvl7pPr>
+            <a:lvl8pPr marL="3200400" indent="0">
+              <a:defRPr sz="1100">
+                <a:solidFill>
+                  <a:schemeClr val="lt1"/>
+                </a:solidFill>
+                <a:latin typeface="+mn-lt"/>
+                <a:ea typeface="+mn-ea"/>
+                <a:cs typeface="+mn-cs"/>
+              </a:defRPr>
+            </a:lvl8pPr>
+            <a:lvl9pPr marL="3657600" indent="0">
+              <a:defRPr sz="1100">
+                <a:solidFill>
+                  <a:schemeClr val="lt1"/>
+                </a:solidFill>
+                <a:latin typeface="+mn-lt"/>
+                <a:ea typeface="+mn-ea"/>
+                <a:cs typeface="+mn-cs"/>
+              </a:defRPr>
+            </a:lvl9pPr>
+          </a:lstStyle>
+          <a:p>
+            <a:pPr algn="ctr"/>
+            <a:r>
+              <a:rPr lang="en-US" sz="1100">
+                <a:solidFill>
+                  <a:sysClr val="windowText" lastClr="000000"/>
+                </a:solidFill>
+              </a:rPr>
+              <a:t>Kho SMT OK</a:t>
+            </a:r>
+          </a:p>
+        </p:txBody>
+      </p:sp>
+      <p:cxnSp>
+        <p:nvCxnSpPr>
+          <p:cNvPr id="58" name="Straight Arrow Connector 63">
+            <a:extLst>
+              <a:ext uri="{FF2B5EF4-FFF2-40B4-BE49-F238E27FC236}">
+                <a16:creationId xmlns:a16="http://schemas.microsoft.com/office/drawing/2014/main" id="{DBC83F7C-D774-4A9C-A207-AB2A9647985B}"/>
+              </a:ext>
+            </a:extLst>
+          </p:cNvPr>
+          <p:cNvCxnSpPr>
+            <a:stCxn id="35" idx="1"/>
+            <a:endCxn id="57" idx="0"/>
+          </p:cNvCxnSpPr>
+          <p:nvPr/>
+        </p:nvCxnSpPr>
+        <p:spPr>
+          <a:xfrm rot="10800000" flipV="1">
+            <a:off x="3975745" y="1020909"/>
+            <a:ext cx="3144533" cy="1968150"/>
+          </a:xfrm>
+          <a:prstGeom prst="bentConnector2">
+            <a:avLst/>
+          </a:prstGeom>
+          <a:ln w="28575">
+            <a:solidFill>
+              <a:schemeClr val="accent6">
+                <a:lumMod val="75000"/>
+              </a:schemeClr>
+            </a:solidFill>
+            <a:tailEnd type="triangle"/>
+          </a:ln>
+        </p:spPr>
+        <p:style>
+          <a:lnRef idx="1">
+            <a:schemeClr val="accent1"/>
+          </a:lnRef>
+          <a:fillRef idx="0">
+            <a:schemeClr val="accent1"/>
+          </a:fillRef>
+          <a:effectRef idx="0">
+            <a:schemeClr val="accent1"/>
+          </a:effectRef>
+          <a:fontRef idx="minor">
+            <a:schemeClr val="tx1"/>
+          </a:fontRef>
+        </p:style>
+      </p:cxnSp>
+      <p:sp>
+        <p:nvSpPr>
+          <p:cNvPr id="59" name="Flowchart: Decision 58">
+            <a:extLst>
+              <a:ext uri="{FF2B5EF4-FFF2-40B4-BE49-F238E27FC236}">
+                <a16:creationId xmlns:a16="http://schemas.microsoft.com/office/drawing/2014/main" id="{EB375576-F8FB-4A1B-B2CA-50E261A1FC1C}"/>
+              </a:ext>
+            </a:extLst>
+          </p:cNvPr>
+          <p:cNvSpPr/>
+          <p:nvPr/>
+        </p:nvSpPr>
+        <p:spPr>
+          <a:xfrm>
+            <a:off x="3458807" y="5628633"/>
+            <a:ext cx="1035997" cy="512075"/>
+          </a:xfrm>
+          <a:prstGeom prst="flowChartDecision">
+            <a:avLst/>
+          </a:prstGeom>
+          <a:noFill/>
+          <a:ln w="28575"/>
+        </p:spPr>
+        <p:style>
+          <a:lnRef idx="2">
+            <a:schemeClr val="accent1">
+              <a:shade val="50000"/>
+            </a:schemeClr>
+          </a:lnRef>
+          <a:fillRef idx="1">
+            <a:schemeClr val="accent1"/>
+          </a:fillRef>
+          <a:effectRef idx="0">
+            <a:schemeClr val="accent1"/>
+          </a:effectRef>
+          <a:fontRef idx="minor">
+            <a:schemeClr val="lt1"/>
+          </a:fontRef>
+        </p:style>
+        <p:txBody>
+          <a:bodyPr lIns="0" tIns="0" rIns="0" bIns="0" rtlCol="0" anchor="ctr" anchorCtr="0"/>
+          <a:lstStyle>
+            <a:lvl1pPr marL="0" indent="0">
+              <a:defRPr sz="1100">
+                <a:solidFill>
+                  <a:schemeClr val="lt1"/>
+                </a:solidFill>
+                <a:latin typeface="+mn-lt"/>
+                <a:ea typeface="+mn-ea"/>
+                <a:cs typeface="+mn-cs"/>
+              </a:defRPr>
+            </a:lvl1pPr>
+            <a:lvl2pPr marL="457200" indent="0">
+              <a:defRPr sz="1100">
+                <a:solidFill>
+                  <a:schemeClr val="lt1"/>
+                </a:solidFill>
+                <a:latin typeface="+mn-lt"/>
+                <a:ea typeface="+mn-ea"/>
+                <a:cs typeface="+mn-cs"/>
+              </a:defRPr>
+            </a:lvl2pPr>
+            <a:lvl3pPr marL="914400" indent="0">
+              <a:defRPr sz="1100">
+                <a:solidFill>
+                  <a:schemeClr val="lt1"/>
+                </a:solidFill>
+                <a:latin typeface="+mn-lt"/>
+                <a:ea typeface="+mn-ea"/>
+                <a:cs typeface="+mn-cs"/>
+              </a:defRPr>
+            </a:lvl3pPr>
+            <a:lvl4pPr marL="1371600" indent="0">
+              <a:defRPr sz="1100">
+                <a:solidFill>
+                  <a:schemeClr val="lt1"/>
+                </a:solidFill>
+                <a:latin typeface="+mn-lt"/>
+                <a:ea typeface="+mn-ea"/>
+                <a:cs typeface="+mn-cs"/>
+              </a:defRPr>
+            </a:lvl4pPr>
+            <a:lvl5pPr marL="1828800" indent="0">
+              <a:defRPr sz="1100">
+                <a:solidFill>
+                  <a:schemeClr val="lt1"/>
+                </a:solidFill>
+                <a:latin typeface="+mn-lt"/>
+                <a:ea typeface="+mn-ea"/>
+                <a:cs typeface="+mn-cs"/>
+              </a:defRPr>
+            </a:lvl5pPr>
+            <a:lvl6pPr marL="2286000" indent="0">
+              <a:defRPr sz="1100">
+                <a:solidFill>
+                  <a:schemeClr val="lt1"/>
+                </a:solidFill>
+                <a:latin typeface="+mn-lt"/>
+                <a:ea typeface="+mn-ea"/>
+                <a:cs typeface="+mn-cs"/>
+              </a:defRPr>
+            </a:lvl6pPr>
+            <a:lvl7pPr marL="2743200" indent="0">
+              <a:defRPr sz="1100">
+                <a:solidFill>
+                  <a:schemeClr val="lt1"/>
+                </a:solidFill>
+                <a:latin typeface="+mn-lt"/>
+                <a:ea typeface="+mn-ea"/>
+                <a:cs typeface="+mn-cs"/>
+              </a:defRPr>
+            </a:lvl7pPr>
+            <a:lvl8pPr marL="3200400" indent="0">
+              <a:defRPr sz="1100">
+                <a:solidFill>
+                  <a:schemeClr val="lt1"/>
+                </a:solidFill>
+                <a:latin typeface="+mn-lt"/>
+                <a:ea typeface="+mn-ea"/>
+                <a:cs typeface="+mn-cs"/>
+              </a:defRPr>
+            </a:lvl8pPr>
+            <a:lvl9pPr marL="3657600" indent="0">
+              <a:defRPr sz="1100">
+                <a:solidFill>
+                  <a:schemeClr val="lt1"/>
+                </a:solidFill>
+                <a:latin typeface="+mn-lt"/>
+                <a:ea typeface="+mn-ea"/>
+                <a:cs typeface="+mn-cs"/>
+              </a:defRPr>
+            </a:lvl9pPr>
+          </a:lstStyle>
+          <a:p>
+            <a:pPr algn="ctr"/>
+            <a:r>
+              <a:rPr lang="en-US" sz="1100">
+                <a:solidFill>
+                  <a:sysClr val="windowText" lastClr="000000"/>
+                </a:solidFill>
+              </a:rPr>
+              <a:t>SPL</a:t>
+            </a:r>
+          </a:p>
+        </p:txBody>
+      </p:sp>
+      <p:cxnSp>
+        <p:nvCxnSpPr>
+          <p:cNvPr id="60" name="Straight Arrow Connector 63">
+            <a:extLst>
+              <a:ext uri="{FF2B5EF4-FFF2-40B4-BE49-F238E27FC236}">
+                <a16:creationId xmlns:a16="http://schemas.microsoft.com/office/drawing/2014/main" id="{6158AE9E-DC00-4AAC-BF34-B3D05D202E9B}"/>
+              </a:ext>
+            </a:extLst>
+          </p:cNvPr>
+          <p:cNvCxnSpPr>
+            <a:stCxn id="57" idx="2"/>
+            <a:endCxn id="59" idx="0"/>
+          </p:cNvCxnSpPr>
+          <p:nvPr/>
+        </p:nvCxnSpPr>
+        <p:spPr>
+          <a:xfrm rot="16200000" flipH="1">
+            <a:off x="2992994" y="4644822"/>
+            <a:ext cx="1966561" cy="1060"/>
+          </a:xfrm>
+          <a:prstGeom prst="bentConnector3">
+            <a:avLst>
+              <a:gd name="adj1" fmla="val 50000"/>
+            </a:avLst>
+          </a:prstGeom>
+          <a:ln w="28575">
+            <a:solidFill>
+              <a:schemeClr val="accent2">
+                <a:lumMod val="50000"/>
+              </a:schemeClr>
+            </a:solidFill>
+            <a:tailEnd type="arrow"/>
+          </a:ln>
+        </p:spPr>
+        <p:style>
+          <a:lnRef idx="1">
+            <a:schemeClr val="accent1"/>
+          </a:lnRef>
+          <a:fillRef idx="0">
+            <a:schemeClr val="accent1"/>
+          </a:fillRef>
+          <a:effectRef idx="0">
+            <a:schemeClr val="accent1"/>
+          </a:effectRef>
+          <a:fontRef idx="minor">
+            <a:schemeClr val="tx1"/>
+          </a:fontRef>
+        </p:style>
+      </p:cxnSp>
+      <p:sp>
+        <p:nvSpPr>
+          <p:cNvPr id="61" name="TextBox 67">
+            <a:extLst>
+              <a:ext uri="{FF2B5EF4-FFF2-40B4-BE49-F238E27FC236}">
+                <a16:creationId xmlns:a16="http://schemas.microsoft.com/office/drawing/2014/main" id="{48927E2C-7516-4544-950F-D5FDE9B67474}"/>
+              </a:ext>
+            </a:extLst>
+          </p:cNvPr>
+          <p:cNvSpPr txBox="1"/>
+          <p:nvPr/>
+        </p:nvSpPr>
+        <p:spPr>
+          <a:xfrm>
+            <a:off x="4030853" y="3729097"/>
+            <a:ext cx="667175" cy="264546"/>
+          </a:xfrm>
+          <a:prstGeom prst="rect">
+            <a:avLst/>
+          </a:prstGeom>
+          <a:noFill/>
+          <a:ln w="9525" cmpd="sng">
+            <a:noFill/>
+          </a:ln>
+        </p:spPr>
+        <p:style>
+          <a:lnRef idx="0">
+            <a:scrgbClr r="0" g="0" b="0"/>
+          </a:lnRef>
+          <a:fillRef idx="0">
+            <a:scrgbClr r="0" g="0" b="0"/>
+          </a:fillRef>
+          <a:effectRef idx="0">
+            <a:scrgbClr r="0" g="0" b="0"/>
+          </a:effectRef>
+          <a:fontRef idx="minor">
+            <a:schemeClr val="dk1"/>
+          </a:fontRef>
+        </p:style>
+        <p:txBody>
+          <a:bodyPr wrap="square" lIns="0" tIns="0" rIns="0" bIns="0" rtlCol="0" anchor="ctr" anchorCtr="0">
+            <a:spAutoFit/>
+          </a:bodyPr>
+          <a:lstStyle>
+            <a:lvl1pPr marL="0" indent="0">
+              <a:defRPr sz="1100">
+                <a:solidFill>
+                  <a:schemeClr val="dk1"/>
+                </a:solidFill>
+                <a:latin typeface="+mn-lt"/>
+                <a:ea typeface="+mn-ea"/>
+                <a:cs typeface="+mn-cs"/>
+              </a:defRPr>
+            </a:lvl1pPr>
+            <a:lvl2pPr marL="457200" indent="0">
+              <a:defRPr sz="1100">
+                <a:solidFill>
+                  <a:schemeClr val="dk1"/>
+                </a:solidFill>
+                <a:latin typeface="+mn-lt"/>
+                <a:ea typeface="+mn-ea"/>
+                <a:cs typeface="+mn-cs"/>
+              </a:defRPr>
+            </a:lvl2pPr>
+            <a:lvl3pPr marL="914400" indent="0">
+              <a:defRPr sz="1100">
+                <a:solidFill>
+                  <a:schemeClr val="dk1"/>
+                </a:solidFill>
+                <a:latin typeface="+mn-lt"/>
+                <a:ea typeface="+mn-ea"/>
+                <a:cs typeface="+mn-cs"/>
+              </a:defRPr>
+            </a:lvl3pPr>
+            <a:lvl4pPr marL="1371600" indent="0">
+              <a:defRPr sz="1100">
+                <a:solidFill>
+                  <a:schemeClr val="dk1"/>
+                </a:solidFill>
+                <a:latin typeface="+mn-lt"/>
+                <a:ea typeface="+mn-ea"/>
+                <a:cs typeface="+mn-cs"/>
+              </a:defRPr>
+            </a:lvl4pPr>
+            <a:lvl5pPr marL="1828800" indent="0">
+              <a:defRPr sz="1100">
+                <a:solidFill>
+                  <a:schemeClr val="dk1"/>
+                </a:solidFill>
+                <a:latin typeface="+mn-lt"/>
+                <a:ea typeface="+mn-ea"/>
+                <a:cs typeface="+mn-cs"/>
+              </a:defRPr>
+            </a:lvl5pPr>
+            <a:lvl6pPr marL="2286000" indent="0">
+              <a:defRPr sz="1100">
+                <a:solidFill>
+                  <a:schemeClr val="dk1"/>
+                </a:solidFill>
+                <a:latin typeface="+mn-lt"/>
+                <a:ea typeface="+mn-ea"/>
+                <a:cs typeface="+mn-cs"/>
+              </a:defRPr>
+            </a:lvl6pPr>
+            <a:lvl7pPr marL="2743200" indent="0">
+              <a:defRPr sz="1100">
+                <a:solidFill>
+                  <a:schemeClr val="dk1"/>
+                </a:solidFill>
+                <a:latin typeface="+mn-lt"/>
+                <a:ea typeface="+mn-ea"/>
+                <a:cs typeface="+mn-cs"/>
+              </a:defRPr>
+            </a:lvl7pPr>
+            <a:lvl8pPr marL="3200400" indent="0">
+              <a:defRPr sz="1100">
+                <a:solidFill>
+                  <a:schemeClr val="dk1"/>
+                </a:solidFill>
+                <a:latin typeface="+mn-lt"/>
+                <a:ea typeface="+mn-ea"/>
+                <a:cs typeface="+mn-cs"/>
+              </a:defRPr>
+            </a:lvl8pPr>
+            <a:lvl9pPr marL="3657600" indent="0">
+              <a:defRPr sz="1100">
+                <a:solidFill>
+                  <a:schemeClr val="dk1"/>
+                </a:solidFill>
+                <a:latin typeface="+mn-lt"/>
+                <a:ea typeface="+mn-ea"/>
+                <a:cs typeface="+mn-cs"/>
+              </a:defRPr>
+            </a:lvl9pPr>
+          </a:lstStyle>
+          <a:p>
+            <a:pPr marL="0" indent="0" algn="ctr"/>
+            <a:r>
+              <a:rPr lang="en-US" sz="1100">
+                <a:solidFill>
+                  <a:schemeClr val="dk1"/>
+                </a:solidFill>
+                <a:latin typeface="+mn-lt"/>
+                <a:ea typeface="+mn-ea"/>
+                <a:cs typeface="+mn-cs"/>
+              </a:rPr>
+              <a:t>1 Year</a:t>
+            </a:r>
+          </a:p>
+          <a:p>
+            <a:pPr marL="0" marR="0" lvl="0" indent="0" algn="ctr" defTabSz="914400" eaLnBrk="1" fontAlgn="auto" latinLnBrk="0" hangingPunct="1">
+              <a:lnSpc>
+                <a:spcPct val="100000"/>
+              </a:lnSpc>
+              <a:spcBef>
+                <a:spcPts val="0"/>
+              </a:spcBef>
+              <a:spcAft>
+                <a:spcPts val="0"/>
+              </a:spcAft>
+              <a:buClrTx/>
+              <a:buSzTx/>
+              <a:buFontTx/>
+              <a:buNone/>
+              <a:tabLst/>
+              <a:defRPr/>
+            </a:pPr>
+            <a:r>
+              <a:rPr lang="en-US" sz="1100">
+                <a:solidFill>
+                  <a:schemeClr val="dk1"/>
+                </a:solidFill>
+                <a:effectLst/>
+                <a:latin typeface="+mn-lt"/>
+                <a:ea typeface="+mn-ea"/>
+                <a:cs typeface="+mn-cs"/>
+              </a:rPr>
+              <a:t>Re-check</a:t>
+            </a:r>
+            <a:endParaRPr lang="en-US">
+              <a:effectLst/>
+            </a:endParaRPr>
+          </a:p>
+        </p:txBody>
+      </p:sp>
+      <p:cxnSp>
+        <p:nvCxnSpPr>
+          <p:cNvPr id="62" name="Straight Arrow Connector 63">
+            <a:extLst>
+              <a:ext uri="{FF2B5EF4-FFF2-40B4-BE49-F238E27FC236}">
+                <a16:creationId xmlns:a16="http://schemas.microsoft.com/office/drawing/2014/main" id="{868D063E-484B-4970-B903-EFF2F4395A52}"/>
+              </a:ext>
+            </a:extLst>
+          </p:cNvPr>
+          <p:cNvCxnSpPr>
+            <a:stCxn id="59" idx="1"/>
+            <a:endCxn id="57" idx="1"/>
+          </p:cNvCxnSpPr>
+          <p:nvPr/>
+        </p:nvCxnSpPr>
+        <p:spPr>
+          <a:xfrm rot="10800000">
+            <a:off x="3188345" y="3325566"/>
+            <a:ext cx="270462" cy="2559106"/>
+          </a:xfrm>
+          <a:prstGeom prst="bentConnector3">
+            <a:avLst>
+              <a:gd name="adj1" fmla="val 172063"/>
+            </a:avLst>
+          </a:prstGeom>
+          <a:ln w="19050">
+            <a:solidFill>
+              <a:srgbClr val="0000FF"/>
+            </a:solidFill>
+            <a:tailEnd type="arrow"/>
+          </a:ln>
+        </p:spPr>
+        <p:style>
+          <a:lnRef idx="1">
+            <a:schemeClr val="accent1"/>
+          </a:lnRef>
+          <a:fillRef idx="0">
+            <a:schemeClr val="accent1"/>
+          </a:fillRef>
+          <a:effectRef idx="0">
+            <a:schemeClr val="accent1"/>
+          </a:effectRef>
+          <a:fontRef idx="minor">
+            <a:schemeClr val="tx1"/>
+          </a:fontRef>
+        </p:style>
+      </p:cxnSp>
+      <p:sp>
+        <p:nvSpPr>
+          <p:cNvPr id="63" name="Oval 62">
+            <a:extLst>
+              <a:ext uri="{FF2B5EF4-FFF2-40B4-BE49-F238E27FC236}">
+                <a16:creationId xmlns:a16="http://schemas.microsoft.com/office/drawing/2014/main" id="{040B677A-8325-4DB3-B1B4-1EB672C1B335}"/>
+              </a:ext>
+            </a:extLst>
+          </p:cNvPr>
+          <p:cNvSpPr/>
+          <p:nvPr/>
+        </p:nvSpPr>
+        <p:spPr>
+          <a:xfrm>
+            <a:off x="2659225" y="5173490"/>
+            <a:ext cx="578905" cy="490130"/>
+          </a:xfrm>
+          <a:prstGeom prst="ellipse">
+            <a:avLst/>
+          </a:prstGeom>
+          <a:solidFill>
+            <a:schemeClr val="bg1">
+              <a:lumMod val="95000"/>
+            </a:schemeClr>
+          </a:solidFill>
+          <a:ln w="28575">
+            <a:solidFill>
+              <a:schemeClr val="accent6">
+                <a:lumMod val="50000"/>
+              </a:schemeClr>
+            </a:solidFill>
+          </a:ln>
+        </p:spPr>
+        <p:style>
+          <a:lnRef idx="2">
+            <a:schemeClr val="accent1">
+              <a:shade val="50000"/>
+            </a:schemeClr>
+          </a:lnRef>
+          <a:fillRef idx="1">
+            <a:schemeClr val="accent1"/>
+          </a:fillRef>
+          <a:effectRef idx="0">
+            <a:schemeClr val="accent1"/>
+          </a:effectRef>
+          <a:fontRef idx="minor">
+            <a:schemeClr val="lt1"/>
+          </a:fontRef>
+        </p:style>
+        <p:txBody>
+          <a:bodyPr lIns="0" tIns="0" rIns="0" bIns="0" rtlCol="0" anchor="ctr" anchorCtr="0"/>
+          <a:lstStyle>
+            <a:lvl1pPr marL="0" indent="0">
+              <a:defRPr sz="1100">
+                <a:solidFill>
+                  <a:schemeClr val="lt1"/>
+                </a:solidFill>
+                <a:latin typeface="+mn-lt"/>
+                <a:ea typeface="+mn-ea"/>
+                <a:cs typeface="+mn-cs"/>
+              </a:defRPr>
+            </a:lvl1pPr>
+            <a:lvl2pPr marL="457200" indent="0">
+              <a:defRPr sz="1100">
+                <a:solidFill>
+                  <a:schemeClr val="lt1"/>
+                </a:solidFill>
+                <a:latin typeface="+mn-lt"/>
+                <a:ea typeface="+mn-ea"/>
+                <a:cs typeface="+mn-cs"/>
+              </a:defRPr>
+            </a:lvl2pPr>
+            <a:lvl3pPr marL="914400" indent="0">
+              <a:defRPr sz="1100">
+                <a:solidFill>
+                  <a:schemeClr val="lt1"/>
+                </a:solidFill>
+                <a:latin typeface="+mn-lt"/>
+                <a:ea typeface="+mn-ea"/>
+                <a:cs typeface="+mn-cs"/>
+              </a:defRPr>
+            </a:lvl3pPr>
+            <a:lvl4pPr marL="1371600" indent="0">
+              <a:defRPr sz="1100">
+                <a:solidFill>
+                  <a:schemeClr val="lt1"/>
+                </a:solidFill>
+                <a:latin typeface="+mn-lt"/>
+                <a:ea typeface="+mn-ea"/>
+                <a:cs typeface="+mn-cs"/>
+              </a:defRPr>
+            </a:lvl4pPr>
+            <a:lvl5pPr marL="1828800" indent="0">
+              <a:defRPr sz="1100">
+                <a:solidFill>
+                  <a:schemeClr val="lt1"/>
+                </a:solidFill>
+                <a:latin typeface="+mn-lt"/>
+                <a:ea typeface="+mn-ea"/>
+                <a:cs typeface="+mn-cs"/>
+              </a:defRPr>
+            </a:lvl5pPr>
+            <a:lvl6pPr marL="2286000" indent="0">
+              <a:defRPr sz="1100">
+                <a:solidFill>
+                  <a:schemeClr val="lt1"/>
+                </a:solidFill>
+                <a:latin typeface="+mn-lt"/>
+                <a:ea typeface="+mn-ea"/>
+                <a:cs typeface="+mn-cs"/>
+              </a:defRPr>
+            </a:lvl6pPr>
+            <a:lvl7pPr marL="2743200" indent="0">
+              <a:defRPr sz="1100">
+                <a:solidFill>
+                  <a:schemeClr val="lt1"/>
+                </a:solidFill>
+                <a:latin typeface="+mn-lt"/>
+                <a:ea typeface="+mn-ea"/>
+                <a:cs typeface="+mn-cs"/>
+              </a:defRPr>
+            </a:lvl7pPr>
+            <a:lvl8pPr marL="3200400" indent="0">
+              <a:defRPr sz="1100">
+                <a:solidFill>
+                  <a:schemeClr val="lt1"/>
+                </a:solidFill>
+                <a:latin typeface="+mn-lt"/>
+                <a:ea typeface="+mn-ea"/>
+                <a:cs typeface="+mn-cs"/>
+              </a:defRPr>
+            </a:lvl8pPr>
+            <a:lvl9pPr marL="3657600" indent="0">
+              <a:defRPr sz="1100">
+                <a:solidFill>
+                  <a:schemeClr val="lt1"/>
+                </a:solidFill>
+                <a:latin typeface="+mn-lt"/>
+                <a:ea typeface="+mn-ea"/>
+                <a:cs typeface="+mn-cs"/>
+              </a:defRPr>
+            </a:lvl9pPr>
+          </a:lstStyle>
+          <a:p>
+            <a:pPr marL="0" indent="0" algn="ctr"/>
+            <a:r>
+              <a:rPr lang="en-US" sz="900">
+                <a:solidFill>
+                  <a:sysClr val="windowText" lastClr="000000"/>
+                </a:solidFill>
+                <a:latin typeface="+mn-lt"/>
+                <a:ea typeface="+mn-ea"/>
+                <a:cs typeface="+mn-cs"/>
+              </a:rPr>
+              <a:t>Manual Recheck OK</a:t>
+            </a:r>
+          </a:p>
+        </p:txBody>
+      </p:sp>
+      <p:cxnSp>
+        <p:nvCxnSpPr>
+          <p:cNvPr id="64" name="Straight Arrow Connector 63">
+            <a:extLst>
+              <a:ext uri="{FF2B5EF4-FFF2-40B4-BE49-F238E27FC236}">
+                <a16:creationId xmlns:a16="http://schemas.microsoft.com/office/drawing/2014/main" id="{E1A2D919-DBCD-479B-8FE4-DA6B287C785B}"/>
+              </a:ext>
+            </a:extLst>
+          </p:cNvPr>
+          <p:cNvCxnSpPr>
+            <a:stCxn id="59" idx="2"/>
+            <a:endCxn id="50" idx="2"/>
+          </p:cNvCxnSpPr>
+          <p:nvPr/>
+        </p:nvCxnSpPr>
+        <p:spPr>
+          <a:xfrm rot="5400000" flipH="1" flipV="1">
+            <a:off x="6040850" y="1681041"/>
+            <a:ext cx="2395623" cy="6523713"/>
+          </a:xfrm>
+          <a:prstGeom prst="bentConnector3">
+            <a:avLst>
+              <a:gd name="adj1" fmla="val -13226"/>
+            </a:avLst>
+          </a:prstGeom>
+          <a:ln w="19050">
+            <a:solidFill>
+              <a:srgbClr val="FF0000"/>
+            </a:solidFill>
+            <a:tailEnd type="arrow"/>
+          </a:ln>
+        </p:spPr>
+        <p:style>
+          <a:lnRef idx="1">
+            <a:schemeClr val="accent1"/>
+          </a:lnRef>
+          <a:fillRef idx="0">
+            <a:schemeClr val="accent1"/>
+          </a:fillRef>
+          <a:effectRef idx="0">
+            <a:schemeClr val="accent1"/>
+          </a:effectRef>
+          <a:fontRef idx="minor">
+            <a:schemeClr val="tx1"/>
+          </a:fontRef>
+        </p:style>
+      </p:cxnSp>
+      <p:sp>
+        <p:nvSpPr>
+          <p:cNvPr id="65" name="Oval 64">
+            <a:extLst>
+              <a:ext uri="{FF2B5EF4-FFF2-40B4-BE49-F238E27FC236}">
+                <a16:creationId xmlns:a16="http://schemas.microsoft.com/office/drawing/2014/main" id="{5619BFA7-1849-4F91-B6E4-7FE75767D621}"/>
+              </a:ext>
+            </a:extLst>
+          </p:cNvPr>
+          <p:cNvSpPr/>
+          <p:nvPr/>
+        </p:nvSpPr>
+        <p:spPr>
+          <a:xfrm>
+            <a:off x="4274832" y="6177603"/>
+            <a:ext cx="578904" cy="490130"/>
+          </a:xfrm>
+          <a:prstGeom prst="ellipse">
+            <a:avLst/>
+          </a:prstGeom>
+          <a:solidFill>
+            <a:schemeClr val="accent4">
+              <a:lumMod val="60000"/>
+              <a:lumOff val="40000"/>
+            </a:schemeClr>
+          </a:solidFill>
+          <a:ln w="38100">
+            <a:solidFill>
+              <a:srgbClr val="FF0000"/>
+            </a:solidFill>
+          </a:ln>
+        </p:spPr>
+        <p:style>
+          <a:lnRef idx="2">
+            <a:schemeClr val="accent1">
+              <a:shade val="50000"/>
+            </a:schemeClr>
+          </a:lnRef>
+          <a:fillRef idx="1">
+            <a:schemeClr val="accent1"/>
+          </a:fillRef>
+          <a:effectRef idx="0">
+            <a:schemeClr val="accent1"/>
+          </a:effectRef>
+          <a:fontRef idx="minor">
+            <a:schemeClr val="lt1"/>
+          </a:fontRef>
+        </p:style>
+        <p:txBody>
+          <a:bodyPr lIns="0" tIns="0" rIns="0" bIns="0" rtlCol="0" anchor="ctr" anchorCtr="0"/>
+          <a:lstStyle>
+            <a:lvl1pPr marL="0" indent="0">
+              <a:defRPr sz="1100">
+                <a:solidFill>
+                  <a:schemeClr val="lt1"/>
+                </a:solidFill>
+                <a:latin typeface="+mn-lt"/>
+                <a:ea typeface="+mn-ea"/>
+                <a:cs typeface="+mn-cs"/>
+              </a:defRPr>
+            </a:lvl1pPr>
+            <a:lvl2pPr marL="457200" indent="0">
+              <a:defRPr sz="1100">
+                <a:solidFill>
+                  <a:schemeClr val="lt1"/>
+                </a:solidFill>
+                <a:latin typeface="+mn-lt"/>
+                <a:ea typeface="+mn-ea"/>
+                <a:cs typeface="+mn-cs"/>
+              </a:defRPr>
+            </a:lvl2pPr>
+            <a:lvl3pPr marL="914400" indent="0">
+              <a:defRPr sz="1100">
+                <a:solidFill>
+                  <a:schemeClr val="lt1"/>
+                </a:solidFill>
+                <a:latin typeface="+mn-lt"/>
+                <a:ea typeface="+mn-ea"/>
+                <a:cs typeface="+mn-cs"/>
+              </a:defRPr>
+            </a:lvl3pPr>
+            <a:lvl4pPr marL="1371600" indent="0">
+              <a:defRPr sz="1100">
+                <a:solidFill>
+                  <a:schemeClr val="lt1"/>
+                </a:solidFill>
+                <a:latin typeface="+mn-lt"/>
+                <a:ea typeface="+mn-ea"/>
+                <a:cs typeface="+mn-cs"/>
+              </a:defRPr>
+            </a:lvl4pPr>
+            <a:lvl5pPr marL="1828800" indent="0">
+              <a:defRPr sz="1100">
+                <a:solidFill>
+                  <a:schemeClr val="lt1"/>
+                </a:solidFill>
+                <a:latin typeface="+mn-lt"/>
+                <a:ea typeface="+mn-ea"/>
+                <a:cs typeface="+mn-cs"/>
+              </a:defRPr>
+            </a:lvl5pPr>
+            <a:lvl6pPr marL="2286000" indent="0">
+              <a:defRPr sz="1100">
+                <a:solidFill>
+                  <a:schemeClr val="lt1"/>
+                </a:solidFill>
+                <a:latin typeface="+mn-lt"/>
+                <a:ea typeface="+mn-ea"/>
+                <a:cs typeface="+mn-cs"/>
+              </a:defRPr>
+            </a:lvl6pPr>
+            <a:lvl7pPr marL="2743200" indent="0">
+              <a:defRPr sz="1100">
+                <a:solidFill>
+                  <a:schemeClr val="lt1"/>
+                </a:solidFill>
+                <a:latin typeface="+mn-lt"/>
+                <a:ea typeface="+mn-ea"/>
+                <a:cs typeface="+mn-cs"/>
+              </a:defRPr>
+            </a:lvl7pPr>
+            <a:lvl8pPr marL="3200400" indent="0">
+              <a:defRPr sz="1100">
+                <a:solidFill>
+                  <a:schemeClr val="lt1"/>
+                </a:solidFill>
+                <a:latin typeface="+mn-lt"/>
+                <a:ea typeface="+mn-ea"/>
+                <a:cs typeface="+mn-cs"/>
+              </a:defRPr>
+            </a:lvl8pPr>
+            <a:lvl9pPr marL="3657600" indent="0">
+              <a:defRPr sz="1100">
+                <a:solidFill>
+                  <a:schemeClr val="lt1"/>
+                </a:solidFill>
+                <a:latin typeface="+mn-lt"/>
+                <a:ea typeface="+mn-ea"/>
+                <a:cs typeface="+mn-cs"/>
+              </a:defRPr>
+            </a:lvl9pPr>
+          </a:lstStyle>
+          <a:p>
+            <a:pPr marL="0" indent="0" algn="ctr"/>
+            <a:r>
+              <a:rPr lang="en-US" sz="900" dirty="0">
+                <a:solidFill>
+                  <a:sysClr val="windowText" lastClr="000000"/>
+                </a:solidFill>
+                <a:latin typeface="+mn-lt"/>
+                <a:ea typeface="+mn-ea"/>
+                <a:cs typeface="+mn-cs"/>
+              </a:rPr>
+              <a:t>Manual Recheck NG</a:t>
+            </a:r>
+          </a:p>
+        </p:txBody>
+      </p:sp>
+      <p:sp>
+        <p:nvSpPr>
+          <p:cNvPr id="66" name="TextBox 81">
+            <a:extLst>
+              <a:ext uri="{FF2B5EF4-FFF2-40B4-BE49-F238E27FC236}">
+                <a16:creationId xmlns:a16="http://schemas.microsoft.com/office/drawing/2014/main" id="{DB0458FE-481E-4E13-8E6D-EDF76F647790}"/>
+              </a:ext>
+            </a:extLst>
+          </p:cNvPr>
+          <p:cNvSpPr txBox="1"/>
+          <p:nvPr/>
+        </p:nvSpPr>
+        <p:spPr>
+          <a:xfrm>
+            <a:off x="3200703" y="5608595"/>
+            <a:ext cx="367761" cy="256038"/>
+          </a:xfrm>
+          <a:prstGeom prst="rect">
+            <a:avLst/>
+          </a:prstGeom>
+          <a:noFill/>
+          <a:ln w="9525" cmpd="sng">
+            <a:noFill/>
+          </a:ln>
+        </p:spPr>
+        <p:style>
+          <a:lnRef idx="0">
+            <a:scrgbClr r="0" g="0" b="0"/>
+          </a:lnRef>
+          <a:fillRef idx="0">
+            <a:scrgbClr r="0" g="0" b="0"/>
+          </a:fillRef>
+          <a:effectRef idx="0">
+            <a:scrgbClr r="0" g="0" b="0"/>
+          </a:effectRef>
+          <a:fontRef idx="minor">
+            <a:schemeClr val="dk1"/>
+          </a:fontRef>
+        </p:style>
+        <p:txBody>
+          <a:bodyPr wrap="square" lIns="0" tIns="0" rIns="0" bIns="0" rtlCol="0" anchor="ctr" anchorCtr="0"/>
+          <a:lstStyle>
+            <a:lvl1pPr marL="0" indent="0">
+              <a:defRPr sz="1100">
+                <a:solidFill>
+                  <a:schemeClr val="dk1"/>
+                </a:solidFill>
+                <a:latin typeface="+mn-lt"/>
+                <a:ea typeface="+mn-ea"/>
+                <a:cs typeface="+mn-cs"/>
+              </a:defRPr>
+            </a:lvl1pPr>
+            <a:lvl2pPr marL="457200" indent="0">
+              <a:defRPr sz="1100">
+                <a:solidFill>
+                  <a:schemeClr val="dk1"/>
+                </a:solidFill>
+                <a:latin typeface="+mn-lt"/>
+                <a:ea typeface="+mn-ea"/>
+                <a:cs typeface="+mn-cs"/>
+              </a:defRPr>
+            </a:lvl2pPr>
+            <a:lvl3pPr marL="914400" indent="0">
+              <a:defRPr sz="1100">
+                <a:solidFill>
+                  <a:schemeClr val="dk1"/>
+                </a:solidFill>
+                <a:latin typeface="+mn-lt"/>
+                <a:ea typeface="+mn-ea"/>
+                <a:cs typeface="+mn-cs"/>
+              </a:defRPr>
+            </a:lvl3pPr>
+            <a:lvl4pPr marL="1371600" indent="0">
+              <a:defRPr sz="1100">
+                <a:solidFill>
+                  <a:schemeClr val="dk1"/>
+                </a:solidFill>
+                <a:latin typeface="+mn-lt"/>
+                <a:ea typeface="+mn-ea"/>
+                <a:cs typeface="+mn-cs"/>
+              </a:defRPr>
+            </a:lvl4pPr>
+            <a:lvl5pPr marL="1828800" indent="0">
+              <a:defRPr sz="1100">
+                <a:solidFill>
+                  <a:schemeClr val="dk1"/>
+                </a:solidFill>
+                <a:latin typeface="+mn-lt"/>
+                <a:ea typeface="+mn-ea"/>
+                <a:cs typeface="+mn-cs"/>
+              </a:defRPr>
+            </a:lvl5pPr>
+            <a:lvl6pPr marL="2286000" indent="0">
+              <a:defRPr sz="1100">
+                <a:solidFill>
+                  <a:schemeClr val="dk1"/>
+                </a:solidFill>
+                <a:latin typeface="+mn-lt"/>
+                <a:ea typeface="+mn-ea"/>
+                <a:cs typeface="+mn-cs"/>
+              </a:defRPr>
+            </a:lvl6pPr>
+            <a:lvl7pPr marL="2743200" indent="0">
+              <a:defRPr sz="1100">
+                <a:solidFill>
+                  <a:schemeClr val="dk1"/>
+                </a:solidFill>
+                <a:latin typeface="+mn-lt"/>
+                <a:ea typeface="+mn-ea"/>
+                <a:cs typeface="+mn-cs"/>
+              </a:defRPr>
+            </a:lvl7pPr>
+            <a:lvl8pPr marL="3200400" indent="0">
+              <a:defRPr sz="1100">
+                <a:solidFill>
+                  <a:schemeClr val="dk1"/>
+                </a:solidFill>
+                <a:latin typeface="+mn-lt"/>
+                <a:ea typeface="+mn-ea"/>
+                <a:cs typeface="+mn-cs"/>
+              </a:defRPr>
+            </a:lvl8pPr>
+            <a:lvl9pPr marL="3657600" indent="0">
+              <a:defRPr sz="1100">
+                <a:solidFill>
+                  <a:schemeClr val="dk1"/>
+                </a:solidFill>
+                <a:latin typeface="+mn-lt"/>
+                <a:ea typeface="+mn-ea"/>
+                <a:cs typeface="+mn-cs"/>
+              </a:defRPr>
+            </a:lvl9pPr>
+          </a:lstStyle>
+          <a:p>
+            <a:pPr algn="ctr"/>
+            <a:r>
+              <a:rPr lang="en-US" sz="1100"/>
+              <a:t>OK</a:t>
+            </a:r>
+          </a:p>
+        </p:txBody>
+      </p:sp>
+      <p:sp>
+        <p:nvSpPr>
+          <p:cNvPr id="67" name="TextBox 82">
+            <a:extLst>
+              <a:ext uri="{FF2B5EF4-FFF2-40B4-BE49-F238E27FC236}">
+                <a16:creationId xmlns:a16="http://schemas.microsoft.com/office/drawing/2014/main" id="{65FBA300-C9B0-4A2B-9B44-060F00CF6268}"/>
+              </a:ext>
+            </a:extLst>
+          </p:cNvPr>
+          <p:cNvSpPr txBox="1"/>
+          <p:nvPr/>
+        </p:nvSpPr>
+        <p:spPr>
+          <a:xfrm>
+            <a:off x="3660973" y="6072961"/>
+            <a:ext cx="367762" cy="256038"/>
+          </a:xfrm>
+          <a:prstGeom prst="rect">
+            <a:avLst/>
+          </a:prstGeom>
+          <a:noFill/>
+          <a:ln w="9525" cmpd="sng">
+            <a:noFill/>
+          </a:ln>
+        </p:spPr>
+        <p:style>
+          <a:lnRef idx="0">
+            <a:scrgbClr r="0" g="0" b="0"/>
+          </a:lnRef>
+          <a:fillRef idx="0">
+            <a:scrgbClr r="0" g="0" b="0"/>
+          </a:fillRef>
+          <a:effectRef idx="0">
+            <a:scrgbClr r="0" g="0" b="0"/>
+          </a:effectRef>
+          <a:fontRef idx="minor">
+            <a:schemeClr val="dk1"/>
+          </a:fontRef>
+        </p:style>
+        <p:txBody>
+          <a:bodyPr wrap="square" lIns="0" tIns="0" rIns="0" bIns="0" rtlCol="0" anchor="ctr" anchorCtr="0"/>
+          <a:lstStyle>
+            <a:lvl1pPr marL="0" indent="0">
+              <a:defRPr sz="1100">
+                <a:solidFill>
+                  <a:schemeClr val="dk1"/>
+                </a:solidFill>
+                <a:latin typeface="+mn-lt"/>
+                <a:ea typeface="+mn-ea"/>
+                <a:cs typeface="+mn-cs"/>
+              </a:defRPr>
+            </a:lvl1pPr>
+            <a:lvl2pPr marL="457200" indent="0">
+              <a:defRPr sz="1100">
+                <a:solidFill>
+                  <a:schemeClr val="dk1"/>
+                </a:solidFill>
+                <a:latin typeface="+mn-lt"/>
+                <a:ea typeface="+mn-ea"/>
+                <a:cs typeface="+mn-cs"/>
+              </a:defRPr>
+            </a:lvl2pPr>
+            <a:lvl3pPr marL="914400" indent="0">
+              <a:defRPr sz="1100">
+                <a:solidFill>
+                  <a:schemeClr val="dk1"/>
+                </a:solidFill>
+                <a:latin typeface="+mn-lt"/>
+                <a:ea typeface="+mn-ea"/>
+                <a:cs typeface="+mn-cs"/>
+              </a:defRPr>
+            </a:lvl3pPr>
+            <a:lvl4pPr marL="1371600" indent="0">
+              <a:defRPr sz="1100">
+                <a:solidFill>
+                  <a:schemeClr val="dk1"/>
+                </a:solidFill>
+                <a:latin typeface="+mn-lt"/>
+                <a:ea typeface="+mn-ea"/>
+                <a:cs typeface="+mn-cs"/>
+              </a:defRPr>
+            </a:lvl4pPr>
+            <a:lvl5pPr marL="1828800" indent="0">
+              <a:defRPr sz="1100">
+                <a:solidFill>
+                  <a:schemeClr val="dk1"/>
+                </a:solidFill>
+                <a:latin typeface="+mn-lt"/>
+                <a:ea typeface="+mn-ea"/>
+                <a:cs typeface="+mn-cs"/>
+              </a:defRPr>
+            </a:lvl5pPr>
+            <a:lvl6pPr marL="2286000" indent="0">
+              <a:defRPr sz="1100">
+                <a:solidFill>
+                  <a:schemeClr val="dk1"/>
+                </a:solidFill>
+                <a:latin typeface="+mn-lt"/>
+                <a:ea typeface="+mn-ea"/>
+                <a:cs typeface="+mn-cs"/>
+              </a:defRPr>
+            </a:lvl6pPr>
+            <a:lvl7pPr marL="2743200" indent="0">
+              <a:defRPr sz="1100">
+                <a:solidFill>
+                  <a:schemeClr val="dk1"/>
+                </a:solidFill>
+                <a:latin typeface="+mn-lt"/>
+                <a:ea typeface="+mn-ea"/>
+                <a:cs typeface="+mn-cs"/>
+              </a:defRPr>
+            </a:lvl7pPr>
+            <a:lvl8pPr marL="3200400" indent="0">
+              <a:defRPr sz="1100">
+                <a:solidFill>
+                  <a:schemeClr val="dk1"/>
+                </a:solidFill>
+                <a:latin typeface="+mn-lt"/>
+                <a:ea typeface="+mn-ea"/>
+                <a:cs typeface="+mn-cs"/>
+              </a:defRPr>
+            </a:lvl8pPr>
+            <a:lvl9pPr marL="3657600" indent="0">
+              <a:defRPr sz="1100">
+                <a:solidFill>
+                  <a:schemeClr val="dk1"/>
+                </a:solidFill>
+                <a:latin typeface="+mn-lt"/>
+                <a:ea typeface="+mn-ea"/>
+                <a:cs typeface="+mn-cs"/>
+              </a:defRPr>
+            </a:lvl9pPr>
+          </a:lstStyle>
+          <a:p>
+            <a:pPr algn="ctr"/>
+            <a:r>
+              <a:rPr lang="en-US" sz="1100"/>
+              <a:t>NG</a:t>
+            </a:r>
+          </a:p>
+        </p:txBody>
+      </p:sp>
+      <p:sp>
+        <p:nvSpPr>
+          <p:cNvPr id="68" name="Oval 67">
+            <a:extLst>
+              <a:ext uri="{FF2B5EF4-FFF2-40B4-BE49-F238E27FC236}">
+                <a16:creationId xmlns:a16="http://schemas.microsoft.com/office/drawing/2014/main" id="{AF98E6DC-24D1-4DDE-8D14-8823279EE9D1}"/>
+              </a:ext>
+            </a:extLst>
+          </p:cNvPr>
+          <p:cNvSpPr/>
+          <p:nvPr/>
+        </p:nvSpPr>
+        <p:spPr>
+          <a:xfrm>
+            <a:off x="5248333" y="5345241"/>
+            <a:ext cx="578904" cy="490130"/>
+          </a:xfrm>
+          <a:prstGeom prst="ellipse">
+            <a:avLst/>
+          </a:prstGeom>
+          <a:solidFill>
+            <a:schemeClr val="bg1">
+              <a:lumMod val="95000"/>
+            </a:schemeClr>
+          </a:solidFill>
+          <a:ln w="28575">
+            <a:solidFill>
+              <a:schemeClr val="accent6">
+                <a:lumMod val="50000"/>
+              </a:schemeClr>
+            </a:solidFill>
+          </a:ln>
+        </p:spPr>
+        <p:style>
+          <a:lnRef idx="2">
+            <a:schemeClr val="accent1">
+              <a:shade val="50000"/>
+            </a:schemeClr>
+          </a:lnRef>
+          <a:fillRef idx="1">
+            <a:schemeClr val="accent1"/>
+          </a:fillRef>
+          <a:effectRef idx="0">
+            <a:schemeClr val="accent1"/>
+          </a:effectRef>
+          <a:fontRef idx="minor">
+            <a:schemeClr val="lt1"/>
+          </a:fontRef>
+        </p:style>
+        <p:txBody>
+          <a:bodyPr lIns="0" tIns="0" rIns="0" bIns="0" rtlCol="0" anchor="ctr" anchorCtr="0"/>
+          <a:lstStyle>
+            <a:lvl1pPr marL="0" indent="0">
+              <a:defRPr sz="1100">
+                <a:solidFill>
+                  <a:schemeClr val="lt1"/>
+                </a:solidFill>
+                <a:latin typeface="+mn-lt"/>
+                <a:ea typeface="+mn-ea"/>
+                <a:cs typeface="+mn-cs"/>
+              </a:defRPr>
+            </a:lvl1pPr>
+            <a:lvl2pPr marL="457200" indent="0">
+              <a:defRPr sz="1100">
+                <a:solidFill>
+                  <a:schemeClr val="lt1"/>
+                </a:solidFill>
+                <a:latin typeface="+mn-lt"/>
+                <a:ea typeface="+mn-ea"/>
+                <a:cs typeface="+mn-cs"/>
+              </a:defRPr>
+            </a:lvl2pPr>
+            <a:lvl3pPr marL="914400" indent="0">
+              <a:defRPr sz="1100">
+                <a:solidFill>
+                  <a:schemeClr val="lt1"/>
+                </a:solidFill>
+                <a:latin typeface="+mn-lt"/>
+                <a:ea typeface="+mn-ea"/>
+                <a:cs typeface="+mn-cs"/>
+              </a:defRPr>
+            </a:lvl3pPr>
+            <a:lvl4pPr marL="1371600" indent="0">
+              <a:defRPr sz="1100">
+                <a:solidFill>
+                  <a:schemeClr val="lt1"/>
+                </a:solidFill>
+                <a:latin typeface="+mn-lt"/>
+                <a:ea typeface="+mn-ea"/>
+                <a:cs typeface="+mn-cs"/>
+              </a:defRPr>
+            </a:lvl4pPr>
+            <a:lvl5pPr marL="1828800" indent="0">
+              <a:defRPr sz="1100">
+                <a:solidFill>
+                  <a:schemeClr val="lt1"/>
+                </a:solidFill>
+                <a:latin typeface="+mn-lt"/>
+                <a:ea typeface="+mn-ea"/>
+                <a:cs typeface="+mn-cs"/>
+              </a:defRPr>
+            </a:lvl5pPr>
+            <a:lvl6pPr marL="2286000" indent="0">
+              <a:defRPr sz="1100">
+                <a:solidFill>
+                  <a:schemeClr val="lt1"/>
+                </a:solidFill>
+                <a:latin typeface="+mn-lt"/>
+                <a:ea typeface="+mn-ea"/>
+                <a:cs typeface="+mn-cs"/>
+              </a:defRPr>
+            </a:lvl6pPr>
+            <a:lvl7pPr marL="2743200" indent="0">
+              <a:defRPr sz="1100">
+                <a:solidFill>
+                  <a:schemeClr val="lt1"/>
+                </a:solidFill>
+                <a:latin typeface="+mn-lt"/>
+                <a:ea typeface="+mn-ea"/>
+                <a:cs typeface="+mn-cs"/>
+              </a:defRPr>
+            </a:lvl7pPr>
+            <a:lvl8pPr marL="3200400" indent="0">
+              <a:defRPr sz="1100">
+                <a:solidFill>
+                  <a:schemeClr val="lt1"/>
+                </a:solidFill>
+                <a:latin typeface="+mn-lt"/>
+                <a:ea typeface="+mn-ea"/>
+                <a:cs typeface="+mn-cs"/>
+              </a:defRPr>
+            </a:lvl8pPr>
+            <a:lvl9pPr marL="3657600" indent="0">
+              <a:defRPr sz="1100">
+                <a:solidFill>
+                  <a:schemeClr val="lt1"/>
+                </a:solidFill>
+                <a:latin typeface="+mn-lt"/>
+                <a:ea typeface="+mn-ea"/>
+                <a:cs typeface="+mn-cs"/>
+              </a:defRPr>
+            </a:lvl9pPr>
+          </a:lstStyle>
+          <a:p>
+            <a:pPr marL="0" indent="0" algn="ctr"/>
+            <a:r>
+              <a:rPr lang="en-US" sz="900">
+                <a:solidFill>
+                  <a:sysClr val="windowText" lastClr="000000"/>
+                </a:solidFill>
+                <a:latin typeface="+mn-lt"/>
+                <a:ea typeface="+mn-ea"/>
+                <a:cs typeface="+mn-cs"/>
+              </a:rPr>
+              <a:t>Manual Recheck OK</a:t>
+            </a:r>
+          </a:p>
+        </p:txBody>
+      </p:sp>
+    </p:spTree>
+    <p:extLst>
+      <p:ext uri="{BB962C8B-B14F-4D97-AF65-F5344CB8AC3E}">
+        <p14:creationId xmlns:p14="http://schemas.microsoft.com/office/powerpoint/2010/main" val="2474386258"/>
+      </p:ext>
+    </p:extLst>
+  </p:cSld>
+  <p:clrMapOvr>
+    <a:masterClrMapping/>
+  </p:clrMapOvr>
+</p:sld>
+</file>
+
 <file path=ppt/theme/theme1.xml><?xml version="1.0" encoding="utf-8"?>
 <a:theme xmlns:a="http://schemas.openxmlformats.org/drawingml/2006/main" name="Office Theme">
   <a:themeElements>
